--- a/DengAI_PP_3.pptx
+++ b/DengAI_PP_3.pptx
@@ -9,18 +9,19 @@
     <p:sldId id="258" r:id="rId3"/>
     <p:sldId id="257" r:id="rId4"/>
     <p:sldId id="266" r:id="rId5"/>
-    <p:sldId id="259" r:id="rId6"/>
-    <p:sldId id="269" r:id="rId7"/>
-    <p:sldId id="277" r:id="rId8"/>
+    <p:sldId id="282" r:id="rId6"/>
+    <p:sldId id="259" r:id="rId7"/>
+    <p:sldId id="269" r:id="rId8"/>
     <p:sldId id="275" r:id="rId9"/>
     <p:sldId id="270" r:id="rId10"/>
-    <p:sldId id="273" r:id="rId11"/>
-    <p:sldId id="276" r:id="rId12"/>
-    <p:sldId id="264" r:id="rId13"/>
-    <p:sldId id="278" r:id="rId14"/>
-    <p:sldId id="279" r:id="rId15"/>
-    <p:sldId id="274" r:id="rId16"/>
-    <p:sldId id="260" r:id="rId17"/>
+    <p:sldId id="281" r:id="rId11"/>
+    <p:sldId id="273" r:id="rId12"/>
+    <p:sldId id="276" r:id="rId13"/>
+    <p:sldId id="264" r:id="rId14"/>
+    <p:sldId id="278" r:id="rId15"/>
+    <p:sldId id="279" r:id="rId16"/>
+    <p:sldId id="274" r:id="rId17"/>
+    <p:sldId id="260" r:id="rId18"/>
   </p:sldIdLst>
   <p:sldSz cx="12192000" cy="6858000"/>
   <p:notesSz cx="6858000" cy="9144000"/>
@@ -125,6 +126,18 @@
     </p:ext>
   </p:extLst>
 </p:presentation>
+</file>
+
+<file path=ppt/commentAuthors.xml><?xml version="1.0" encoding="utf-8"?>
+<p:cmAuthorLst xmlns:a="http://schemas.openxmlformats.org/drawingml/2006/main" xmlns:r="http://schemas.openxmlformats.org/officeDocument/2006/relationships" xmlns:p="http://schemas.openxmlformats.org/presentationml/2006/main">
+  <p:cmAuthor id="1" name="Hendrik Winkhardt" initials="HW" lastIdx="1" clrIdx="0">
+    <p:extLst>
+      <p:ext uri="{19B8F6BF-5375-455C-9EA6-DF929625EA0E}">
+        <p15:presenceInfo xmlns:p15="http://schemas.microsoft.com/office/powerpoint/2012/main" userId="2168d335e6ac19b8" providerId="Windows Live"/>
+      </p:ext>
+    </p:extLst>
+  </p:cmAuthor>
+</p:cmAuthorLst>
 </file>
 
 <file path=ppt/changesInfos/changesInfo1.xml><?xml version="1.0" encoding="utf-8"?>
@@ -404,6 +417,20 @@
 </pc:chgInfo>
 </file>
 
+<file path=ppt/comments/comment1.xml><?xml version="1.0" encoding="utf-8"?>
+<p:cmLst xmlns:a="http://schemas.openxmlformats.org/drawingml/2006/main" xmlns:r="http://schemas.openxmlformats.org/officeDocument/2006/relationships" xmlns:p="http://schemas.openxmlformats.org/presentationml/2006/main">
+  <p:cm authorId="1" dt="2018-07-29T22:21:37.801" idx="1">
+    <p:pos x="2825" y="1180"/>
+    <p:text>Which?</p:text>
+    <p:extLst>
+      <p:ext uri="{C676402C-5697-4E1C-873F-D02D1690AC5C}">
+        <p15:threadingInfo xmlns:p15="http://schemas.microsoft.com/office/powerpoint/2012/main" timeZoneBias="-120"/>
+      </p:ext>
+    </p:extLst>
+  </p:cm>
+</p:cmLst>
+</file>
+
 <file path=ppt/slideLayouts/slideLayout1.xml><?xml version="1.0" encoding="utf-8"?>
 <p:sldLayout xmlns:a="http://schemas.openxmlformats.org/drawingml/2006/main" xmlns:r="http://schemas.openxmlformats.org/officeDocument/2006/relationships" xmlns:p="http://schemas.openxmlformats.org/presentationml/2006/main" type="title" preserve="1">
   <p:cSld name="Titelfolie">
@@ -551,7 +578,7 @@
           <a:p>
             <a:fld id="{BD272342-43D0-4748-B8B5-45FC18A52E09}" type="datetimeFigureOut">
               <a:rPr lang="de-DE" smtClean="0"/>
-              <a:t>29.07.2018</a:t>
+              <a:t>30.07.2018</a:t>
             </a:fld>
             <a:endParaRPr lang="de-DE"/>
           </a:p>
@@ -605,7 +632,7 @@
           <a:p>
             <a:fld id="{9A0DC0E2-826C-46CC-AD1F-64B058F73BC4}" type="slidenum">
               <a:rPr lang="de-DE" smtClean="0"/>
-              <a:t>‹#›</a:t>
+              <a:t>‹Nr.›</a:t>
             </a:fld>
             <a:endParaRPr lang="de-DE"/>
           </a:p>
@@ -749,7 +776,7 @@
           <a:p>
             <a:fld id="{BD272342-43D0-4748-B8B5-45FC18A52E09}" type="datetimeFigureOut">
               <a:rPr lang="de-DE" smtClean="0"/>
-              <a:t>29.07.2018</a:t>
+              <a:t>30.07.2018</a:t>
             </a:fld>
             <a:endParaRPr lang="de-DE"/>
           </a:p>
@@ -803,7 +830,7 @@
           <a:p>
             <a:fld id="{9A0DC0E2-826C-46CC-AD1F-64B058F73BC4}" type="slidenum">
               <a:rPr lang="de-DE" smtClean="0"/>
-              <a:t>‹#›</a:t>
+              <a:t>‹Nr.›</a:t>
             </a:fld>
             <a:endParaRPr lang="de-DE"/>
           </a:p>
@@ -957,7 +984,7 @@
           <a:p>
             <a:fld id="{BD272342-43D0-4748-B8B5-45FC18A52E09}" type="datetimeFigureOut">
               <a:rPr lang="de-DE" smtClean="0"/>
-              <a:t>29.07.2018</a:t>
+              <a:t>30.07.2018</a:t>
             </a:fld>
             <a:endParaRPr lang="de-DE"/>
           </a:p>
@@ -1011,7 +1038,7 @@
           <a:p>
             <a:fld id="{9A0DC0E2-826C-46CC-AD1F-64B058F73BC4}" type="slidenum">
               <a:rPr lang="de-DE" smtClean="0"/>
-              <a:t>‹#›</a:t>
+              <a:t>‹Nr.›</a:t>
             </a:fld>
             <a:endParaRPr lang="de-DE"/>
           </a:p>
@@ -1155,7 +1182,7 @@
           <a:p>
             <a:fld id="{BD272342-43D0-4748-B8B5-45FC18A52E09}" type="datetimeFigureOut">
               <a:rPr lang="de-DE" smtClean="0"/>
-              <a:t>29.07.2018</a:t>
+              <a:t>30.07.2018</a:t>
             </a:fld>
             <a:endParaRPr lang="de-DE"/>
           </a:p>
@@ -1209,7 +1236,7 @@
           <a:p>
             <a:fld id="{9A0DC0E2-826C-46CC-AD1F-64B058F73BC4}" type="slidenum">
               <a:rPr lang="de-DE" smtClean="0"/>
-              <a:t>‹#›</a:t>
+              <a:t>‹Nr.›</a:t>
             </a:fld>
             <a:endParaRPr lang="de-DE"/>
           </a:p>
@@ -1430,7 +1457,7 @@
           <a:p>
             <a:fld id="{BD272342-43D0-4748-B8B5-45FC18A52E09}" type="datetimeFigureOut">
               <a:rPr lang="de-DE" smtClean="0"/>
-              <a:t>29.07.2018</a:t>
+              <a:t>30.07.2018</a:t>
             </a:fld>
             <a:endParaRPr lang="de-DE"/>
           </a:p>
@@ -1484,7 +1511,7 @@
           <a:p>
             <a:fld id="{9A0DC0E2-826C-46CC-AD1F-64B058F73BC4}" type="slidenum">
               <a:rPr lang="de-DE" smtClean="0"/>
-              <a:t>‹#›</a:t>
+              <a:t>‹Nr.›</a:t>
             </a:fld>
             <a:endParaRPr lang="de-DE"/>
           </a:p>
@@ -1695,7 +1722,7 @@
           <a:p>
             <a:fld id="{BD272342-43D0-4748-B8B5-45FC18A52E09}" type="datetimeFigureOut">
               <a:rPr lang="de-DE" smtClean="0"/>
-              <a:t>29.07.2018</a:t>
+              <a:t>30.07.2018</a:t>
             </a:fld>
             <a:endParaRPr lang="de-DE"/>
           </a:p>
@@ -1749,7 +1776,7 @@
           <a:p>
             <a:fld id="{9A0DC0E2-826C-46CC-AD1F-64B058F73BC4}" type="slidenum">
               <a:rPr lang="de-DE" smtClean="0"/>
-              <a:t>‹#›</a:t>
+              <a:t>‹Nr.›</a:t>
             </a:fld>
             <a:endParaRPr lang="de-DE"/>
           </a:p>
@@ -2107,7 +2134,7 @@
           <a:p>
             <a:fld id="{BD272342-43D0-4748-B8B5-45FC18A52E09}" type="datetimeFigureOut">
               <a:rPr lang="de-DE" smtClean="0"/>
-              <a:t>29.07.2018</a:t>
+              <a:t>30.07.2018</a:t>
             </a:fld>
             <a:endParaRPr lang="de-DE"/>
           </a:p>
@@ -2161,7 +2188,7 @@
           <a:p>
             <a:fld id="{9A0DC0E2-826C-46CC-AD1F-64B058F73BC4}" type="slidenum">
               <a:rPr lang="de-DE" smtClean="0"/>
-              <a:t>‹#›</a:t>
+              <a:t>‹Nr.›</a:t>
             </a:fld>
             <a:endParaRPr lang="de-DE"/>
           </a:p>
@@ -2248,7 +2275,7 @@
           <a:p>
             <a:fld id="{BD272342-43D0-4748-B8B5-45FC18A52E09}" type="datetimeFigureOut">
               <a:rPr lang="de-DE" smtClean="0"/>
-              <a:t>29.07.2018</a:t>
+              <a:t>30.07.2018</a:t>
             </a:fld>
             <a:endParaRPr lang="de-DE"/>
           </a:p>
@@ -2302,7 +2329,7 @@
           <a:p>
             <a:fld id="{9A0DC0E2-826C-46CC-AD1F-64B058F73BC4}" type="slidenum">
               <a:rPr lang="de-DE" smtClean="0"/>
-              <a:t>‹#›</a:t>
+              <a:t>‹Nr.›</a:t>
             </a:fld>
             <a:endParaRPr lang="de-DE"/>
           </a:p>
@@ -2361,7 +2388,7 @@
           <a:p>
             <a:fld id="{BD272342-43D0-4748-B8B5-45FC18A52E09}" type="datetimeFigureOut">
               <a:rPr lang="de-DE" smtClean="0"/>
-              <a:t>29.07.2018</a:t>
+              <a:t>30.07.2018</a:t>
             </a:fld>
             <a:endParaRPr lang="de-DE"/>
           </a:p>
@@ -2415,7 +2442,7 @@
           <a:p>
             <a:fld id="{9A0DC0E2-826C-46CC-AD1F-64B058F73BC4}" type="slidenum">
               <a:rPr lang="de-DE" smtClean="0"/>
-              <a:t>‹#›</a:t>
+              <a:t>‹Nr.›</a:t>
             </a:fld>
             <a:endParaRPr lang="de-DE"/>
           </a:p>
@@ -2672,7 +2699,7 @@
           <a:p>
             <a:fld id="{BD272342-43D0-4748-B8B5-45FC18A52E09}" type="datetimeFigureOut">
               <a:rPr lang="de-DE" smtClean="0"/>
-              <a:t>29.07.2018</a:t>
+              <a:t>30.07.2018</a:t>
             </a:fld>
             <a:endParaRPr lang="de-DE"/>
           </a:p>
@@ -2726,7 +2753,7 @@
           <a:p>
             <a:fld id="{9A0DC0E2-826C-46CC-AD1F-64B058F73BC4}" type="slidenum">
               <a:rPr lang="de-DE" smtClean="0"/>
-              <a:t>‹#›</a:t>
+              <a:t>‹Nr.›</a:t>
             </a:fld>
             <a:endParaRPr lang="de-DE"/>
           </a:p>
@@ -2960,7 +2987,7 @@
           <a:p>
             <a:fld id="{BD272342-43D0-4748-B8B5-45FC18A52E09}" type="datetimeFigureOut">
               <a:rPr lang="de-DE" smtClean="0"/>
-              <a:t>29.07.2018</a:t>
+              <a:t>30.07.2018</a:t>
             </a:fld>
             <a:endParaRPr lang="de-DE"/>
           </a:p>
@@ -3014,7 +3041,7 @@
           <a:p>
             <a:fld id="{9A0DC0E2-826C-46CC-AD1F-64B058F73BC4}" type="slidenum">
               <a:rPr lang="de-DE" smtClean="0"/>
-              <a:t>‹#›</a:t>
+              <a:t>‹Nr.›</a:t>
             </a:fld>
             <a:endParaRPr lang="de-DE"/>
           </a:p>
@@ -3201,7 +3228,7 @@
           <a:p>
             <a:fld id="{BD272342-43D0-4748-B8B5-45FC18A52E09}" type="datetimeFigureOut">
               <a:rPr lang="de-DE" smtClean="0"/>
-              <a:t>29.07.2018</a:t>
+              <a:t>30.07.2018</a:t>
             </a:fld>
             <a:endParaRPr lang="de-DE"/>
           </a:p>
@@ -3291,7 +3318,7 @@
           <a:p>
             <a:fld id="{9A0DC0E2-826C-46CC-AD1F-64B058F73BC4}" type="slidenum">
               <a:rPr lang="de-DE" smtClean="0"/>
-              <a:t>‹#›</a:t>
+              <a:t>‹Nr.›</a:t>
             </a:fld>
             <a:endParaRPr lang="de-DE"/>
           </a:p>
@@ -3757,7 +3784,7 @@
           <p:cNvPr id="2" name="Titel 1">
             <a:extLst>
               <a:ext uri="{FF2B5EF4-FFF2-40B4-BE49-F238E27FC236}">
-                <a16:creationId xmlns:a16="http://schemas.microsoft.com/office/drawing/2014/main" id="{850B8467-5823-4A50-84A9-9FD181E01C4D}"/>
+                <a16:creationId xmlns:a16="http://schemas.microsoft.com/office/drawing/2014/main" id="{25ADDF4F-2BC8-4C40-8488-400E94540CF5}"/>
               </a:ext>
             </a:extLst>
           </p:cNvPr>
@@ -3774,8 +3801,8 @@
           <a:lstStyle/>
           <a:p>
             <a:r>
-              <a:rPr lang="de-DE" dirty="0"/>
-              <a:t>Linear Models</a:t>
+              <a:rPr lang="en-GB" dirty="0"/>
+              <a:t>Identifying Epidemics (Spikes)</a:t>
             </a:r>
           </a:p>
         </p:txBody>
@@ -3785,7 +3812,7 @@
           <p:cNvPr id="3" name="Inhaltsplatzhalter 2">
             <a:extLst>
               <a:ext uri="{FF2B5EF4-FFF2-40B4-BE49-F238E27FC236}">
-                <a16:creationId xmlns:a16="http://schemas.microsoft.com/office/drawing/2014/main" id="{58B35E0C-5C83-4021-A9DF-8E0A79AAED8D}"/>
+                <a16:creationId xmlns:a16="http://schemas.microsoft.com/office/drawing/2014/main" id="{52BC2268-D773-4767-8FB2-7D6D8B4A4ADA}"/>
               </a:ext>
             </a:extLst>
           </p:cNvPr>
@@ -3802,27 +3829,34 @@
           <a:lstStyle/>
           <a:p>
             <a:r>
-              <a:rPr lang="de-DE" dirty="0" err="1"/>
-              <a:t>Mainly</a:t>
-            </a:r>
-            <a:r>
-              <a:rPr lang="de-DE" dirty="0"/>
-              <a:t> Negative </a:t>
-            </a:r>
-            <a:r>
-              <a:rPr lang="de-DE" dirty="0" err="1"/>
-              <a:t>Binomial</a:t>
-            </a:r>
-            <a:endParaRPr lang="de-DE" dirty="0"/>
-          </a:p>
-          <a:p>
-            <a:r>
-              <a:rPr lang="de-DE" dirty="0" err="1"/>
-              <a:t>Important</a:t>
-            </a:r>
-            <a:r>
-              <a:rPr lang="de-DE" dirty="0"/>
-              <a:t>: T</a:t>
+              <a:rPr lang="en-GB" dirty="0"/>
+              <a:t>Coding values in Spikes vs. values in Non-Spikes</a:t>
+            </a:r>
+          </a:p>
+          <a:p>
+            <a:r>
+              <a:rPr lang="en-GB" dirty="0"/>
+              <a:t>Linear Regression did not identify spikes correctly</a:t>
+            </a:r>
+          </a:p>
+          <a:p>
+            <a:r>
+              <a:rPr lang="en-GB" dirty="0"/>
+              <a:t>Solution: Data Mining</a:t>
+            </a:r>
+          </a:p>
+          <a:p>
+            <a:pPr lvl="1"/>
+            <a:r>
+              <a:rPr lang="en-GB" dirty="0"/>
+              <a:t>Decision Tree on training dataset</a:t>
+            </a:r>
+          </a:p>
+          <a:p>
+            <a:pPr lvl="1"/>
+            <a:r>
+              <a:rPr lang="en-GB" dirty="0"/>
+              <a:t>Correctly identifies spikes</a:t>
             </a:r>
           </a:p>
         </p:txBody>
@@ -3830,7 +3864,7 @@
     </p:spTree>
     <p:extLst>
       <p:ext uri="{BB962C8B-B14F-4D97-AF65-F5344CB8AC3E}">
-        <p14:creationId xmlns:p14="http://schemas.microsoft.com/office/powerpoint/2010/main" val="3508144933"/>
+        <p14:creationId xmlns:p14="http://schemas.microsoft.com/office/powerpoint/2010/main" val="2091027052"/>
       </p:ext>
     </p:extLst>
   </p:cSld>
@@ -3862,7 +3896,7 @@
           <p:cNvPr id="2" name="Titel 1">
             <a:extLst>
               <a:ext uri="{FF2B5EF4-FFF2-40B4-BE49-F238E27FC236}">
-                <a16:creationId xmlns:a16="http://schemas.microsoft.com/office/drawing/2014/main" id="{719A53D5-8148-458F-8C5C-A238DD099299}"/>
+                <a16:creationId xmlns:a16="http://schemas.microsoft.com/office/drawing/2014/main" id="{850B8467-5823-4A50-84A9-9FD181E01C4D}"/>
               </a:ext>
             </a:extLst>
           </p:cNvPr>
@@ -3879,49 +3913,115 @@
           <a:lstStyle/>
           <a:p>
             <a:r>
-              <a:rPr lang="de-DE" dirty="0" err="1"/>
-              <a:t>Comparison</a:t>
-            </a:r>
-            <a:r>
               <a:rPr lang="de-DE" dirty="0"/>
-              <a:t> </a:t>
-            </a:r>
-            <a:r>
-              <a:rPr lang="de-DE" dirty="0" err="1"/>
-              <a:t>to</a:t>
-            </a:r>
-            <a:r>
-              <a:rPr lang="de-DE" dirty="0"/>
-              <a:t> Real Life Data (San Juan) </a:t>
-            </a:r>
+              <a:t>Linear Models</a:t>
+            </a:r>
+          </a:p>
+        </p:txBody>
+      </p:sp>
+      <p:sp>
+        <p:nvSpPr>
+          <p:cNvPr id="3" name="Inhaltsplatzhalter 2">
+            <a:extLst>
+              <a:ext uri="{FF2B5EF4-FFF2-40B4-BE49-F238E27FC236}">
+                <a16:creationId xmlns:a16="http://schemas.microsoft.com/office/drawing/2014/main" id="{58B35E0C-5C83-4021-A9DF-8E0A79AAED8D}"/>
+              </a:ext>
+            </a:extLst>
+          </p:cNvPr>
+          <p:cNvSpPr>
+            <a:spLocks noGrp="1"/>
+          </p:cNvSpPr>
+          <p:nvPr>
+            <p:ph idx="1"/>
+          </p:nvPr>
+        </p:nvSpPr>
+        <p:spPr/>
+        <p:txBody>
+          <a:bodyPr/>
+          <a:lstStyle/>
+          <a:p>
+            <a:r>
+              <a:rPr lang="en-GB" dirty="0"/>
+              <a:t>Mainly Negative Binomial for positive natural numbers</a:t>
+            </a:r>
+          </a:p>
+          <a:p>
+            <a:r>
+              <a:rPr lang="en-GB" dirty="0"/>
+              <a:t>With and without Lag</a:t>
+            </a:r>
+          </a:p>
+          <a:p>
+            <a:r>
+              <a:rPr lang="en-GB" dirty="0"/>
+              <a:t>If previous cases are used as an estimator:</a:t>
+            </a:r>
+          </a:p>
+          <a:p>
+            <a:pPr lvl="1"/>
+            <a:r>
+              <a:rPr lang="en-GB" dirty="0"/>
+              <a:t>Prediction one week </a:t>
+            </a:r>
+            <a:br>
+              <a:rPr lang="en-GB" dirty="0"/>
+            </a:br>
+            <a:r>
+              <a:rPr lang="en-GB" dirty="0"/>
+              <a:t>at a time</a:t>
+            </a:r>
+          </a:p>
+          <a:p>
+            <a:pPr lvl="1"/>
+            <a:r>
+              <a:rPr lang="en-GB" dirty="0"/>
+              <a:t>Testing within the</a:t>
+            </a:r>
+            <a:br>
+              <a:rPr lang="en-GB" dirty="0"/>
+            </a:br>
+            <a:r>
+              <a:rPr lang="en-GB" dirty="0"/>
+              <a:t>training data</a:t>
+            </a:r>
+            <a:br>
+              <a:rPr lang="en-GB" dirty="0"/>
+            </a:br>
+            <a:r>
+              <a:rPr lang="en-GB" dirty="0"/>
+              <a:t>(MAE 15.0):</a:t>
+            </a:r>
+          </a:p>
+          <a:p>
+            <a:pPr lvl="1"/>
+            <a:endParaRPr lang="en-GB" dirty="0"/>
           </a:p>
         </p:txBody>
       </p:sp>
       <p:pic>
         <p:nvPicPr>
-          <p:cNvPr id="4" name="Inhaltsplatzhalter 3">
-            <a:extLst>
-              <a:ext uri="{FF2B5EF4-FFF2-40B4-BE49-F238E27FC236}">
-                <a16:creationId xmlns:a16="http://schemas.microsoft.com/office/drawing/2014/main" id="{B2BB7A46-997F-434A-ADFD-677E9A03EDCF}"/>
+          <p:cNvPr id="8" name="Grafik 7">
+            <a:extLst>
+              <a:ext uri="{FF2B5EF4-FFF2-40B4-BE49-F238E27FC236}">
+                <a16:creationId xmlns:a16="http://schemas.microsoft.com/office/drawing/2014/main" id="{612B5C97-10EC-42B2-B64E-0097F629E825}"/>
               </a:ext>
             </a:extLst>
           </p:cNvPr>
           <p:cNvPicPr>
-            <a:picLocks noGrp="1" noChangeAspect="1"/>
+            <a:picLocks noChangeAspect="1"/>
           </p:cNvPicPr>
-          <p:nvPr>
-            <p:ph idx="1"/>
-          </p:nvPr>
+          <p:nvPr/>
         </p:nvPicPr>
-        <p:blipFill rotWithShape="1">
+        <p:blipFill>
           <a:blip r:embed="rId2"/>
-          <a:srcRect l="2359" b="6042"/>
-          <a:stretch/>
+          <a:stretch>
+            <a:fillRect/>
+          </a:stretch>
         </p:blipFill>
         <p:spPr>
           <a:xfrm>
-            <a:off x="1529862" y="1966331"/>
-            <a:ext cx="9345155" cy="3555238"/>
+            <a:off x="4279475" y="3281150"/>
+            <a:ext cx="7536833" cy="2979678"/>
           </a:xfrm>
           <a:prstGeom prst="rect">
             <a:avLst/>
@@ -3930,10 +4030,10 @@
       </p:pic>
       <p:sp>
         <p:nvSpPr>
-          <p:cNvPr id="5" name="Textfeld 4">
-            <a:extLst>
-              <a:ext uri="{FF2B5EF4-FFF2-40B4-BE49-F238E27FC236}">
-                <a16:creationId xmlns:a16="http://schemas.microsoft.com/office/drawing/2014/main" id="{22C7A37B-6A25-42AB-98ED-96B3E72F3CD4}"/>
+          <p:cNvPr id="9" name="Textfeld 8">
+            <a:extLst>
+              <a:ext uri="{FF2B5EF4-FFF2-40B4-BE49-F238E27FC236}">
+                <a16:creationId xmlns:a16="http://schemas.microsoft.com/office/drawing/2014/main" id="{86E68B5A-5F38-42BC-A8ED-EEFCC79B65EC}"/>
               </a:ext>
             </a:extLst>
           </p:cNvPr>
@@ -3942,8 +4042,8 @@
         </p:nvSpPr>
         <p:spPr>
           <a:xfrm>
-            <a:off x="1151792" y="5723792"/>
-            <a:ext cx="9882554" cy="369332"/>
+            <a:off x="4279475" y="6260828"/>
+            <a:ext cx="5431659" cy="261610"/>
           </a:xfrm>
           <a:prstGeom prst="rect">
             <a:avLst/>
@@ -3957,45 +4057,72 @@
           <a:lstStyle/>
           <a:p>
             <a:r>
-              <a:rPr lang="en-GB" dirty="0">
-                <a:solidFill>
-                  <a:srgbClr val="FF0000"/>
-                </a:solidFill>
-              </a:rPr>
-              <a:t>Red: Real-Life cases</a:t>
-            </a:r>
-            <a:r>
-              <a:rPr lang="en-GB" dirty="0"/>
-              <a:t>, </a:t>
-            </a:r>
-            <a:r>
-              <a:rPr lang="en-GB" dirty="0">
-                <a:solidFill>
-                  <a:schemeClr val="accent1">
-                    <a:lumMod val="75000"/>
-                  </a:schemeClr>
-                </a:solidFill>
-              </a:rPr>
-              <a:t>Blue: Prediction, </a:t>
-            </a:r>
-            <a:r>
-              <a:rPr lang="en-GB" dirty="0"/>
-              <a:t>MAE=10.5</a:t>
-            </a:r>
-            <a:endParaRPr lang="en-GB" dirty="0">
-              <a:solidFill>
-                <a:schemeClr val="accent1">
-                  <a:lumMod val="75000"/>
-                </a:schemeClr>
-              </a:solidFill>
-            </a:endParaRPr>
+              <a:rPr lang="de-DE" sz="1100" dirty="0"/>
+              <a:t>Fig. 5: </a:t>
+            </a:r>
+            <a:r>
+              <a:rPr lang="de-DE" sz="1100" dirty="0" err="1"/>
+              <a:t>Comparison</a:t>
+            </a:r>
+            <a:r>
+              <a:rPr lang="de-DE" sz="1100" dirty="0"/>
+              <a:t> </a:t>
+            </a:r>
+            <a:r>
+              <a:rPr lang="de-DE" sz="1100" dirty="0" err="1"/>
+              <a:t>of</a:t>
+            </a:r>
+            <a:r>
+              <a:rPr lang="de-DE" sz="1100" dirty="0"/>
+              <a:t> </a:t>
+            </a:r>
+            <a:r>
+              <a:rPr lang="de-DE" sz="1100" dirty="0" err="1"/>
+              <a:t>estimated</a:t>
+            </a:r>
+            <a:r>
+              <a:rPr lang="de-DE" sz="1100" dirty="0"/>
+              <a:t> and </a:t>
+            </a:r>
+            <a:r>
+              <a:rPr lang="de-DE" sz="1100" dirty="0" err="1"/>
+              <a:t>true</a:t>
+            </a:r>
+            <a:r>
+              <a:rPr lang="de-DE" sz="1100" dirty="0"/>
+              <a:t> </a:t>
+            </a:r>
+            <a:r>
+              <a:rPr lang="de-DE" sz="1100" dirty="0" err="1"/>
+              <a:t>cases</a:t>
+            </a:r>
+            <a:r>
+              <a:rPr lang="de-DE" sz="1100" dirty="0"/>
+              <a:t> </a:t>
+            </a:r>
+            <a:r>
+              <a:rPr lang="de-DE" sz="1100" dirty="0" err="1"/>
+              <a:t>for</a:t>
+            </a:r>
+            <a:r>
+              <a:rPr lang="de-DE" sz="1100" dirty="0"/>
+              <a:t> San Juan </a:t>
+            </a:r>
+            <a:r>
+              <a:rPr lang="de-DE" sz="1100" dirty="0" err="1"/>
+              <a:t>Oct</a:t>
+            </a:r>
+            <a:r>
+              <a:rPr lang="de-DE" sz="1100" dirty="0"/>
+              <a:t>. 2003 – April 2004</a:t>
+            </a:r>
           </a:p>
         </p:txBody>
       </p:sp>
     </p:spTree>
     <p:extLst>
       <p:ext uri="{BB962C8B-B14F-4D97-AF65-F5344CB8AC3E}">
-        <p14:creationId xmlns:p14="http://schemas.microsoft.com/office/powerpoint/2010/main" val="1002334072"/>
+        <p14:creationId xmlns:p14="http://schemas.microsoft.com/office/powerpoint/2010/main" val="3508144933"/>
       </p:ext>
     </p:extLst>
   </p:cSld>
@@ -4027,7 +4154,7 @@
           <p:cNvPr id="2" name="Titel 1">
             <a:extLst>
               <a:ext uri="{FF2B5EF4-FFF2-40B4-BE49-F238E27FC236}">
-                <a16:creationId xmlns:a16="http://schemas.microsoft.com/office/drawing/2014/main" id="{1140DB77-4D6C-4151-AB2D-95070C5DBDEF}"/>
+                <a16:creationId xmlns:a16="http://schemas.microsoft.com/office/drawing/2014/main" id="{719A53D5-8148-458F-8C5C-A238DD099299}"/>
               </a:ext>
             </a:extLst>
           </p:cNvPr>
@@ -4044,138 +4171,227 @@
           <a:lstStyle/>
           <a:p>
             <a:r>
+              <a:rPr lang="de-DE" dirty="0" err="1"/>
+              <a:t>Comparison</a:t>
+            </a:r>
+            <a:r>
               <a:rPr lang="de-DE" dirty="0"/>
-              <a:t>ARIMA</a:t>
-            </a:r>
-          </a:p>
-        </p:txBody>
-      </p:sp>
-      <p:sp>
-        <p:nvSpPr>
-          <p:cNvPr id="3" name="Inhaltsplatzhalter 2">
-            <a:extLst>
-              <a:ext uri="{FF2B5EF4-FFF2-40B4-BE49-F238E27FC236}">
-                <a16:creationId xmlns:a16="http://schemas.microsoft.com/office/drawing/2014/main" id="{73955EC3-E0A1-4FAE-BDEF-97CD2BD1C5DC}"/>
-              </a:ext>
-            </a:extLst>
-          </p:cNvPr>
-          <p:cNvSpPr>
-            <a:spLocks noGrp="1"/>
-          </p:cNvSpPr>
+              <a:t> </a:t>
+            </a:r>
+            <a:r>
+              <a:rPr lang="de-DE" dirty="0" err="1"/>
+              <a:t>to</a:t>
+            </a:r>
+            <a:r>
+              <a:rPr lang="de-DE" dirty="0"/>
+              <a:t> Real Life Data (San Juan) </a:t>
+            </a:r>
+          </a:p>
+        </p:txBody>
+      </p:sp>
+      <p:pic>
+        <p:nvPicPr>
+          <p:cNvPr id="4" name="Inhaltsplatzhalter 3">
+            <a:extLst>
+              <a:ext uri="{FF2B5EF4-FFF2-40B4-BE49-F238E27FC236}">
+                <a16:creationId xmlns:a16="http://schemas.microsoft.com/office/drawing/2014/main" id="{B2BB7A46-997F-434A-ADFD-677E9A03EDCF}"/>
+              </a:ext>
+            </a:extLst>
+          </p:cNvPr>
+          <p:cNvPicPr>
+            <a:picLocks noGrp="1" noChangeAspect="1"/>
+          </p:cNvPicPr>
           <p:nvPr>
             <p:ph idx="1"/>
           </p:nvPr>
-        </p:nvSpPr>
-        <p:spPr/>
-        <p:txBody>
-          <a:bodyPr vert="horz" lIns="91440" tIns="45720" rIns="91440" bIns="45720" rtlCol="0" anchor="t">
-            <a:normAutofit/>
+        </p:nvPicPr>
+        <p:blipFill rotWithShape="1">
+          <a:blip r:embed="rId2"/>
+          <a:srcRect l="2359" b="6042"/>
+          <a:stretch/>
+        </p:blipFill>
+        <p:spPr>
+          <a:xfrm>
+            <a:off x="1529862" y="1966331"/>
+            <a:ext cx="9345155" cy="3555238"/>
+          </a:xfrm>
+          <a:prstGeom prst="rect">
+            <a:avLst/>
+          </a:prstGeom>
+        </p:spPr>
+      </p:pic>
+      <p:sp>
+        <p:nvSpPr>
+          <p:cNvPr id="5" name="Textfeld 4">
+            <a:extLst>
+              <a:ext uri="{FF2B5EF4-FFF2-40B4-BE49-F238E27FC236}">
+                <a16:creationId xmlns:a16="http://schemas.microsoft.com/office/drawing/2014/main" id="{22C7A37B-6A25-42AB-98ED-96B3E72F3CD4}"/>
+              </a:ext>
+            </a:extLst>
+          </p:cNvPr>
+          <p:cNvSpPr txBox="1"/>
+          <p:nvPr/>
+        </p:nvSpPr>
+        <p:spPr>
+          <a:xfrm>
+            <a:off x="1154723" y="5646848"/>
+            <a:ext cx="9882554" cy="369332"/>
+          </a:xfrm>
+          <a:prstGeom prst="rect">
+            <a:avLst/>
+          </a:prstGeom>
+          <a:noFill/>
+        </p:spPr>
+        <p:txBody>
+          <a:bodyPr wrap="square" rtlCol="0">
+            <a:spAutoFit/>
           </a:bodyPr>
           <a:lstStyle/>
           <a:p>
             <a:r>
-              <a:rPr lang="ru-RU">
-                <a:cs typeface="Calibri"/>
+              <a:rPr lang="en-GB" dirty="0">
+                <a:solidFill>
+                  <a:srgbClr val="FF0000"/>
+                </a:solidFill>
               </a:rPr>
-              <a:t>ARIMA </a:t>
-            </a:r>
-            <a:r>
-              <a:rPr lang="ru-RU" i="1">
-                <a:cs typeface="Calibri"/>
+              <a:t>Red: Real-Life cases</a:t>
+            </a:r>
+            <a:r>
+              <a:rPr lang="en-GB" dirty="0"/>
+              <a:t>, </a:t>
+            </a:r>
+            <a:r>
+              <a:rPr lang="en-GB" dirty="0">
+                <a:solidFill>
+                  <a:schemeClr val="accent1">
+                    <a:lumMod val="75000"/>
+                  </a:schemeClr>
+                </a:solidFill>
               </a:rPr>
-              <a:t>(p,d,q) (P, D, Q)</a:t>
+              <a:t>Blue: Prediction, </a:t>
+            </a:r>
+            <a:r>
+              <a:rPr lang="en-GB" dirty="0"/>
+              <a:t>MAE=10.5</a:t>
             </a:r>
             <a:endParaRPr lang="en-GB" dirty="0">
-              <a:cs typeface="Calibri"/>
+              <a:solidFill>
+                <a:schemeClr val="accent1">
+                  <a:lumMod val="75000"/>
+                </a:schemeClr>
+              </a:solidFill>
             </a:endParaRPr>
           </a:p>
-          <a:p>
-            <a:pPr lvl="1"/>
-            <a:r>
-              <a:rPr lang="en-GB" dirty="0">
-                <a:cs typeface="Calibri"/>
-              </a:rPr>
-              <a:t>Univariate</a:t>
-            </a:r>
-          </a:p>
-          <a:p>
-            <a:pPr lvl="1"/>
-            <a:r>
-              <a:rPr lang="en-GB" dirty="0">
-                <a:cs typeface="Calibri"/>
-              </a:rPr>
-              <a:t>Stationary</a:t>
-            </a:r>
-          </a:p>
-          <a:p>
-            <a:pPr lvl="1"/>
-            <a:r>
-              <a:rPr lang="en-GB" dirty="0">
-                <a:cs typeface="Calibri"/>
-              </a:rPr>
-              <a:t>Good at approximating historical patterns</a:t>
-            </a:r>
-          </a:p>
-          <a:p>
-            <a:r>
-              <a:rPr lang="en-GB">
-                <a:cs typeface="Calibri"/>
-              </a:rPr>
-              <a:t>Good for approximating the training data</a:t>
-            </a:r>
-          </a:p>
-          <a:p>
-            <a:r>
-              <a:rPr lang="en-GB">
-                <a:cs typeface="Calibri"/>
-              </a:rPr>
-              <a:t>Parameters are taken from autocorrelation and partial autocorrelation plots</a:t>
-            </a:r>
-            <a:endParaRPr lang="ru-RU">
-              <a:cs typeface="Calibri"/>
-            </a:endParaRPr>
-          </a:p>
-          <a:p>
-            <a:r>
-              <a:rPr lang="en-GB">
-                <a:cs typeface="Calibri"/>
-              </a:rPr>
-              <a:t>Submission MAE is 27.4111</a:t>
-            </a:r>
-            <a:endParaRPr lang="en-GB"/>
-          </a:p>
-          <a:p>
-            <a:pPr marL="0" indent="0">
-              <a:buNone/>
-            </a:pPr>
-            <a:endParaRPr lang="en-GB" dirty="0">
-              <a:cs typeface="Calibri"/>
-            </a:endParaRPr>
-          </a:p>
-          <a:p>
-            <a:endParaRPr lang="en-GB" dirty="0">
-              <a:cs typeface="Calibri"/>
-            </a:endParaRPr>
-          </a:p>
-          <a:p>
-            <a:pPr marL="0" indent="0">
-              <a:buNone/>
-            </a:pPr>
-            <a:endParaRPr lang="en-GB" dirty="0">
-              <a:cs typeface="Calibri"/>
-            </a:endParaRPr>
-          </a:p>
-          <a:p>
-            <a:endParaRPr lang="en-GB" dirty="0">
-              <a:cs typeface="Calibri"/>
-            </a:endParaRPr>
+        </p:txBody>
+      </p:sp>
+      <p:sp>
+        <p:nvSpPr>
+          <p:cNvPr id="6" name="Textfeld 5">
+            <a:extLst>
+              <a:ext uri="{FF2B5EF4-FFF2-40B4-BE49-F238E27FC236}">
+                <a16:creationId xmlns:a16="http://schemas.microsoft.com/office/drawing/2014/main" id="{07390AA3-1C97-4810-8B1A-0870610EB5CE}"/>
+              </a:ext>
+            </a:extLst>
+          </p:cNvPr>
+          <p:cNvSpPr txBox="1"/>
+          <p:nvPr/>
+        </p:nvSpPr>
+        <p:spPr>
+          <a:xfrm>
+            <a:off x="1154723" y="6141459"/>
+            <a:ext cx="5431659" cy="261610"/>
+          </a:xfrm>
+          <a:prstGeom prst="rect">
+            <a:avLst/>
+          </a:prstGeom>
+          <a:noFill/>
+        </p:spPr>
+        <p:txBody>
+          <a:bodyPr wrap="square" rtlCol="0">
+            <a:spAutoFit/>
+          </a:bodyPr>
+          <a:lstStyle/>
+          <a:p>
+            <a:r>
+              <a:rPr lang="de-DE" sz="1100" dirty="0"/>
+              <a:t>Fig. 6: </a:t>
+            </a:r>
+            <a:r>
+              <a:rPr lang="de-DE" sz="1100" dirty="0" err="1"/>
+              <a:t>Comparison</a:t>
+            </a:r>
+            <a:r>
+              <a:rPr lang="de-DE" sz="1100" dirty="0"/>
+              <a:t> </a:t>
+            </a:r>
+            <a:r>
+              <a:rPr lang="de-DE" sz="1100" dirty="0" err="1"/>
+              <a:t>of</a:t>
+            </a:r>
+            <a:r>
+              <a:rPr lang="de-DE" sz="1100" dirty="0"/>
+              <a:t> </a:t>
+            </a:r>
+            <a:r>
+              <a:rPr lang="de-DE" sz="1100" dirty="0" err="1"/>
+              <a:t>estimated</a:t>
+            </a:r>
+            <a:r>
+              <a:rPr lang="de-DE" sz="1100" dirty="0"/>
+              <a:t> and </a:t>
+            </a:r>
+            <a:r>
+              <a:rPr lang="de-DE" sz="1100" dirty="0" err="1"/>
+              <a:t>true</a:t>
+            </a:r>
+            <a:r>
+              <a:rPr lang="de-DE" sz="1100" dirty="0"/>
+              <a:t> </a:t>
+            </a:r>
+            <a:r>
+              <a:rPr lang="de-DE" sz="1100" dirty="0" err="1"/>
+              <a:t>cases</a:t>
+            </a:r>
+            <a:r>
+              <a:rPr lang="de-DE" sz="1100" dirty="0"/>
+              <a:t> </a:t>
+            </a:r>
+            <a:r>
+              <a:rPr lang="de-DE" sz="1100" dirty="0" err="1"/>
+              <a:t>for</a:t>
+            </a:r>
+            <a:r>
+              <a:rPr lang="de-DE" sz="1100" dirty="0"/>
+              <a:t> San Juan in </a:t>
+            </a:r>
+            <a:r>
+              <a:rPr lang="de-DE" sz="1100" dirty="0" err="1"/>
+              <a:t>the</a:t>
+            </a:r>
+            <a:r>
+              <a:rPr lang="de-DE" sz="1100" dirty="0"/>
+              <a:t> </a:t>
+            </a:r>
+            <a:r>
+              <a:rPr lang="de-DE" sz="1100" dirty="0" err="1"/>
+              <a:t>testing</a:t>
+            </a:r>
+            <a:r>
+              <a:rPr lang="de-DE" sz="1100" dirty="0"/>
+              <a:t> </a:t>
+            </a:r>
+            <a:r>
+              <a:rPr lang="de-DE" sz="1100" dirty="0" err="1"/>
+              <a:t>data</a:t>
+            </a:r>
+            <a:endParaRPr lang="de-DE" sz="1100" dirty="0"/>
           </a:p>
         </p:txBody>
       </p:sp>
     </p:spTree>
     <p:extLst>
       <p:ext uri="{BB962C8B-B14F-4D97-AF65-F5344CB8AC3E}">
-        <p14:creationId xmlns:p14="http://schemas.microsoft.com/office/powerpoint/2010/main" val="3394893604"/>
+        <p14:creationId xmlns:p14="http://schemas.microsoft.com/office/powerpoint/2010/main" val="1002334072"/>
       </p:ext>
     </p:extLst>
   </p:cSld>
@@ -4204,10 +4420,38 @@
       </p:grpSpPr>
       <p:sp>
         <p:nvSpPr>
-          <p:cNvPr id="3" name="Объект 2">
-            <a:extLst>
-              <a:ext uri="{FF2B5EF4-FFF2-40B4-BE49-F238E27FC236}">
-                <a16:creationId xmlns:a16="http://schemas.microsoft.com/office/drawing/2014/main" id="{34B019C2-5273-4C76-910F-645D4E72C258}"/>
+          <p:cNvPr id="2" name="Titel 1">
+            <a:extLst>
+              <a:ext uri="{FF2B5EF4-FFF2-40B4-BE49-F238E27FC236}">
+                <a16:creationId xmlns:a16="http://schemas.microsoft.com/office/drawing/2014/main" id="{1140DB77-4D6C-4151-AB2D-95070C5DBDEF}"/>
+              </a:ext>
+            </a:extLst>
+          </p:cNvPr>
+          <p:cNvSpPr>
+            <a:spLocks noGrp="1"/>
+          </p:cNvSpPr>
+          <p:nvPr>
+            <p:ph type="title"/>
+          </p:nvPr>
+        </p:nvSpPr>
+        <p:spPr/>
+        <p:txBody>
+          <a:bodyPr/>
+          <a:lstStyle/>
+          <a:p>
+            <a:r>
+              <a:rPr lang="de-DE" dirty="0"/>
+              <a:t>ARIMA</a:t>
+            </a:r>
+          </a:p>
+        </p:txBody>
+      </p:sp>
+      <p:sp>
+        <p:nvSpPr>
+          <p:cNvPr id="3" name="Inhaltsplatzhalter 2">
+            <a:extLst>
+              <a:ext uri="{FF2B5EF4-FFF2-40B4-BE49-F238E27FC236}">
+                <a16:creationId xmlns:a16="http://schemas.microsoft.com/office/drawing/2014/main" id="{73955EC3-E0A1-4FAE-BDEF-97CD2BD1C5DC}"/>
               </a:ext>
             </a:extLst>
           </p:cNvPr>
@@ -4220,19 +4464,152 @@
         </p:nvSpPr>
         <p:spPr>
           <a:xfrm>
-            <a:off x="838200" y="704192"/>
-            <a:ext cx="10515600" cy="5472771"/>
+            <a:off x="838200" y="1825624"/>
+            <a:ext cx="10515600" cy="4575175"/>
           </a:xfrm>
         </p:spPr>
         <p:txBody>
           <a:bodyPr vert="horz" lIns="91440" tIns="45720" rIns="91440" bIns="45720" rtlCol="0" anchor="t">
-            <a:normAutofit/>
+            <a:normAutofit fontScale="92500" lnSpcReduction="10000"/>
           </a:bodyPr>
           <a:lstStyle/>
           <a:p>
+            <a:r>
+              <a:rPr lang="ru-RU" dirty="0">
+                <a:cs typeface="Calibri"/>
+              </a:rPr>
+              <a:t>ARIMA </a:t>
+            </a:r>
+            <a:r>
+              <a:rPr lang="ru-RU" i="1" dirty="0">
+                <a:cs typeface="Calibri"/>
+              </a:rPr>
+              <a:t>(p,d,q) (P, D, Q)</a:t>
+            </a:r>
             <a:endParaRPr lang="en-GB" dirty="0">
               <a:cs typeface="Calibri"/>
             </a:endParaRPr>
+          </a:p>
+          <a:p>
+            <a:pPr lvl="1"/>
+            <a:r>
+              <a:rPr lang="en-GB" dirty="0">
+                <a:cs typeface="Calibri"/>
+              </a:rPr>
+              <a:t>Univariate</a:t>
+            </a:r>
+          </a:p>
+          <a:p>
+            <a:pPr lvl="1"/>
+            <a:r>
+              <a:rPr lang="en-GB" dirty="0">
+                <a:cs typeface="Calibri"/>
+              </a:rPr>
+              <a:t>Stationary</a:t>
+            </a:r>
+          </a:p>
+          <a:p>
+            <a:pPr lvl="1"/>
+            <a:r>
+              <a:rPr lang="en-GB" dirty="0">
+                <a:cs typeface="Calibri"/>
+              </a:rPr>
+              <a:t>Good at approximating historical patterns</a:t>
+            </a:r>
+          </a:p>
+          <a:p>
+            <a:r>
+              <a:rPr lang="en-GB" dirty="0">
+                <a:cs typeface="Calibri"/>
+              </a:rPr>
+              <a:t>Good for approximating the training data</a:t>
+            </a:r>
+          </a:p>
+          <a:p>
+            <a:r>
+              <a:rPr lang="en-GB" dirty="0">
+                <a:cs typeface="Calibri"/>
+              </a:rPr>
+              <a:t>Parameters are taken from autocorrelation and partial autocorrelation plots</a:t>
+            </a:r>
+          </a:p>
+          <a:p>
+            <a:pPr lvl="1"/>
+            <a:r>
+              <a:rPr lang="en-GB" dirty="0">
+                <a:cs typeface="Calibri"/>
+              </a:rPr>
+              <a:t>Estimating forward </a:t>
+            </a:r>
+            <a:r>
+              <a:rPr lang="en-GB" dirty="0" err="1">
+                <a:cs typeface="Calibri"/>
+              </a:rPr>
+              <a:t>yearwise</a:t>
+            </a:r>
+            <a:r>
+              <a:rPr lang="en-GB" dirty="0">
+                <a:cs typeface="Calibri"/>
+              </a:rPr>
+              <a:t> </a:t>
+            </a:r>
+          </a:p>
+          <a:p>
+            <a:pPr lvl="2"/>
+            <a:r>
+              <a:rPr lang="en-GB" dirty="0">
+                <a:cs typeface="Calibri"/>
+              </a:rPr>
+              <a:t>San Juan: ARIMA (1,0,0) (3,1,0)</a:t>
+            </a:r>
+          </a:p>
+          <a:p>
+            <a:pPr lvl="2"/>
+            <a:r>
+              <a:rPr lang="en-GB" dirty="0">
+                <a:cs typeface="Calibri"/>
+              </a:rPr>
+              <a:t>Iquitos: ARIMA (1,0,3) (4,1,0)</a:t>
+            </a:r>
+          </a:p>
+          <a:p>
+            <a:pPr lvl="1"/>
+            <a:r>
+              <a:rPr lang="de-DE" dirty="0" err="1">
+                <a:cs typeface="Calibri"/>
+              </a:rPr>
+              <a:t>Dynamically</a:t>
+            </a:r>
+            <a:r>
+              <a:rPr lang="de-DE" dirty="0">
+                <a:cs typeface="Calibri"/>
+              </a:rPr>
+              <a:t> </a:t>
+            </a:r>
+            <a:r>
+              <a:rPr lang="de-DE" dirty="0" err="1">
+                <a:cs typeface="Calibri"/>
+              </a:rPr>
+              <a:t>with</a:t>
+            </a:r>
+            <a:r>
+              <a:rPr lang="de-DE" dirty="0">
+                <a:cs typeface="Calibri"/>
+              </a:rPr>
+              <a:t> Lag</a:t>
+            </a:r>
+            <a:endParaRPr lang="ru-RU" dirty="0">
+              <a:cs typeface="Calibri"/>
+            </a:endParaRPr>
+          </a:p>
+          <a:p>
+            <a:r>
+              <a:rPr lang="en-GB" dirty="0">
+                <a:cs typeface="Calibri"/>
+              </a:rPr>
+              <a:t>Best MAE was 27.4 with parameters </a:t>
+            </a:r>
+            <a:endParaRPr lang="en-GB" dirty="0"/>
           </a:p>
           <a:p>
             <a:pPr marL="0" indent="0">
@@ -4242,72 +4619,30 @@
               <a:cs typeface="Calibri"/>
             </a:endParaRPr>
           </a:p>
-        </p:txBody>
-      </p:sp>
-      <p:pic>
-        <p:nvPicPr>
-          <p:cNvPr id="2" name="Рисунок 3" descr="Изображение выглядит как карта&#10;&#10;Описание создано с очень высокой степенью достоверности">
-            <a:extLst>
-              <a:ext uri="{FF2B5EF4-FFF2-40B4-BE49-F238E27FC236}">
-                <a16:creationId xmlns:a16="http://schemas.microsoft.com/office/drawing/2014/main" id="{E38B5D8C-24B2-4320-82DF-16430E89CAFE}"/>
-              </a:ext>
-            </a:extLst>
-          </p:cNvPr>
-          <p:cNvPicPr>
-            <a:picLocks noChangeAspect="1"/>
-          </p:cNvPicPr>
-          <p:nvPr/>
-        </p:nvPicPr>
-        <p:blipFill>
-          <a:blip r:embed="rId2"/>
-          <a:stretch>
-            <a:fillRect/>
-          </a:stretch>
-        </p:blipFill>
-        <p:spPr>
-          <a:xfrm>
-            <a:off x="2150853" y="3490552"/>
-            <a:ext cx="7746520" cy="3370595"/>
-          </a:xfrm>
-          <a:prstGeom prst="rect">
-            <a:avLst/>
-          </a:prstGeom>
-        </p:spPr>
-      </p:pic>
-      <p:pic>
-        <p:nvPicPr>
-          <p:cNvPr id="5" name="Рисунок 5">
-            <a:extLst>
-              <a:ext uri="{FF2B5EF4-FFF2-40B4-BE49-F238E27FC236}">
-                <a16:creationId xmlns:a16="http://schemas.microsoft.com/office/drawing/2014/main" id="{9F868A2D-A819-4723-9267-E8D2D6368D70}"/>
-              </a:ext>
-            </a:extLst>
-          </p:cNvPr>
-          <p:cNvPicPr>
-            <a:picLocks noChangeAspect="1"/>
-          </p:cNvPicPr>
-          <p:nvPr/>
-        </p:nvPicPr>
-        <p:blipFill>
-          <a:blip r:embed="rId3"/>
-          <a:stretch>
-            <a:fillRect/>
-          </a:stretch>
-        </p:blipFill>
-        <p:spPr>
-          <a:xfrm>
-            <a:off x="1705154" y="-3147"/>
-            <a:ext cx="8508519" cy="3658141"/>
-          </a:xfrm>
-          <a:prstGeom prst="rect">
-            <a:avLst/>
-          </a:prstGeom>
-        </p:spPr>
-      </p:pic>
+          <a:p>
+            <a:endParaRPr lang="en-GB" dirty="0">
+              <a:cs typeface="Calibri"/>
+            </a:endParaRPr>
+          </a:p>
+          <a:p>
+            <a:pPr marL="0" indent="0">
+              <a:buNone/>
+            </a:pPr>
+            <a:endParaRPr lang="en-GB" dirty="0">
+              <a:cs typeface="Calibri"/>
+            </a:endParaRPr>
+          </a:p>
+          <a:p>
+            <a:endParaRPr lang="en-GB" dirty="0">
+              <a:cs typeface="Calibri"/>
+            </a:endParaRPr>
+          </a:p>
+        </p:txBody>
+      </p:sp>
     </p:spTree>
     <p:extLst>
       <p:ext uri="{BB962C8B-B14F-4D97-AF65-F5344CB8AC3E}">
-        <p14:creationId xmlns:p14="http://schemas.microsoft.com/office/powerpoint/2010/main" val="1543253899"/>
+        <p14:creationId xmlns:p14="http://schemas.microsoft.com/office/powerpoint/2010/main" val="3394893604"/>
       </p:ext>
     </p:extLst>
   </p:cSld>
@@ -4334,72 +4669,245 @@
           <a:chExt cx="0" cy="0"/>
         </a:xfrm>
       </p:grpSpPr>
+      <p:sp>
+        <p:nvSpPr>
+          <p:cNvPr id="3" name="Объект 2">
+            <a:extLst>
+              <a:ext uri="{FF2B5EF4-FFF2-40B4-BE49-F238E27FC236}">
+                <a16:creationId xmlns:a16="http://schemas.microsoft.com/office/drawing/2014/main" id="{34B019C2-5273-4C76-910F-645D4E72C258}"/>
+              </a:ext>
+            </a:extLst>
+          </p:cNvPr>
+          <p:cNvSpPr>
+            <a:spLocks noGrp="1"/>
+          </p:cNvSpPr>
+          <p:nvPr>
+            <p:ph idx="1"/>
+          </p:nvPr>
+        </p:nvSpPr>
+        <p:spPr>
+          <a:xfrm>
+            <a:off x="838200" y="704192"/>
+            <a:ext cx="10515600" cy="5472771"/>
+          </a:xfrm>
+        </p:spPr>
+        <p:txBody>
+          <a:bodyPr vert="horz" lIns="91440" tIns="45720" rIns="91440" bIns="45720" rtlCol="0" anchor="t">
+            <a:normAutofit/>
+          </a:bodyPr>
+          <a:lstStyle/>
+          <a:p>
+            <a:endParaRPr lang="en-GB" dirty="0">
+              <a:cs typeface="Calibri"/>
+            </a:endParaRPr>
+          </a:p>
+          <a:p>
+            <a:pPr marL="0" indent="0">
+              <a:buNone/>
+            </a:pPr>
+            <a:endParaRPr lang="en-GB" dirty="0">
+              <a:cs typeface="Calibri"/>
+            </a:endParaRPr>
+          </a:p>
+        </p:txBody>
+      </p:sp>
       <p:pic>
         <p:nvPicPr>
-          <p:cNvPr id="4" name="Рисунок 4">
-            <a:extLst>
-              <a:ext uri="{FF2B5EF4-FFF2-40B4-BE49-F238E27FC236}">
-                <a16:creationId xmlns:a16="http://schemas.microsoft.com/office/drawing/2014/main" id="{F3882A6E-B97D-4841-98BC-C71D2D86375E}"/>
+          <p:cNvPr id="5" name="Рисунок 5">
+            <a:extLst>
+              <a:ext uri="{FF2B5EF4-FFF2-40B4-BE49-F238E27FC236}">
+                <a16:creationId xmlns:a16="http://schemas.microsoft.com/office/drawing/2014/main" id="{9F868A2D-A819-4723-9267-E8D2D6368D70}"/>
               </a:ext>
             </a:extLst>
           </p:cNvPr>
           <p:cNvPicPr>
-            <a:picLocks noGrp="1" noChangeAspect="1"/>
+            <a:picLocks noChangeAspect="1"/>
           </p:cNvPicPr>
-          <p:nvPr>
-            <p:ph idx="1"/>
-          </p:nvPr>
+          <p:nvPr/>
         </p:nvPicPr>
-        <p:blipFill>
+        <p:blipFill rotWithShape="1">
           <a:blip r:embed="rId2"/>
-          <a:stretch>
-            <a:fillRect/>
-          </a:stretch>
+          <a:srcRect b="3796"/>
+          <a:stretch/>
         </p:blipFill>
         <p:spPr>
           <a:xfrm>
-            <a:off x="1882804" y="3491"/>
-            <a:ext cx="7951938" cy="3811797"/>
+            <a:off x="521071" y="1607712"/>
+            <a:ext cx="10832729" cy="4480628"/>
           </a:xfrm>
           <a:prstGeom prst="rect">
             <a:avLst/>
           </a:prstGeom>
         </p:spPr>
       </p:pic>
-      <p:pic>
-        <p:nvPicPr>
-          <p:cNvPr id="6" name="Рисунок 6">
-            <a:extLst>
-              <a:ext uri="{FF2B5EF4-FFF2-40B4-BE49-F238E27FC236}">
-                <a16:creationId xmlns:a16="http://schemas.microsoft.com/office/drawing/2014/main" id="{0C10ABFE-1FD4-45A3-BB4E-EC6374FE17F3}"/>
-              </a:ext>
-            </a:extLst>
-          </p:cNvPr>
-          <p:cNvPicPr>
-            <a:picLocks noChangeAspect="1"/>
-          </p:cNvPicPr>
+      <p:cxnSp>
+        <p:nvCxnSpPr>
+          <p:cNvPr id="6" name="Gerader Verbinder 5">
+            <a:extLst>
+              <a:ext uri="{FF2B5EF4-FFF2-40B4-BE49-F238E27FC236}">
+                <a16:creationId xmlns:a16="http://schemas.microsoft.com/office/drawing/2014/main" id="{8BD0F098-371F-4C58-8992-0AD05EFC7F5C}"/>
+              </a:ext>
+            </a:extLst>
+          </p:cNvPr>
+          <p:cNvCxnSpPr>
+            <a:cxnSpLocks/>
+          </p:cNvCxnSpPr>
           <p:nvPr/>
-        </p:nvPicPr>
-        <p:blipFill>
-          <a:blip r:embed="rId3"/>
-          <a:stretch>
-            <a:fillRect/>
-          </a:stretch>
-        </p:blipFill>
+        </p:nvCxnSpPr>
+        <p:spPr>
+          <a:xfrm flipV="1">
+            <a:off x="8554917" y="2429461"/>
+            <a:ext cx="0" cy="2837131"/>
+          </a:xfrm>
+          <a:prstGeom prst="line">
+            <a:avLst/>
+          </a:prstGeom>
+          <a:ln>
+            <a:solidFill>
+              <a:srgbClr val="FF0000"/>
+            </a:solidFill>
+          </a:ln>
+        </p:spPr>
+        <p:style>
+          <a:lnRef idx="3">
+            <a:schemeClr val="dk1"/>
+          </a:lnRef>
+          <a:fillRef idx="0">
+            <a:schemeClr val="dk1"/>
+          </a:fillRef>
+          <a:effectRef idx="2">
+            <a:schemeClr val="dk1"/>
+          </a:effectRef>
+          <a:fontRef idx="minor">
+            <a:schemeClr val="tx1"/>
+          </a:fontRef>
+        </p:style>
+      </p:cxnSp>
+      <p:sp>
+        <p:nvSpPr>
+          <p:cNvPr id="7" name="Titel 1">
+            <a:extLst>
+              <a:ext uri="{FF2B5EF4-FFF2-40B4-BE49-F238E27FC236}">
+                <a16:creationId xmlns:a16="http://schemas.microsoft.com/office/drawing/2014/main" id="{10DA371A-DAC2-4982-933F-7E330EBE4FD5}"/>
+              </a:ext>
+            </a:extLst>
+          </p:cNvPr>
+          <p:cNvSpPr>
+            <a:spLocks noGrp="1"/>
+          </p:cNvSpPr>
+          <p:nvPr>
+            <p:ph type="title"/>
+          </p:nvPr>
+        </p:nvSpPr>
         <p:spPr>
           <a:xfrm>
-            <a:off x="2251494" y="3318023"/>
-            <a:ext cx="7387086" cy="3543124"/>
+            <a:off x="838200" y="365125"/>
+            <a:ext cx="10515600" cy="1325563"/>
+          </a:xfrm>
+        </p:spPr>
+        <p:txBody>
+          <a:bodyPr/>
+          <a:lstStyle/>
+          <a:p>
+            <a:r>
+              <a:rPr lang="de-DE" dirty="0"/>
+              <a:t>ARIMA </a:t>
+            </a:r>
+            <a:r>
+              <a:rPr lang="de-DE" dirty="0" err="1"/>
+              <a:t>estimate</a:t>
+            </a:r>
+            <a:r>
+              <a:rPr lang="de-DE" dirty="0"/>
+              <a:t> </a:t>
+            </a:r>
+            <a:r>
+              <a:rPr lang="de-DE" dirty="0" err="1"/>
+              <a:t>for</a:t>
+            </a:r>
+            <a:r>
+              <a:rPr lang="de-DE" dirty="0"/>
+              <a:t> San Juan</a:t>
+            </a:r>
+          </a:p>
+        </p:txBody>
+      </p:sp>
+      <p:sp>
+        <p:nvSpPr>
+          <p:cNvPr id="10" name="Textfeld 9">
+            <a:extLst>
+              <a:ext uri="{FF2B5EF4-FFF2-40B4-BE49-F238E27FC236}">
+                <a16:creationId xmlns:a16="http://schemas.microsoft.com/office/drawing/2014/main" id="{984205CF-74FD-4695-AE7E-98FCEB14813D}"/>
+              </a:ext>
+            </a:extLst>
+          </p:cNvPr>
+          <p:cNvSpPr txBox="1"/>
+          <p:nvPr/>
+        </p:nvSpPr>
+        <p:spPr>
+          <a:xfrm>
+            <a:off x="838200" y="6092134"/>
+            <a:ext cx="5431659" cy="261610"/>
           </a:xfrm>
           <a:prstGeom prst="rect">
             <a:avLst/>
           </a:prstGeom>
+          <a:noFill/>
         </p:spPr>
-      </p:pic>
+        <p:txBody>
+          <a:bodyPr wrap="square" rtlCol="0">
+            <a:spAutoFit/>
+          </a:bodyPr>
+          <a:lstStyle/>
+          <a:p>
+            <a:r>
+              <a:rPr lang="de-DE" sz="1100" dirty="0"/>
+              <a:t>Fig. 7: ARIMA </a:t>
+            </a:r>
+            <a:r>
+              <a:rPr lang="de-DE" sz="1100" dirty="0" err="1"/>
+              <a:t>estimate</a:t>
+            </a:r>
+            <a:r>
+              <a:rPr lang="de-DE" sz="1100" dirty="0"/>
+              <a:t> </a:t>
+            </a:r>
+            <a:r>
+              <a:rPr lang="de-DE" sz="1100" dirty="0" err="1"/>
+              <a:t>for</a:t>
+            </a:r>
+            <a:r>
+              <a:rPr lang="de-DE" sz="1100" dirty="0"/>
+              <a:t> San Juan, </a:t>
+            </a:r>
+            <a:r>
+              <a:rPr lang="de-DE" sz="1100" dirty="0" err="1"/>
+              <a:t>training</a:t>
+            </a:r>
+            <a:r>
+              <a:rPr lang="de-DE" sz="1100" dirty="0"/>
+              <a:t> and </a:t>
+            </a:r>
+            <a:r>
+              <a:rPr lang="de-DE" sz="1100" dirty="0" err="1"/>
+              <a:t>testing</a:t>
+            </a:r>
+            <a:r>
+              <a:rPr lang="de-DE" sz="1100" dirty="0"/>
+              <a:t> </a:t>
+            </a:r>
+            <a:r>
+              <a:rPr lang="de-DE" sz="1100" dirty="0" err="1"/>
+              <a:t>data</a:t>
+            </a:r>
+            <a:endParaRPr lang="de-DE" sz="1100" dirty="0"/>
+          </a:p>
+        </p:txBody>
+      </p:sp>
     </p:spTree>
     <p:extLst>
       <p:ext uri="{BB962C8B-B14F-4D97-AF65-F5344CB8AC3E}">
-        <p14:creationId xmlns:p14="http://schemas.microsoft.com/office/powerpoint/2010/main" val="4293635338"/>
+        <p14:creationId xmlns:p14="http://schemas.microsoft.com/office/powerpoint/2010/main" val="1543253899"/>
       </p:ext>
     </p:extLst>
   </p:cSld>
@@ -4410,7 +4918,7 @@
 </file>
 
 <file path=ppt/slides/slide15.xml><?xml version="1.0" encoding="utf-8"?>
-<p:sld xmlns:a="http://schemas.openxmlformats.org/drawingml/2006/main" xmlns:r="http://schemas.openxmlformats.org/officeDocument/2006/relationships" xmlns:p="http://schemas.openxmlformats.org/presentationml/2006/main">
+<p:sld xmlns:a="http://schemas.openxmlformats.org/drawingml/2006/main" xmlns:r="http://schemas.openxmlformats.org/officeDocument/2006/relationships" xmlns:p="http://schemas.openxmlformats.org/presentationml/2006/main" show="0">
   <p:cSld>
     <p:spTree>
       <p:nvGrpSpPr>
@@ -4426,12 +4934,43 @@
           <a:chExt cx="0" cy="0"/>
         </a:xfrm>
       </p:grpSpPr>
-      <p:sp>
-        <p:nvSpPr>
-          <p:cNvPr id="2" name="Titel 1">
-            <a:extLst>
-              <a:ext uri="{FF2B5EF4-FFF2-40B4-BE49-F238E27FC236}">
-                <a16:creationId xmlns:a16="http://schemas.microsoft.com/office/drawing/2014/main" id="{EBA97D32-CF44-4D0A-8DC9-6C63C47D4D47}"/>
+      <p:pic>
+        <p:nvPicPr>
+          <p:cNvPr id="4" name="Рисунок 4">
+            <a:extLst>
+              <a:ext uri="{FF2B5EF4-FFF2-40B4-BE49-F238E27FC236}">
+                <a16:creationId xmlns:a16="http://schemas.microsoft.com/office/drawing/2014/main" id="{F3882A6E-B97D-4841-98BC-C71D2D86375E}"/>
+              </a:ext>
+            </a:extLst>
+          </p:cNvPr>
+          <p:cNvPicPr>
+            <a:picLocks noGrp="1" noChangeAspect="1"/>
+          </p:cNvPicPr>
+          <p:nvPr>
+            <p:ph idx="1"/>
+          </p:nvPr>
+        </p:nvPicPr>
+        <p:blipFill rotWithShape="1">
+          <a:blip r:embed="rId2"/>
+          <a:srcRect t="5080" b="11781"/>
+          <a:stretch/>
+        </p:blipFill>
+        <p:spPr>
+          <a:xfrm>
+            <a:off x="521400" y="1855177"/>
+            <a:ext cx="10832400" cy="4035669"/>
+          </a:xfrm>
+          <a:prstGeom prst="rect">
+            <a:avLst/>
+          </a:prstGeom>
+        </p:spPr>
+      </p:pic>
+      <p:sp>
+        <p:nvSpPr>
+          <p:cNvPr id="7" name="Titel 1">
+            <a:extLst>
+              <a:ext uri="{FF2B5EF4-FFF2-40B4-BE49-F238E27FC236}">
+                <a16:creationId xmlns:a16="http://schemas.microsoft.com/office/drawing/2014/main" id="{31FECC29-9815-4172-A8E6-D2AA564670CB}"/>
               </a:ext>
             </a:extLst>
           </p:cNvPr>
@@ -4442,51 +4981,156 @@
             <p:ph type="title"/>
           </p:nvPr>
         </p:nvSpPr>
-        <p:spPr/>
+        <p:spPr>
+          <a:xfrm>
+            <a:off x="838200" y="365125"/>
+            <a:ext cx="10515600" cy="1325563"/>
+          </a:xfrm>
+        </p:spPr>
         <p:txBody>
           <a:bodyPr/>
           <a:lstStyle/>
           <a:p>
             <a:r>
+              <a:rPr lang="de-DE" dirty="0"/>
+              <a:t>ARIMA </a:t>
+            </a:r>
+            <a:r>
               <a:rPr lang="de-DE" dirty="0" err="1"/>
-              <a:t>Tree-based</a:t>
+              <a:t>estimate</a:t>
             </a:r>
             <a:r>
               <a:rPr lang="de-DE" dirty="0"/>
-              <a:t> Models</a:t>
-            </a:r>
-          </a:p>
-        </p:txBody>
-      </p:sp>
-      <p:sp>
-        <p:nvSpPr>
-          <p:cNvPr id="3" name="Inhaltsplatzhalter 2">
-            <a:extLst>
-              <a:ext uri="{FF2B5EF4-FFF2-40B4-BE49-F238E27FC236}">
-                <a16:creationId xmlns:a16="http://schemas.microsoft.com/office/drawing/2014/main" id="{DFA79B91-F458-4782-8B92-DC252D0B4384}"/>
-              </a:ext>
-            </a:extLst>
-          </p:cNvPr>
-          <p:cNvSpPr>
-            <a:spLocks noGrp="1"/>
-          </p:cNvSpPr>
-          <p:nvPr>
-            <p:ph idx="1"/>
-          </p:nvPr>
-        </p:nvSpPr>
-        <p:spPr/>
-        <p:txBody>
-          <a:bodyPr/>
-          <a:lstStyle/>
-          <a:p>
-            <a:endParaRPr lang="de-DE"/>
-          </a:p>
-        </p:txBody>
-      </p:sp>
+              <a:t> </a:t>
+            </a:r>
+            <a:r>
+              <a:rPr lang="de-DE" dirty="0" err="1"/>
+              <a:t>for</a:t>
+            </a:r>
+            <a:r>
+              <a:rPr lang="de-DE" dirty="0"/>
+              <a:t> Iquitos</a:t>
+            </a:r>
+          </a:p>
+        </p:txBody>
+      </p:sp>
+      <p:sp>
+        <p:nvSpPr>
+          <p:cNvPr id="8" name="Textfeld 7">
+            <a:extLst>
+              <a:ext uri="{FF2B5EF4-FFF2-40B4-BE49-F238E27FC236}">
+                <a16:creationId xmlns:a16="http://schemas.microsoft.com/office/drawing/2014/main" id="{E6BD16DD-C47A-4BF2-AF68-1871D081FB65}"/>
+              </a:ext>
+            </a:extLst>
+          </p:cNvPr>
+          <p:cNvSpPr txBox="1"/>
+          <p:nvPr/>
+        </p:nvSpPr>
+        <p:spPr>
+          <a:xfrm>
+            <a:off x="838200" y="6055335"/>
+            <a:ext cx="5431659" cy="261610"/>
+          </a:xfrm>
+          <a:prstGeom prst="rect">
+            <a:avLst/>
+          </a:prstGeom>
+          <a:noFill/>
+        </p:spPr>
+        <p:txBody>
+          <a:bodyPr wrap="square" rtlCol="0">
+            <a:spAutoFit/>
+          </a:bodyPr>
+          <a:lstStyle/>
+          <a:p>
+            <a:r>
+              <a:rPr lang="de-DE" sz="1100" dirty="0"/>
+              <a:t>Fig. 8: ARIMA </a:t>
+            </a:r>
+            <a:r>
+              <a:rPr lang="de-DE" sz="1100" dirty="0" err="1"/>
+              <a:t>estimate</a:t>
+            </a:r>
+            <a:r>
+              <a:rPr lang="de-DE" sz="1100" dirty="0"/>
+              <a:t> </a:t>
+            </a:r>
+            <a:r>
+              <a:rPr lang="de-DE" sz="1100" dirty="0" err="1"/>
+              <a:t>for</a:t>
+            </a:r>
+            <a:r>
+              <a:rPr lang="de-DE" sz="1100" dirty="0"/>
+              <a:t> Iquitos, </a:t>
+            </a:r>
+            <a:r>
+              <a:rPr lang="de-DE" sz="1100" dirty="0" err="1"/>
+              <a:t>training</a:t>
+            </a:r>
+            <a:r>
+              <a:rPr lang="de-DE" sz="1100" dirty="0"/>
+              <a:t> and </a:t>
+            </a:r>
+            <a:r>
+              <a:rPr lang="de-DE" sz="1100" dirty="0" err="1"/>
+              <a:t>testing</a:t>
+            </a:r>
+            <a:r>
+              <a:rPr lang="de-DE" sz="1100" dirty="0"/>
+              <a:t> </a:t>
+            </a:r>
+            <a:r>
+              <a:rPr lang="de-DE" sz="1100" dirty="0" err="1"/>
+              <a:t>data</a:t>
+            </a:r>
+            <a:endParaRPr lang="de-DE" sz="1100" dirty="0"/>
+          </a:p>
+        </p:txBody>
+      </p:sp>
+      <p:cxnSp>
+        <p:nvCxnSpPr>
+          <p:cNvPr id="9" name="Gerader Verbinder 8">
+            <a:extLst>
+              <a:ext uri="{FF2B5EF4-FFF2-40B4-BE49-F238E27FC236}">
+                <a16:creationId xmlns:a16="http://schemas.microsoft.com/office/drawing/2014/main" id="{2134A9B1-E200-4946-A506-35DECAFAAA67}"/>
+              </a:ext>
+            </a:extLst>
+          </p:cNvPr>
+          <p:cNvCxnSpPr/>
+          <p:nvPr/>
+        </p:nvCxnSpPr>
+        <p:spPr>
+          <a:xfrm flipV="1">
+            <a:off x="8607669" y="2453054"/>
+            <a:ext cx="0" cy="2963008"/>
+          </a:xfrm>
+          <a:prstGeom prst="line">
+            <a:avLst/>
+          </a:prstGeom>
+          <a:ln>
+            <a:solidFill>
+              <a:srgbClr val="FF0000"/>
+            </a:solidFill>
+          </a:ln>
+        </p:spPr>
+        <p:style>
+          <a:lnRef idx="3">
+            <a:schemeClr val="dk1"/>
+          </a:lnRef>
+          <a:fillRef idx="0">
+            <a:schemeClr val="dk1"/>
+          </a:fillRef>
+          <a:effectRef idx="2">
+            <a:schemeClr val="dk1"/>
+          </a:effectRef>
+          <a:fontRef idx="minor">
+            <a:schemeClr val="tx1"/>
+          </a:fontRef>
+        </p:style>
+      </p:cxnSp>
     </p:spTree>
     <p:extLst>
       <p:ext uri="{BB962C8B-B14F-4D97-AF65-F5344CB8AC3E}">
-        <p14:creationId xmlns:p14="http://schemas.microsoft.com/office/powerpoint/2010/main" val="853262095"/>
+        <p14:creationId xmlns:p14="http://schemas.microsoft.com/office/powerpoint/2010/main" val="4293635338"/>
       </p:ext>
     </p:extLst>
   </p:cSld>
@@ -4518,6 +5162,203 @@
           <p:cNvPr id="2" name="Titel 1">
             <a:extLst>
               <a:ext uri="{FF2B5EF4-FFF2-40B4-BE49-F238E27FC236}">
+                <a16:creationId xmlns:a16="http://schemas.microsoft.com/office/drawing/2014/main" id="{EBA97D32-CF44-4D0A-8DC9-6C63C47D4D47}"/>
+              </a:ext>
+            </a:extLst>
+          </p:cNvPr>
+          <p:cNvSpPr>
+            <a:spLocks noGrp="1"/>
+          </p:cNvSpPr>
+          <p:nvPr>
+            <p:ph type="title"/>
+          </p:nvPr>
+        </p:nvSpPr>
+        <p:spPr/>
+        <p:txBody>
+          <a:bodyPr/>
+          <a:lstStyle/>
+          <a:p>
+            <a:r>
+              <a:rPr lang="de-DE" dirty="0" err="1"/>
+              <a:t>Tree-based</a:t>
+            </a:r>
+            <a:r>
+              <a:rPr lang="de-DE" dirty="0"/>
+              <a:t> Models</a:t>
+            </a:r>
+          </a:p>
+        </p:txBody>
+      </p:sp>
+      <p:sp>
+        <p:nvSpPr>
+          <p:cNvPr id="3" name="Inhaltsplatzhalter 2">
+            <a:extLst>
+              <a:ext uri="{FF2B5EF4-FFF2-40B4-BE49-F238E27FC236}">
+                <a16:creationId xmlns:a16="http://schemas.microsoft.com/office/drawing/2014/main" id="{DFA79B91-F458-4782-8B92-DC252D0B4384}"/>
+              </a:ext>
+            </a:extLst>
+          </p:cNvPr>
+          <p:cNvSpPr>
+            <a:spLocks noGrp="1"/>
+          </p:cNvSpPr>
+          <p:nvPr>
+            <p:ph idx="1"/>
+          </p:nvPr>
+        </p:nvSpPr>
+        <p:spPr/>
+        <p:txBody>
+          <a:bodyPr>
+            <a:normAutofit/>
+          </a:bodyPr>
+          <a:lstStyle/>
+          <a:p>
+            <a:r>
+              <a:rPr lang="de-DE" dirty="0" err="1"/>
+              <a:t>Decision</a:t>
+            </a:r>
+            <a:r>
+              <a:rPr lang="de-DE" dirty="0"/>
+              <a:t> </a:t>
+            </a:r>
+            <a:r>
+              <a:rPr lang="de-DE" dirty="0" err="1"/>
+              <a:t>Tree</a:t>
+            </a:r>
+            <a:r>
+              <a:rPr lang="de-DE" dirty="0"/>
+              <a:t> </a:t>
+            </a:r>
+            <a:r>
+              <a:rPr lang="de-DE" dirty="0" err="1"/>
+              <a:t>for</a:t>
+            </a:r>
+            <a:r>
+              <a:rPr lang="de-DE" dirty="0"/>
+              <a:t> Poisson-Modelling</a:t>
+            </a:r>
+          </a:p>
+          <a:p>
+            <a:pPr lvl="1"/>
+            <a:r>
+              <a:rPr lang="de-DE" dirty="0" err="1"/>
+              <a:t>Lagged</a:t>
+            </a:r>
+            <a:r>
+              <a:rPr lang="de-DE" dirty="0"/>
+              <a:t> variables</a:t>
+            </a:r>
+          </a:p>
+          <a:p>
+            <a:pPr lvl="1"/>
+            <a:r>
+              <a:rPr lang="de-DE" dirty="0"/>
+              <a:t>Minimum </a:t>
+            </a:r>
+            <a:r>
+              <a:rPr lang="de-DE" dirty="0" err="1"/>
+              <a:t>split</a:t>
+            </a:r>
+            <a:r>
+              <a:rPr lang="de-DE" dirty="0"/>
+              <a:t> at 50 </a:t>
+            </a:r>
+          </a:p>
+          <a:p>
+            <a:pPr lvl="1"/>
+            <a:r>
+              <a:rPr lang="de-DE" dirty="0"/>
+              <a:t>Splits </a:t>
+            </a:r>
+            <a:r>
+              <a:rPr lang="de-DE" dirty="0" err="1"/>
+              <a:t>mostly</a:t>
+            </a:r>
+            <a:r>
+              <a:rPr lang="de-DE" dirty="0"/>
+              <a:t> at </a:t>
+            </a:r>
+            <a:r>
+              <a:rPr lang="de-DE" dirty="0" err="1"/>
+              <a:t>temperature</a:t>
+            </a:r>
+            <a:r>
+              <a:rPr lang="de-DE" dirty="0"/>
+              <a:t> variables</a:t>
+            </a:r>
+          </a:p>
+          <a:p>
+            <a:pPr lvl="1"/>
+            <a:r>
+              <a:rPr lang="de-DE" dirty="0"/>
+              <a:t>Maximum at high </a:t>
+            </a:r>
+            <a:r>
+              <a:rPr lang="de-DE" dirty="0" err="1"/>
+              <a:t>temperature</a:t>
+            </a:r>
+            <a:r>
+              <a:rPr lang="de-DE" dirty="0"/>
+              <a:t> and medium </a:t>
+            </a:r>
+            <a:r>
+              <a:rPr lang="de-DE" dirty="0" err="1"/>
+              <a:t>precipitation</a:t>
+            </a:r>
+            <a:endParaRPr lang="de-DE" dirty="0"/>
+          </a:p>
+          <a:p>
+            <a:endParaRPr lang="de-DE" dirty="0"/>
+          </a:p>
+          <a:p>
+            <a:r>
+              <a:rPr lang="de-DE" dirty="0" err="1"/>
+              <a:t>Result</a:t>
+            </a:r>
+            <a:r>
+              <a:rPr lang="de-DE" dirty="0"/>
+              <a:t>: 26.4327</a:t>
+            </a:r>
+          </a:p>
+          <a:p>
+            <a:endParaRPr lang="de-DE" dirty="0"/>
+          </a:p>
+        </p:txBody>
+      </p:sp>
+    </p:spTree>
+    <p:extLst>
+      <p:ext uri="{BB962C8B-B14F-4D97-AF65-F5344CB8AC3E}">
+        <p14:creationId xmlns:p14="http://schemas.microsoft.com/office/powerpoint/2010/main" val="853262095"/>
+      </p:ext>
+    </p:extLst>
+  </p:cSld>
+  <p:clrMapOvr>
+    <a:masterClrMapping/>
+  </p:clrMapOvr>
+</p:sld>
+</file>
+
+<file path=ppt/slides/slide17.xml><?xml version="1.0" encoding="utf-8"?>
+<p:sld xmlns:a="http://schemas.openxmlformats.org/drawingml/2006/main" xmlns:r="http://schemas.openxmlformats.org/officeDocument/2006/relationships" xmlns:p="http://schemas.openxmlformats.org/presentationml/2006/main">
+  <p:cSld>
+    <p:spTree>
+      <p:nvGrpSpPr>
+        <p:cNvPr id="1" name=""/>
+        <p:cNvGrpSpPr/>
+        <p:nvPr/>
+      </p:nvGrpSpPr>
+      <p:grpSpPr>
+        <a:xfrm>
+          <a:off x="0" y="0"/>
+          <a:ext cx="0" cy="0"/>
+          <a:chOff x="0" y="0"/>
+          <a:chExt cx="0" cy="0"/>
+        </a:xfrm>
+      </p:grpSpPr>
+      <p:sp>
+        <p:nvSpPr>
+          <p:cNvPr id="2" name="Titel 1">
+            <a:extLst>
+              <a:ext uri="{FF2B5EF4-FFF2-40B4-BE49-F238E27FC236}">
                 <a16:creationId xmlns:a16="http://schemas.microsoft.com/office/drawing/2014/main" id="{32EC1851-A915-43A4-9D17-B9A1EAAFD7E9}"/>
               </a:ext>
             </a:extLst>
@@ -4571,7 +5412,15 @@
             </a:r>
             <a:r>
               <a:rPr lang="de-DE" dirty="0"/>
-              <a:t>: Bad Rank 10XX / 42XX</a:t>
+              <a:t>: a </a:t>
+            </a:r>
+            <a:r>
+              <a:rPr lang="de-DE" dirty="0" err="1"/>
+              <a:t>bad</a:t>
+            </a:r>
+            <a:r>
+              <a:rPr lang="de-DE" dirty="0"/>
+              <a:t> 1001 / 4256</a:t>
             </a:r>
           </a:p>
           <a:p>
@@ -4632,7 +5481,7 @@
           <a:p>
             <a:r>
               <a:rPr lang="de-DE" dirty="0" err="1"/>
-              <a:t>What</a:t>
+              <a:t>Combining</a:t>
             </a:r>
             <a:r>
               <a:rPr lang="de-DE" dirty="0"/>
@@ -4640,7 +5489,7 @@
             </a:r>
             <a:r>
               <a:rPr lang="de-DE" dirty="0" err="1"/>
-              <a:t>to</a:t>
+              <a:t>approaches</a:t>
             </a:r>
             <a:r>
               <a:rPr lang="de-DE" dirty="0"/>
@@ -4648,12 +5497,25 @@
             </a:r>
             <a:r>
               <a:rPr lang="de-DE" dirty="0" err="1"/>
-              <a:t>train</a:t>
+              <a:t>might</a:t>
             </a:r>
             <a:r>
               <a:rPr lang="de-DE" dirty="0"/>
-              <a:t> on?</a:t>
-            </a:r>
+              <a:t> </a:t>
+            </a:r>
+            <a:r>
+              <a:rPr lang="de-DE" dirty="0" err="1"/>
+              <a:t>be</a:t>
+            </a:r>
+            <a:r>
+              <a:rPr lang="de-DE" dirty="0"/>
+              <a:t> </a:t>
+            </a:r>
+            <a:r>
+              <a:rPr lang="de-DE"/>
+              <a:t>interesting</a:t>
+            </a:r>
+            <a:endParaRPr lang="de-DE" dirty="0"/>
           </a:p>
           <a:p>
             <a:endParaRPr lang="de-DE" dirty="0"/>
@@ -5095,7 +5957,7 @@
               <a:rPr lang="en-GB" dirty="0">
                 <a:cs typeface="Calibri"/>
               </a:rPr>
-              <a:t> : until 2013</a:t>
+              <a:t> (until 2013)</a:t>
             </a:r>
           </a:p>
           <a:p>
@@ -5188,78 +6050,48 @@
           <a:lstStyle/>
           <a:p>
             <a:r>
-              <a:rPr lang="de-DE" dirty="0"/>
-              <a:t>Strong </a:t>
-            </a:r>
-            <a:r>
-              <a:rPr lang="de-DE" dirty="0" err="1"/>
-              <a:t>yearly</a:t>
-            </a:r>
-            <a:r>
-              <a:rPr lang="de-DE" dirty="0"/>
-              <a:t> </a:t>
-            </a:r>
-            <a:r>
-              <a:rPr lang="de-DE" dirty="0" err="1"/>
-              <a:t>seasonality</a:t>
-            </a:r>
-            <a:endParaRPr lang="de-DE" dirty="0"/>
-          </a:p>
-          <a:p>
-            <a:r>
-              <a:rPr lang="de-DE" dirty="0" err="1"/>
-              <a:t>Epidemics</a:t>
-            </a:r>
-            <a:endParaRPr lang="de-DE" dirty="0"/>
-          </a:p>
-          <a:p>
-            <a:r>
-              <a:rPr lang="de-DE" dirty="0"/>
-              <a:t>Strong </a:t>
-            </a:r>
-            <a:r>
-              <a:rPr lang="de-DE" dirty="0" err="1"/>
-              <a:t>difference</a:t>
-            </a:r>
-            <a:r>
-              <a:rPr lang="de-DE" dirty="0"/>
-              <a:t> </a:t>
-            </a:r>
-            <a:r>
-              <a:rPr lang="de-DE" dirty="0" err="1"/>
-              <a:t>between</a:t>
-            </a:r>
-            <a:r>
-              <a:rPr lang="de-DE" dirty="0"/>
-              <a:t> </a:t>
-            </a:r>
-            <a:r>
-              <a:rPr lang="de-DE" dirty="0" err="1"/>
-              <a:t>the</a:t>
-            </a:r>
-            <a:r>
-              <a:rPr lang="de-DE" dirty="0"/>
-              <a:t> </a:t>
-            </a:r>
-            <a:r>
-              <a:rPr lang="de-DE" dirty="0" err="1"/>
-              <a:t>two</a:t>
-            </a:r>
-            <a:r>
-              <a:rPr lang="de-DE" dirty="0"/>
-              <a:t> </a:t>
-            </a:r>
-            <a:r>
-              <a:rPr lang="de-DE" dirty="0" err="1"/>
-              <a:t>cities</a:t>
-            </a:r>
-            <a:endParaRPr lang="de-DE" dirty="0"/>
-          </a:p>
-          <a:p>
-            <a:endParaRPr lang="de-DE" dirty="0"/>
-          </a:p>
-          <a:p>
-            <a:endParaRPr lang="de-DE" dirty="0"/>
+              <a:rPr lang="en-GB" dirty="0"/>
+              <a:t>Strong yearly seasonality</a:t>
+            </a:r>
+          </a:p>
+          <a:p>
+            <a:r>
+              <a:rPr lang="en-GB" dirty="0"/>
+              <a:t>Some years with epidemics</a:t>
+            </a:r>
+          </a:p>
+          <a:p>
+            <a:r>
+              <a:rPr lang="en-GB" dirty="0"/>
+              <a:t>Strong difference between the two cities</a:t>
+            </a:r>
+          </a:p>
+          <a:p>
+            <a:pPr lvl="1"/>
+            <a:r>
+              <a:rPr lang="en-GB" dirty="0"/>
+              <a:t>Hemisphere</a:t>
+            </a:r>
+          </a:p>
+          <a:p>
+            <a:pPr lvl="1"/>
+            <a:r>
+              <a:rPr lang="en-GB" dirty="0"/>
+              <a:t>Climate</a:t>
+            </a:r>
+          </a:p>
+          <a:p>
+            <a:pPr lvl="1"/>
+            <a:r>
+              <a:rPr lang="en-GB" dirty="0"/>
+              <a:t>Total cases</a:t>
+            </a:r>
+          </a:p>
+          <a:p>
+            <a:endParaRPr lang="en-GB" dirty="0"/>
+          </a:p>
+          <a:p>
+            <a:endParaRPr lang="en-GB" dirty="0"/>
           </a:p>
         </p:txBody>
       </p:sp>
@@ -5298,7 +6130,7 @@
           <p:cNvPr id="2" name="Titel 1">
             <a:extLst>
               <a:ext uri="{FF2B5EF4-FFF2-40B4-BE49-F238E27FC236}">
-                <a16:creationId xmlns:a16="http://schemas.microsoft.com/office/drawing/2014/main" id="{7C017E11-4EA1-42D3-AB47-BABD37E4B1A7}"/>
+                <a16:creationId xmlns:a16="http://schemas.microsoft.com/office/drawing/2014/main" id="{31B41458-F15B-4BE6-B3DF-E68BB05CA0A8}"/>
               </a:ext>
             </a:extLst>
           </p:cNvPr>
@@ -5315,90 +6147,69 @@
           <a:lstStyle/>
           <a:p>
             <a:r>
-              <a:rPr lang="de-DE" dirty="0" err="1"/>
-              <a:t>Descriptives</a:t>
-            </a:r>
-            <a:r>
-              <a:rPr lang="de-DE" dirty="0"/>
-              <a:t> (</a:t>
-            </a:r>
-            <a:r>
-              <a:rPr lang="de-DE"/>
-              <a:t>Cases in San </a:t>
-            </a:r>
-            <a:r>
-              <a:rPr lang="de-DE" dirty="0"/>
-              <a:t>Juan)</a:t>
-            </a:r>
-          </a:p>
-        </p:txBody>
-      </p:sp>
-      <p:pic>
-        <p:nvPicPr>
-          <p:cNvPr id="4" name="Inhaltsplatzhalter 3">
-            <a:extLst>
-              <a:ext uri="{FF2B5EF4-FFF2-40B4-BE49-F238E27FC236}">
-                <a16:creationId xmlns:a16="http://schemas.microsoft.com/office/drawing/2014/main" id="{742AAEF1-CA63-401F-AD23-6DCC02CF7C7C}"/>
-              </a:ext>
-            </a:extLst>
-          </p:cNvPr>
-          <p:cNvPicPr>
-            <a:picLocks noGrp="1" noChangeAspect="1"/>
-          </p:cNvPicPr>
+              <a:rPr lang="en-GB" dirty="0" err="1"/>
+              <a:t>Preprocessing</a:t>
+            </a:r>
+            <a:endParaRPr lang="en-GB" dirty="0"/>
+          </a:p>
+        </p:txBody>
+      </p:sp>
+      <p:sp>
+        <p:nvSpPr>
+          <p:cNvPr id="3" name="Inhaltsplatzhalter 2">
+            <a:extLst>
+              <a:ext uri="{FF2B5EF4-FFF2-40B4-BE49-F238E27FC236}">
+                <a16:creationId xmlns:a16="http://schemas.microsoft.com/office/drawing/2014/main" id="{08C0D8D2-F76E-4097-86D5-9E147CDCBF10}"/>
+              </a:ext>
+            </a:extLst>
+          </p:cNvPr>
+          <p:cNvSpPr>
+            <a:spLocks noGrp="1"/>
+          </p:cNvSpPr>
           <p:nvPr>
             <p:ph idx="1"/>
           </p:nvPr>
-        </p:nvPicPr>
-        <p:blipFill>
-          <a:blip r:embed="rId2">
-            <a:extLst>
-              <a:ext uri="{28A0092B-C50C-407E-A947-70E740481C1C}">
-                <a14:useLocalDpi xmlns:a14="http://schemas.microsoft.com/office/drawing/2010/main" val="0"/>
-              </a:ext>
-            </a:extLst>
-          </a:blip>
-          <a:stretch>
-            <a:fillRect/>
-          </a:stretch>
-        </p:blipFill>
-        <p:spPr>
-          <a:xfrm>
-            <a:off x="843477" y="1937613"/>
-            <a:ext cx="10519422" cy="4184870"/>
-          </a:xfrm>
-        </p:spPr>
-      </p:pic>
-      <p:sp>
-        <p:nvSpPr>
-          <p:cNvPr id="5" name="Textfeld 4">
-            <a:extLst>
-              <a:ext uri="{FF2B5EF4-FFF2-40B4-BE49-F238E27FC236}">
-                <a16:creationId xmlns:a16="http://schemas.microsoft.com/office/drawing/2014/main" id="{ADC6FABE-CD26-4E09-BE91-B4FEBA17B057}"/>
-              </a:ext>
-            </a:extLst>
-          </p:cNvPr>
-          <p:cNvSpPr txBox="1"/>
-          <p:nvPr/>
-        </p:nvSpPr>
-        <p:spPr>
-          <a:xfrm>
-            <a:off x="1855177" y="5863691"/>
-            <a:ext cx="4835769" cy="261610"/>
-          </a:xfrm>
-          <a:prstGeom prst="rect">
-            <a:avLst/>
-          </a:prstGeom>
-          <a:noFill/>
-        </p:spPr>
-        <p:txBody>
-          <a:bodyPr wrap="square" rtlCol="0">
-            <a:spAutoFit/>
-          </a:bodyPr>
-          <a:lstStyle/>
-          <a:p>
-            <a:r>
-              <a:rPr lang="de-DE" sz="1100" dirty="0"/>
-              <a:t>Fig. 2: Cases in San Juan per Week, 1990-2008</a:t>
+        </p:nvSpPr>
+        <p:spPr/>
+        <p:txBody>
+          <a:bodyPr/>
+          <a:lstStyle/>
+          <a:p>
+            <a:r>
+              <a:rPr lang="en-GB" dirty="0"/>
+              <a:t>Small and relatively clean Data Set</a:t>
+            </a:r>
+          </a:p>
+          <a:p>
+            <a:r>
+              <a:rPr lang="en-GB" dirty="0"/>
+              <a:t>Occasional NA-values</a:t>
+            </a:r>
+          </a:p>
+          <a:p>
+            <a:pPr lvl="1"/>
+            <a:r>
+              <a:rPr lang="en-GB" dirty="0"/>
+              <a:t>Likely are similar to the surrounding values</a:t>
+            </a:r>
+          </a:p>
+          <a:p>
+            <a:pPr lvl="1"/>
+            <a:r>
+              <a:rPr lang="en-GB" dirty="0"/>
+              <a:t>Imputed linearly from the surrounding cases</a:t>
+            </a:r>
+          </a:p>
+          <a:p>
+            <a:r>
+              <a:rPr lang="en-GB" dirty="0"/>
+              <a:t>Lagging of some variables where fit (see below)</a:t>
+            </a:r>
+          </a:p>
+          <a:p>
+            <a:r>
+              <a:rPr lang="en-GB" dirty="0"/>
+              <a:t>Same in the testing data</a:t>
             </a:r>
           </a:p>
         </p:txBody>
@@ -5406,7 +6217,7 @@
     </p:spTree>
     <p:extLst>
       <p:ext uri="{BB962C8B-B14F-4D97-AF65-F5344CB8AC3E}">
-        <p14:creationId xmlns:p14="http://schemas.microsoft.com/office/powerpoint/2010/main" val="1936958091"/>
+        <p14:creationId xmlns:p14="http://schemas.microsoft.com/office/powerpoint/2010/main" val="2352193751"/>
       </p:ext>
     </p:extLst>
   </p:cSld>
@@ -5435,10 +6246,10 @@
       </p:grpSpPr>
       <p:sp>
         <p:nvSpPr>
-          <p:cNvPr id="2" name="Заголовок 1">
-            <a:extLst>
-              <a:ext uri="{FF2B5EF4-FFF2-40B4-BE49-F238E27FC236}">
-                <a16:creationId xmlns:a16="http://schemas.microsoft.com/office/drawing/2014/main" id="{B80EF307-3D4B-4AD9-8DA9-FCAB66346224}"/>
+          <p:cNvPr id="2" name="Titel 1">
+            <a:extLst>
+              <a:ext uri="{FF2B5EF4-FFF2-40B4-BE49-F238E27FC236}">
+                <a16:creationId xmlns:a16="http://schemas.microsoft.com/office/drawing/2014/main" id="{7C017E11-4EA1-42D3-AB47-BABD37E4B1A7}"/>
               </a:ext>
             </a:extLst>
           </p:cNvPr>
@@ -5455,33 +6266,30 @@
           <a:lstStyle/>
           <a:p>
             <a:r>
-              <a:rPr lang="ru-RU" dirty="0">
-                <a:cs typeface="Calibri Light"/>
-              </a:rPr>
-              <a:t>Descriptives (</a:t>
-            </a:r>
-            <a:r>
-              <a:rPr lang="de-DE" dirty="0">
-                <a:cs typeface="Calibri Light"/>
-              </a:rPr>
-              <a:t>Cases in </a:t>
-            </a:r>
-            <a:r>
-              <a:rPr lang="ru-RU" dirty="0">
-                <a:cs typeface="Calibri Light"/>
-              </a:rPr>
-              <a:t>Iquitos)</a:t>
-            </a:r>
-            <a:endParaRPr lang="ru-RU" dirty="0"/>
+              <a:rPr lang="de-DE" dirty="0" err="1"/>
+              <a:t>Descriptives</a:t>
+            </a:r>
+            <a:r>
+              <a:rPr lang="de-DE" dirty="0"/>
+              <a:t> (</a:t>
+            </a:r>
+            <a:r>
+              <a:rPr lang="de-DE"/>
+              <a:t>Cases in San </a:t>
+            </a:r>
+            <a:r>
+              <a:rPr lang="de-DE" dirty="0"/>
+              <a:t>Juan)</a:t>
+            </a:r>
           </a:p>
         </p:txBody>
       </p:sp>
       <p:pic>
         <p:nvPicPr>
-          <p:cNvPr id="4" name="Рисунок 4">
-            <a:extLst>
-              <a:ext uri="{FF2B5EF4-FFF2-40B4-BE49-F238E27FC236}">
-                <a16:creationId xmlns:a16="http://schemas.microsoft.com/office/drawing/2014/main" id="{808D52CA-F3D1-4943-9053-6DAA4F6448C3}"/>
+          <p:cNvPr id="4" name="Inhaltsplatzhalter 3">
+            <a:extLst>
+              <a:ext uri="{FF2B5EF4-FFF2-40B4-BE49-F238E27FC236}">
+                <a16:creationId xmlns:a16="http://schemas.microsoft.com/office/drawing/2014/main" id="{742AAEF1-CA63-401F-AD23-6DCC02CF7C7C}"/>
               </a:ext>
             </a:extLst>
           </p:cNvPr>
@@ -5493,25 +6301,63 @@
           </p:nvPr>
         </p:nvPicPr>
         <p:blipFill>
-          <a:blip r:embed="rId2"/>
+          <a:blip r:embed="rId2">
+            <a:extLst>
+              <a:ext uri="{28A0092B-C50C-407E-A947-70E740481C1C}">
+                <a14:useLocalDpi xmlns:a14="http://schemas.microsoft.com/office/drawing/2010/main" val="0"/>
+              </a:ext>
+            </a:extLst>
+          </a:blip>
           <a:stretch>
             <a:fillRect/>
           </a:stretch>
         </p:blipFill>
         <p:spPr>
           <a:xfrm>
-            <a:off x="844131" y="1851610"/>
-            <a:ext cx="10661889" cy="4385632"/>
+            <a:off x="843477" y="1937613"/>
+            <a:ext cx="10519422" cy="4184870"/>
+          </a:xfrm>
+        </p:spPr>
+      </p:pic>
+      <p:sp>
+        <p:nvSpPr>
+          <p:cNvPr id="5" name="Textfeld 4">
+            <a:extLst>
+              <a:ext uri="{FF2B5EF4-FFF2-40B4-BE49-F238E27FC236}">
+                <a16:creationId xmlns:a16="http://schemas.microsoft.com/office/drawing/2014/main" id="{ADC6FABE-CD26-4E09-BE91-B4FEBA17B057}"/>
+              </a:ext>
+            </a:extLst>
+          </p:cNvPr>
+          <p:cNvSpPr txBox="1"/>
+          <p:nvPr/>
+        </p:nvSpPr>
+        <p:spPr>
+          <a:xfrm>
+            <a:off x="1855177" y="5863691"/>
+            <a:ext cx="4835769" cy="261610"/>
           </a:xfrm>
           <a:prstGeom prst="rect">
             <a:avLst/>
           </a:prstGeom>
+          <a:noFill/>
         </p:spPr>
-      </p:pic>
+        <p:txBody>
+          <a:bodyPr wrap="square" rtlCol="0">
+            <a:spAutoFit/>
+          </a:bodyPr>
+          <a:lstStyle/>
+          <a:p>
+            <a:r>
+              <a:rPr lang="de-DE" sz="1100" dirty="0"/>
+              <a:t>Fig. 2: Cases in San Juan per Week, 1990-2008</a:t>
+            </a:r>
+          </a:p>
+        </p:txBody>
+      </p:sp>
     </p:spTree>
     <p:extLst>
       <p:ext uri="{BB962C8B-B14F-4D97-AF65-F5344CB8AC3E}">
-        <p14:creationId xmlns:p14="http://schemas.microsoft.com/office/powerpoint/2010/main" val="2235359285"/>
+        <p14:creationId xmlns:p14="http://schemas.microsoft.com/office/powerpoint/2010/main" val="1936958091"/>
       </p:ext>
     </p:extLst>
   </p:cSld>
@@ -5540,10 +6386,10 @@
       </p:grpSpPr>
       <p:sp>
         <p:nvSpPr>
-          <p:cNvPr id="2" name="Titel 1">
-            <a:extLst>
-              <a:ext uri="{FF2B5EF4-FFF2-40B4-BE49-F238E27FC236}">
-                <a16:creationId xmlns:a16="http://schemas.microsoft.com/office/drawing/2014/main" id="{32237A87-4ECA-4D4E-BD48-1051AE5FC3BD}"/>
+          <p:cNvPr id="2" name="Заголовок 1">
+            <a:extLst>
+              <a:ext uri="{FF2B5EF4-FFF2-40B4-BE49-F238E27FC236}">
+                <a16:creationId xmlns:a16="http://schemas.microsoft.com/office/drawing/2014/main" id="{B80EF307-3D4B-4AD9-8DA9-FCAB66346224}"/>
               </a:ext>
             </a:extLst>
           </p:cNvPr>
@@ -5559,39 +6405,99 @@
           <a:bodyPr/>
           <a:lstStyle/>
           <a:p>
-            <a:endParaRPr lang="en-GB" dirty="0"/>
-          </a:p>
-        </p:txBody>
-      </p:sp>
-      <p:sp>
-        <p:nvSpPr>
-          <p:cNvPr id="3" name="Inhaltsplatzhalter 2">
-            <a:extLst>
-              <a:ext uri="{FF2B5EF4-FFF2-40B4-BE49-F238E27FC236}">
-                <a16:creationId xmlns:a16="http://schemas.microsoft.com/office/drawing/2014/main" id="{591ADC1F-0FE6-4164-8CA3-F8B33044AEEB}"/>
-              </a:ext>
-            </a:extLst>
-          </p:cNvPr>
-          <p:cNvSpPr>
-            <a:spLocks noGrp="1"/>
-          </p:cNvSpPr>
+            <a:r>
+              <a:rPr lang="ru-RU" dirty="0">
+                <a:cs typeface="Calibri Light"/>
+              </a:rPr>
+              <a:t>Descriptives (</a:t>
+            </a:r>
+            <a:r>
+              <a:rPr lang="de-DE" dirty="0">
+                <a:cs typeface="Calibri Light"/>
+              </a:rPr>
+              <a:t>Cases in </a:t>
+            </a:r>
+            <a:r>
+              <a:rPr lang="ru-RU" dirty="0">
+                <a:cs typeface="Calibri Light"/>
+              </a:rPr>
+              <a:t>Iquitos)</a:t>
+            </a:r>
+            <a:endParaRPr lang="ru-RU" dirty="0"/>
+          </a:p>
+        </p:txBody>
+      </p:sp>
+      <p:pic>
+        <p:nvPicPr>
+          <p:cNvPr id="4" name="Рисунок 4">
+            <a:extLst>
+              <a:ext uri="{FF2B5EF4-FFF2-40B4-BE49-F238E27FC236}">
+                <a16:creationId xmlns:a16="http://schemas.microsoft.com/office/drawing/2014/main" id="{808D52CA-F3D1-4943-9053-6DAA4F6448C3}"/>
+              </a:ext>
+            </a:extLst>
+          </p:cNvPr>
+          <p:cNvPicPr>
+            <a:picLocks noGrp="1" noChangeAspect="1"/>
+          </p:cNvPicPr>
           <p:nvPr>
             <p:ph idx="1"/>
           </p:nvPr>
-        </p:nvSpPr>
-        <p:spPr/>
-        <p:txBody>
-          <a:bodyPr/>
-          <a:lstStyle/>
-          <a:p>
-            <a:endParaRPr lang="en-GB"/>
+        </p:nvPicPr>
+        <p:blipFill>
+          <a:blip r:embed="rId2"/>
+          <a:stretch>
+            <a:fillRect/>
+          </a:stretch>
+        </p:blipFill>
+        <p:spPr>
+          <a:xfrm>
+            <a:off x="844131" y="1851610"/>
+            <a:ext cx="10661889" cy="4385632"/>
+          </a:xfrm>
+          <a:prstGeom prst="rect">
+            <a:avLst/>
+          </a:prstGeom>
+        </p:spPr>
+      </p:pic>
+      <p:sp>
+        <p:nvSpPr>
+          <p:cNvPr id="5" name="Textfeld 4">
+            <a:extLst>
+              <a:ext uri="{FF2B5EF4-FFF2-40B4-BE49-F238E27FC236}">
+                <a16:creationId xmlns:a16="http://schemas.microsoft.com/office/drawing/2014/main" id="{6F54ABE2-7229-4AFD-81AC-C9512873A8D6}"/>
+              </a:ext>
+            </a:extLst>
+          </p:cNvPr>
+          <p:cNvSpPr txBox="1"/>
+          <p:nvPr/>
+        </p:nvSpPr>
+        <p:spPr>
+          <a:xfrm>
+            <a:off x="1855177" y="6106437"/>
+            <a:ext cx="4835769" cy="261610"/>
+          </a:xfrm>
+          <a:prstGeom prst="rect">
+            <a:avLst/>
+          </a:prstGeom>
+          <a:noFill/>
+        </p:spPr>
+        <p:txBody>
+          <a:bodyPr wrap="square" rtlCol="0">
+            <a:spAutoFit/>
+          </a:bodyPr>
+          <a:lstStyle/>
+          <a:p>
+            <a:r>
+              <a:rPr lang="de-DE" sz="1100" dirty="0"/>
+              <a:t>Fig. 3: Cases in Iquitos per Week, 2000-2010</a:t>
+            </a:r>
           </a:p>
         </p:txBody>
       </p:sp>
     </p:spTree>
     <p:extLst>
       <p:ext uri="{BB962C8B-B14F-4D97-AF65-F5344CB8AC3E}">
-        <p14:creationId xmlns:p14="http://schemas.microsoft.com/office/powerpoint/2010/main" val="3469630045"/>
+        <p14:creationId xmlns:p14="http://schemas.microsoft.com/office/powerpoint/2010/main" val="2235359285"/>
       </p:ext>
     </p:extLst>
   </p:cSld>
@@ -5696,6 +6602,61 @@
           </a:xfrm>
         </p:spPr>
       </p:pic>
+      <p:sp>
+        <p:nvSpPr>
+          <p:cNvPr id="4" name="Textfeld 3">
+            <a:extLst>
+              <a:ext uri="{FF2B5EF4-FFF2-40B4-BE49-F238E27FC236}">
+                <a16:creationId xmlns:a16="http://schemas.microsoft.com/office/drawing/2014/main" id="{D1E9EC05-D6ED-4BEB-B8B4-E9B214C0D5B1}"/>
+              </a:ext>
+            </a:extLst>
+          </p:cNvPr>
+          <p:cNvSpPr txBox="1"/>
+          <p:nvPr/>
+        </p:nvSpPr>
+        <p:spPr>
+          <a:xfrm>
+            <a:off x="3176010" y="6083082"/>
+            <a:ext cx="4835769" cy="261610"/>
+          </a:xfrm>
+          <a:prstGeom prst="rect">
+            <a:avLst/>
+          </a:prstGeom>
+          <a:noFill/>
+        </p:spPr>
+        <p:txBody>
+          <a:bodyPr wrap="square" rtlCol="0">
+            <a:spAutoFit/>
+          </a:bodyPr>
+          <a:lstStyle/>
+          <a:p>
+            <a:r>
+              <a:rPr lang="de-DE" sz="1100" dirty="0"/>
+              <a:t>Fig. 4: True Cases (</a:t>
+            </a:r>
+            <a:r>
+              <a:rPr lang="de-DE" sz="1100" dirty="0" err="1">
+                <a:solidFill>
+                  <a:srgbClr val="FF0000"/>
+                </a:solidFill>
+              </a:rPr>
+              <a:t>red</a:t>
+            </a:r>
+            <a:r>
+              <a:rPr lang="de-DE" sz="1100" dirty="0"/>
+              <a:t>) in San Juan per Week, 2010-2013, </a:t>
+            </a:r>
+            <a:r>
+              <a:rPr lang="de-DE" sz="1100" dirty="0" err="1"/>
+              <a:t>Monaghan</a:t>
+            </a:r>
+            <a:r>
+              <a:rPr lang="de-DE" sz="1100" dirty="0"/>
+              <a:t> et al (2015)</a:t>
+            </a:r>
+          </a:p>
+        </p:txBody>
+      </p:sp>
     </p:spTree>
     <p:extLst>
       <p:ext uri="{BB962C8B-B14F-4D97-AF65-F5344CB8AC3E}">

--- a/DengAI_PP_3.pptx
+++ b/DengAI_PP_3.pptx
@@ -6,22 +6,24 @@
   </p:sldMasterIdLst>
   <p:sldIdLst>
     <p:sldId id="256" r:id="rId2"/>
-    <p:sldId id="258" r:id="rId3"/>
-    <p:sldId id="257" r:id="rId4"/>
-    <p:sldId id="266" r:id="rId5"/>
-    <p:sldId id="282" r:id="rId6"/>
+    <p:sldId id="284" r:id="rId3"/>
+    <p:sldId id="258" r:id="rId4"/>
+    <p:sldId id="257" r:id="rId5"/>
+    <p:sldId id="266" r:id="rId6"/>
     <p:sldId id="259" r:id="rId7"/>
     <p:sldId id="269" r:id="rId8"/>
-    <p:sldId id="275" r:id="rId9"/>
-    <p:sldId id="270" r:id="rId10"/>
-    <p:sldId id="281" r:id="rId11"/>
-    <p:sldId id="273" r:id="rId12"/>
-    <p:sldId id="276" r:id="rId13"/>
-    <p:sldId id="264" r:id="rId14"/>
-    <p:sldId id="278" r:id="rId15"/>
-    <p:sldId id="279" r:id="rId16"/>
-    <p:sldId id="274" r:id="rId17"/>
-    <p:sldId id="260" r:id="rId18"/>
+    <p:sldId id="282" r:id="rId9"/>
+    <p:sldId id="275" r:id="rId10"/>
+    <p:sldId id="270" r:id="rId11"/>
+    <p:sldId id="281" r:id="rId12"/>
+    <p:sldId id="273" r:id="rId13"/>
+    <p:sldId id="276" r:id="rId14"/>
+    <p:sldId id="264" r:id="rId15"/>
+    <p:sldId id="278" r:id="rId16"/>
+    <p:sldId id="279" r:id="rId17"/>
+    <p:sldId id="274" r:id="rId18"/>
+    <p:sldId id="260" r:id="rId19"/>
+    <p:sldId id="283" r:id="rId20"/>
   </p:sldIdLst>
   <p:sldSz cx="12192000" cy="6858000"/>
   <p:notesSz cx="6858000" cy="9144000"/>
@@ -3784,7 +3786,7 @@
           <p:cNvPr id="2" name="Titel 1">
             <a:extLst>
               <a:ext uri="{FF2B5EF4-FFF2-40B4-BE49-F238E27FC236}">
-                <a16:creationId xmlns:a16="http://schemas.microsoft.com/office/drawing/2014/main" id="{25ADDF4F-2BC8-4C40-8488-400E94540CF5}"/>
+                <a16:creationId xmlns:a16="http://schemas.microsoft.com/office/drawing/2014/main" id="{0D2B1652-9F49-472F-9BE5-9144CFF457A3}"/>
               </a:ext>
             </a:extLst>
           </p:cNvPr>
@@ -3802,7 +3804,7 @@
           <a:p>
             <a:r>
               <a:rPr lang="en-GB" dirty="0"/>
-              <a:t>Identifying Epidemics (Spikes)</a:t>
+              <a:t>Variable selection and lagging</a:t>
             </a:r>
           </a:p>
         </p:txBody>
@@ -3812,7 +3814,7 @@
           <p:cNvPr id="3" name="Inhaltsplatzhalter 2">
             <a:extLst>
               <a:ext uri="{FF2B5EF4-FFF2-40B4-BE49-F238E27FC236}">
-                <a16:creationId xmlns:a16="http://schemas.microsoft.com/office/drawing/2014/main" id="{52BC2268-D773-4767-8FB2-7D6D8B4A4ADA}"/>
+                <a16:creationId xmlns:a16="http://schemas.microsoft.com/office/drawing/2014/main" id="{DDA12508-678C-4A17-A5F5-0DE0D9345813}"/>
               </a:ext>
             </a:extLst>
           </p:cNvPr>
@@ -3830,41 +3832,66 @@
           <a:p>
             <a:r>
               <a:rPr lang="en-GB" dirty="0"/>
-              <a:t>Coding values in Spikes vs. values in Non-Spikes</a:t>
+              <a:t>Correlograms for all variables against the number of total cases, for all weeks in the previous year respectively</a:t>
             </a:r>
           </a:p>
           <a:p>
             <a:r>
               <a:rPr lang="en-GB" dirty="0"/>
-              <a:t>Linear Regression did not identify spikes correctly</a:t>
-            </a:r>
-          </a:p>
-          <a:p>
+              <a:t>Winners: </a:t>
+            </a:r>
+          </a:p>
+          <a:p>
+            <a:pPr lvl="1"/>
             <a:r>
               <a:rPr lang="en-GB" dirty="0"/>
-              <a:t>Solution: Data Mining</a:t>
+              <a:t>Temperature at dew point: 	9 Weeks (SJ), 		11 Weeks (IQ)</a:t>
             </a:r>
           </a:p>
           <a:p>
             <a:pPr lvl="1"/>
             <a:r>
               <a:rPr lang="en-GB" dirty="0"/>
-              <a:t>Decision Tree on training dataset</a:t>
+              <a:t>Air humidity: 			9 Weeks (SJ), 		11 Weeks (IQ) </a:t>
             </a:r>
           </a:p>
           <a:p>
             <a:pPr lvl="1"/>
             <a:r>
               <a:rPr lang="en-GB" dirty="0"/>
-              <a:t>Correctly identifies spikes</a:t>
-            </a:r>
+              <a:t>Avg. Temperature: 		11 Weeks (SJ), 		14 Weeks (IQ) (***)</a:t>
+            </a:r>
+          </a:p>
+          <a:p>
+            <a:pPr lvl="1"/>
+            <a:r>
+              <a:rPr lang="en-GB" dirty="0"/>
+              <a:t>Minimum Temperature: 	11 Weeks (SJ), 		10 Weeks (IQ)</a:t>
+            </a:r>
+          </a:p>
+          <a:p>
+            <a:pPr lvl="1"/>
+            <a:r>
+              <a:rPr lang="en-GB" dirty="0"/>
+              <a:t>Absolute Precipitation: 		2 Weeks (SJ), 		4 Weeks (IQ) </a:t>
+            </a:r>
+          </a:p>
+          <a:p>
+            <a:r>
+              <a:rPr lang="en-GB" dirty="0"/>
+              <a:t>Also included lagged cases in some runs</a:t>
+            </a:r>
+          </a:p>
+          <a:p>
+            <a:pPr lvl="1"/>
+            <a:endParaRPr lang="en-GB" dirty="0"/>
           </a:p>
         </p:txBody>
       </p:sp>
     </p:spTree>
     <p:extLst>
       <p:ext uri="{BB962C8B-B14F-4D97-AF65-F5344CB8AC3E}">
-        <p14:creationId xmlns:p14="http://schemas.microsoft.com/office/powerpoint/2010/main" val="2091027052"/>
+        <p14:creationId xmlns:p14="http://schemas.microsoft.com/office/powerpoint/2010/main" val="2167379491"/>
       </p:ext>
     </p:extLst>
   </p:cSld>
@@ -3896,7 +3923,7 @@
           <p:cNvPr id="2" name="Titel 1">
             <a:extLst>
               <a:ext uri="{FF2B5EF4-FFF2-40B4-BE49-F238E27FC236}">
-                <a16:creationId xmlns:a16="http://schemas.microsoft.com/office/drawing/2014/main" id="{850B8467-5823-4A50-84A9-9FD181E01C4D}"/>
+                <a16:creationId xmlns:a16="http://schemas.microsoft.com/office/drawing/2014/main" id="{25ADDF4F-2BC8-4C40-8488-400E94540CF5}"/>
               </a:ext>
             </a:extLst>
           </p:cNvPr>
@@ -3913,8 +3940,8 @@
           <a:lstStyle/>
           <a:p>
             <a:r>
-              <a:rPr lang="de-DE" dirty="0"/>
-              <a:t>Linear Models</a:t>
+              <a:rPr lang="en-GB" dirty="0"/>
+              <a:t>Identifying Epidemics (Spikes)</a:t>
             </a:r>
           </a:p>
         </p:txBody>
@@ -3924,7 +3951,7 @@
           <p:cNvPr id="3" name="Inhaltsplatzhalter 2">
             <a:extLst>
               <a:ext uri="{FF2B5EF4-FFF2-40B4-BE49-F238E27FC236}">
-                <a16:creationId xmlns:a16="http://schemas.microsoft.com/office/drawing/2014/main" id="{58B35E0C-5C83-4021-A9DF-8E0A79AAED8D}"/>
+                <a16:creationId xmlns:a16="http://schemas.microsoft.com/office/drawing/2014/main" id="{52BC2268-D773-4767-8FB2-7D6D8B4A4ADA}"/>
               </a:ext>
             </a:extLst>
           </p:cNvPr>
@@ -3942,179 +3969,33 @@
           <a:p>
             <a:r>
               <a:rPr lang="en-GB" dirty="0"/>
-              <a:t>Mainly Negative Binomial for positive natural numbers</a:t>
+              <a:t>Coding values in Spikes vs. values in Non-Spikes</a:t>
             </a:r>
           </a:p>
           <a:p>
             <a:r>
               <a:rPr lang="en-GB" dirty="0"/>
-              <a:t>With and without Lag</a:t>
+              <a:t>Linear Regression did not identify spikes correctly</a:t>
             </a:r>
           </a:p>
           <a:p>
             <a:r>
               <a:rPr lang="en-GB" dirty="0"/>
-              <a:t>If previous cases are used as an estimator:</a:t>
+              <a:t>Solution: Data Mining</a:t>
             </a:r>
           </a:p>
           <a:p>
             <a:pPr lvl="1"/>
             <a:r>
               <a:rPr lang="en-GB" dirty="0"/>
-              <a:t>Prediction one week </a:t>
-            </a:r>
-            <a:br>
+              <a:t>Decision Tree on training dataset</a:t>
+            </a:r>
+          </a:p>
+          <a:p>
+            <a:pPr lvl="1"/>
+            <a:r>
               <a:rPr lang="en-GB" dirty="0"/>
-            </a:br>
-            <a:r>
-              <a:rPr lang="en-GB" dirty="0"/>
-              <a:t>at a time</a:t>
-            </a:r>
-          </a:p>
-          <a:p>
-            <a:pPr lvl="1"/>
-            <a:r>
-              <a:rPr lang="en-GB" dirty="0"/>
-              <a:t>Testing within the</a:t>
-            </a:r>
-            <a:br>
-              <a:rPr lang="en-GB" dirty="0"/>
-            </a:br>
-            <a:r>
-              <a:rPr lang="en-GB" dirty="0"/>
-              <a:t>training data</a:t>
-            </a:r>
-            <a:br>
-              <a:rPr lang="en-GB" dirty="0"/>
-            </a:br>
-            <a:r>
-              <a:rPr lang="en-GB" dirty="0"/>
-              <a:t>(MAE 15.0):</a:t>
-            </a:r>
-          </a:p>
-          <a:p>
-            <a:pPr lvl="1"/>
-            <a:endParaRPr lang="en-GB" dirty="0"/>
-          </a:p>
-        </p:txBody>
-      </p:sp>
-      <p:pic>
-        <p:nvPicPr>
-          <p:cNvPr id="8" name="Grafik 7">
-            <a:extLst>
-              <a:ext uri="{FF2B5EF4-FFF2-40B4-BE49-F238E27FC236}">
-                <a16:creationId xmlns:a16="http://schemas.microsoft.com/office/drawing/2014/main" id="{612B5C97-10EC-42B2-B64E-0097F629E825}"/>
-              </a:ext>
-            </a:extLst>
-          </p:cNvPr>
-          <p:cNvPicPr>
-            <a:picLocks noChangeAspect="1"/>
-          </p:cNvPicPr>
-          <p:nvPr/>
-        </p:nvPicPr>
-        <p:blipFill>
-          <a:blip r:embed="rId2"/>
-          <a:stretch>
-            <a:fillRect/>
-          </a:stretch>
-        </p:blipFill>
-        <p:spPr>
-          <a:xfrm>
-            <a:off x="4279475" y="3281150"/>
-            <a:ext cx="7536833" cy="2979678"/>
-          </a:xfrm>
-          <a:prstGeom prst="rect">
-            <a:avLst/>
-          </a:prstGeom>
-        </p:spPr>
-      </p:pic>
-      <p:sp>
-        <p:nvSpPr>
-          <p:cNvPr id="9" name="Textfeld 8">
-            <a:extLst>
-              <a:ext uri="{FF2B5EF4-FFF2-40B4-BE49-F238E27FC236}">
-                <a16:creationId xmlns:a16="http://schemas.microsoft.com/office/drawing/2014/main" id="{86E68B5A-5F38-42BC-A8ED-EEFCC79B65EC}"/>
-              </a:ext>
-            </a:extLst>
-          </p:cNvPr>
-          <p:cNvSpPr txBox="1"/>
-          <p:nvPr/>
-        </p:nvSpPr>
-        <p:spPr>
-          <a:xfrm>
-            <a:off x="4279475" y="6260828"/>
-            <a:ext cx="5431659" cy="261610"/>
-          </a:xfrm>
-          <a:prstGeom prst="rect">
-            <a:avLst/>
-          </a:prstGeom>
-          <a:noFill/>
-        </p:spPr>
-        <p:txBody>
-          <a:bodyPr wrap="square" rtlCol="0">
-            <a:spAutoFit/>
-          </a:bodyPr>
-          <a:lstStyle/>
-          <a:p>
-            <a:r>
-              <a:rPr lang="de-DE" sz="1100" dirty="0"/>
-              <a:t>Fig. 5: </a:t>
-            </a:r>
-            <a:r>
-              <a:rPr lang="de-DE" sz="1100" dirty="0" err="1"/>
-              <a:t>Comparison</a:t>
-            </a:r>
-            <a:r>
-              <a:rPr lang="de-DE" sz="1100" dirty="0"/>
-              <a:t> </a:t>
-            </a:r>
-            <a:r>
-              <a:rPr lang="de-DE" sz="1100" dirty="0" err="1"/>
-              <a:t>of</a:t>
-            </a:r>
-            <a:r>
-              <a:rPr lang="de-DE" sz="1100" dirty="0"/>
-              <a:t> </a:t>
-            </a:r>
-            <a:r>
-              <a:rPr lang="de-DE" sz="1100" dirty="0" err="1"/>
-              <a:t>estimated</a:t>
-            </a:r>
-            <a:r>
-              <a:rPr lang="de-DE" sz="1100" dirty="0"/>
-              <a:t> and </a:t>
-            </a:r>
-            <a:r>
-              <a:rPr lang="de-DE" sz="1100" dirty="0" err="1"/>
-              <a:t>true</a:t>
-            </a:r>
-            <a:r>
-              <a:rPr lang="de-DE" sz="1100" dirty="0"/>
-              <a:t> </a:t>
-            </a:r>
-            <a:r>
-              <a:rPr lang="de-DE" sz="1100" dirty="0" err="1"/>
-              <a:t>cases</a:t>
-            </a:r>
-            <a:r>
-              <a:rPr lang="de-DE" sz="1100" dirty="0"/>
-              <a:t> </a:t>
-            </a:r>
-            <a:r>
-              <a:rPr lang="de-DE" sz="1100" dirty="0" err="1"/>
-              <a:t>for</a:t>
-            </a:r>
-            <a:r>
-              <a:rPr lang="de-DE" sz="1100" dirty="0"/>
-              <a:t> San Juan </a:t>
-            </a:r>
-            <a:r>
-              <a:rPr lang="de-DE" sz="1100" dirty="0" err="1"/>
-              <a:t>Oct</a:t>
-            </a:r>
-            <a:r>
-              <a:rPr lang="de-DE" sz="1100" dirty="0"/>
-              <a:t>. 2003 – April 2004</a:t>
+              <a:t>Correctly identifies spikes</a:t>
             </a:r>
           </a:p>
         </p:txBody>
@@ -4122,7 +4003,7 @@
     </p:spTree>
     <p:extLst>
       <p:ext uri="{BB962C8B-B14F-4D97-AF65-F5344CB8AC3E}">
-        <p14:creationId xmlns:p14="http://schemas.microsoft.com/office/powerpoint/2010/main" val="3508144933"/>
+        <p14:creationId xmlns:p14="http://schemas.microsoft.com/office/powerpoint/2010/main" val="2091027052"/>
       </p:ext>
     </p:extLst>
   </p:cSld>
@@ -4154,7 +4035,7 @@
           <p:cNvPr id="2" name="Titel 1">
             <a:extLst>
               <a:ext uri="{FF2B5EF4-FFF2-40B4-BE49-F238E27FC236}">
-                <a16:creationId xmlns:a16="http://schemas.microsoft.com/office/drawing/2014/main" id="{719A53D5-8148-458F-8C5C-A238DD099299}"/>
+                <a16:creationId xmlns:a16="http://schemas.microsoft.com/office/drawing/2014/main" id="{850B8467-5823-4A50-84A9-9FD181E01C4D}"/>
               </a:ext>
             </a:extLst>
           </p:cNvPr>
@@ -4171,49 +4052,121 @@
           <a:lstStyle/>
           <a:p>
             <a:r>
-              <a:rPr lang="de-DE" dirty="0" err="1"/>
-              <a:t>Comparison</a:t>
-            </a:r>
-            <a:r>
               <a:rPr lang="de-DE" dirty="0"/>
-              <a:t> </a:t>
-            </a:r>
-            <a:r>
-              <a:rPr lang="de-DE" dirty="0" err="1"/>
-              <a:t>to</a:t>
-            </a:r>
-            <a:r>
-              <a:rPr lang="de-DE" dirty="0"/>
-              <a:t> Real Life Data (San Juan) </a:t>
-            </a:r>
+              <a:t>Linear Models</a:t>
+            </a:r>
+          </a:p>
+        </p:txBody>
+      </p:sp>
+      <p:sp>
+        <p:nvSpPr>
+          <p:cNvPr id="3" name="Inhaltsplatzhalter 2">
+            <a:extLst>
+              <a:ext uri="{FF2B5EF4-FFF2-40B4-BE49-F238E27FC236}">
+                <a16:creationId xmlns:a16="http://schemas.microsoft.com/office/drawing/2014/main" id="{58B35E0C-5C83-4021-A9DF-8E0A79AAED8D}"/>
+              </a:ext>
+            </a:extLst>
+          </p:cNvPr>
+          <p:cNvSpPr>
+            <a:spLocks noGrp="1"/>
+          </p:cNvSpPr>
+          <p:nvPr>
+            <p:ph idx="1"/>
+          </p:nvPr>
+        </p:nvSpPr>
+        <p:spPr/>
+        <p:txBody>
+          <a:bodyPr/>
+          <a:lstStyle/>
+          <a:p>
+            <a:r>
+              <a:rPr lang="en-GB" dirty="0"/>
+              <a:t>Mainly Negative Binomial for positive natural numbers</a:t>
+            </a:r>
+          </a:p>
+          <a:p>
+            <a:r>
+              <a:rPr lang="en-GB" dirty="0"/>
+              <a:t>With and without Lag</a:t>
+            </a:r>
+          </a:p>
+          <a:p>
+            <a:r>
+              <a:rPr lang="en-GB" dirty="0"/>
+              <a:t>If previous cases are used as an estimator:</a:t>
+            </a:r>
+          </a:p>
+          <a:p>
+            <a:pPr lvl="1"/>
+            <a:r>
+              <a:rPr lang="en-GB" dirty="0"/>
+              <a:t>Prediction one week </a:t>
+            </a:r>
+            <a:br>
+              <a:rPr lang="en-GB" dirty="0"/>
+            </a:br>
+            <a:r>
+              <a:rPr lang="en-GB" dirty="0"/>
+              <a:t>at a time</a:t>
+            </a:r>
+          </a:p>
+          <a:p>
+            <a:pPr lvl="1"/>
+            <a:r>
+              <a:rPr lang="en-GB" dirty="0"/>
+              <a:t>Testing within the</a:t>
+            </a:r>
+            <a:br>
+              <a:rPr lang="en-GB" dirty="0"/>
+            </a:br>
+            <a:r>
+              <a:rPr lang="en-GB" dirty="0"/>
+              <a:t>training data</a:t>
+            </a:r>
+            <a:br>
+              <a:rPr lang="en-GB" dirty="0"/>
+            </a:br>
+            <a:r>
+              <a:rPr lang="en-GB" dirty="0"/>
+              <a:t>(MAE 15.0):</a:t>
+            </a:r>
+          </a:p>
+          <a:p>
+            <a:r>
+              <a:rPr lang="en-GB" dirty="0"/>
+              <a:t>Result: 27.4</a:t>
+            </a:r>
+          </a:p>
+          <a:p>
+            <a:pPr lvl="1"/>
+            <a:endParaRPr lang="en-GB" dirty="0"/>
           </a:p>
         </p:txBody>
       </p:sp>
       <p:pic>
         <p:nvPicPr>
-          <p:cNvPr id="4" name="Inhaltsplatzhalter 3">
-            <a:extLst>
-              <a:ext uri="{FF2B5EF4-FFF2-40B4-BE49-F238E27FC236}">
-                <a16:creationId xmlns:a16="http://schemas.microsoft.com/office/drawing/2014/main" id="{B2BB7A46-997F-434A-ADFD-677E9A03EDCF}"/>
+          <p:cNvPr id="8" name="Grafik 7">
+            <a:extLst>
+              <a:ext uri="{FF2B5EF4-FFF2-40B4-BE49-F238E27FC236}">
+                <a16:creationId xmlns:a16="http://schemas.microsoft.com/office/drawing/2014/main" id="{612B5C97-10EC-42B2-B64E-0097F629E825}"/>
               </a:ext>
             </a:extLst>
           </p:cNvPr>
           <p:cNvPicPr>
-            <a:picLocks noGrp="1" noChangeAspect="1"/>
+            <a:picLocks noChangeAspect="1"/>
           </p:cNvPicPr>
-          <p:nvPr>
-            <p:ph idx="1"/>
-          </p:nvPr>
+          <p:nvPr/>
         </p:nvPicPr>
-        <p:blipFill rotWithShape="1">
+        <p:blipFill>
           <a:blip r:embed="rId2"/>
-          <a:srcRect l="2359" b="6042"/>
-          <a:stretch/>
+          <a:stretch>
+            <a:fillRect/>
+          </a:stretch>
         </p:blipFill>
         <p:spPr>
           <a:xfrm>
-            <a:off x="1529862" y="1966331"/>
-            <a:ext cx="9345155" cy="3555238"/>
+            <a:off x="4279475" y="3281150"/>
+            <a:ext cx="7536833" cy="2979678"/>
           </a:xfrm>
           <a:prstGeom prst="rect">
             <a:avLst/>
@@ -4222,10 +4175,10 @@
       </p:pic>
       <p:sp>
         <p:nvSpPr>
-          <p:cNvPr id="5" name="Textfeld 4">
-            <a:extLst>
-              <a:ext uri="{FF2B5EF4-FFF2-40B4-BE49-F238E27FC236}">
-                <a16:creationId xmlns:a16="http://schemas.microsoft.com/office/drawing/2014/main" id="{22C7A37B-6A25-42AB-98ED-96B3E72F3CD4}"/>
+          <p:cNvPr id="9" name="Textfeld 8">
+            <a:extLst>
+              <a:ext uri="{FF2B5EF4-FFF2-40B4-BE49-F238E27FC236}">
+                <a16:creationId xmlns:a16="http://schemas.microsoft.com/office/drawing/2014/main" id="{86E68B5A-5F38-42BC-A8ED-EEFCC79B65EC}"/>
               </a:ext>
             </a:extLst>
           </p:cNvPr>
@@ -4234,71 +4187,7 @@
         </p:nvSpPr>
         <p:spPr>
           <a:xfrm>
-            <a:off x="1154723" y="5646848"/>
-            <a:ext cx="9882554" cy="369332"/>
-          </a:xfrm>
-          <a:prstGeom prst="rect">
-            <a:avLst/>
-          </a:prstGeom>
-          <a:noFill/>
-        </p:spPr>
-        <p:txBody>
-          <a:bodyPr wrap="square" rtlCol="0">
-            <a:spAutoFit/>
-          </a:bodyPr>
-          <a:lstStyle/>
-          <a:p>
-            <a:r>
-              <a:rPr lang="en-GB" dirty="0">
-                <a:solidFill>
-                  <a:srgbClr val="FF0000"/>
-                </a:solidFill>
-              </a:rPr>
-              <a:t>Red: Real-Life cases</a:t>
-            </a:r>
-            <a:r>
-              <a:rPr lang="en-GB" dirty="0"/>
-              <a:t>, </a:t>
-            </a:r>
-            <a:r>
-              <a:rPr lang="en-GB" dirty="0">
-                <a:solidFill>
-                  <a:schemeClr val="accent1">
-                    <a:lumMod val="75000"/>
-                  </a:schemeClr>
-                </a:solidFill>
-              </a:rPr>
-              <a:t>Blue: Prediction, </a:t>
-            </a:r>
-            <a:r>
-              <a:rPr lang="en-GB" dirty="0"/>
-              <a:t>MAE=10.5</a:t>
-            </a:r>
-            <a:endParaRPr lang="en-GB" dirty="0">
-              <a:solidFill>
-                <a:schemeClr val="accent1">
-                  <a:lumMod val="75000"/>
-                </a:schemeClr>
-              </a:solidFill>
-            </a:endParaRPr>
-          </a:p>
-        </p:txBody>
-      </p:sp>
-      <p:sp>
-        <p:nvSpPr>
-          <p:cNvPr id="6" name="Textfeld 5">
-            <a:extLst>
-              <a:ext uri="{FF2B5EF4-FFF2-40B4-BE49-F238E27FC236}">
-                <a16:creationId xmlns:a16="http://schemas.microsoft.com/office/drawing/2014/main" id="{07390AA3-1C97-4810-8B1A-0870610EB5CE}"/>
-              </a:ext>
-            </a:extLst>
-          </p:cNvPr>
-          <p:cNvSpPr txBox="1"/>
-          <p:nvPr/>
-        </p:nvSpPr>
-        <p:spPr>
-          <a:xfrm>
-            <a:off x="1154723" y="6141459"/>
+            <a:off x="4279475" y="6260828"/>
             <a:ext cx="5431659" cy="261610"/>
           </a:xfrm>
           <a:prstGeom prst="rect">
@@ -4314,7 +4203,7 @@
           <a:p>
             <a:r>
               <a:rPr lang="de-DE" sz="1100" dirty="0"/>
-              <a:t>Fig. 6: </a:t>
+              <a:t>Fig. 5: </a:t>
             </a:r>
             <a:r>
               <a:rPr lang="de-DE" sz="1100" dirty="0" err="1"/>
@@ -4333,7 +4222,11 @@
               <a:t> </a:t>
             </a:r>
             <a:r>
-              <a:rPr lang="de-DE" sz="1100" dirty="0" err="1"/>
+              <a:rPr lang="de-DE" sz="1100" dirty="0" err="1">
+                <a:solidFill>
+                  <a:srgbClr val="0070C0"/>
+                </a:solidFill>
+              </a:rPr>
               <a:t>estimated</a:t>
             </a:r>
             <a:r>
@@ -4341,19 +4234,35 @@
               <a:t> and </a:t>
             </a:r>
             <a:r>
-              <a:rPr lang="de-DE" sz="1100" dirty="0" err="1"/>
+              <a:rPr lang="de-DE" sz="1100" dirty="0" err="1">
+                <a:solidFill>
+                  <a:srgbClr val="FF0000"/>
+                </a:solidFill>
+              </a:rPr>
               <a:t>true</a:t>
             </a:r>
             <a:r>
-              <a:rPr lang="de-DE" sz="1100" dirty="0"/>
+              <a:rPr lang="de-DE" sz="1100" dirty="0">
+                <a:solidFill>
+                  <a:srgbClr val="FF0000"/>
+                </a:solidFill>
+              </a:rPr>
               <a:t> </a:t>
             </a:r>
             <a:r>
-              <a:rPr lang="de-DE" sz="1100" dirty="0" err="1"/>
+              <a:rPr lang="de-DE" sz="1100" dirty="0" err="1">
+                <a:solidFill>
+                  <a:srgbClr val="FF0000"/>
+                </a:solidFill>
+              </a:rPr>
               <a:t>cases</a:t>
             </a:r>
             <a:r>
-              <a:rPr lang="de-DE" sz="1100" dirty="0"/>
+              <a:rPr lang="de-DE" sz="1100" dirty="0">
+                <a:solidFill>
+                  <a:srgbClr val="FF0000"/>
+                </a:solidFill>
+              </a:rPr>
               <a:t> </a:t>
             </a:r>
             <a:r>
@@ -4362,36 +4271,23 @@
             </a:r>
             <a:r>
               <a:rPr lang="de-DE" sz="1100" dirty="0"/>
-              <a:t> San Juan in </a:t>
+              <a:t> San Juan </a:t>
             </a:r>
             <a:r>
               <a:rPr lang="de-DE" sz="1100" dirty="0" err="1"/>
-              <a:t>the</a:t>
+              <a:t>Oct</a:t>
             </a:r>
             <a:r>
               <a:rPr lang="de-DE" sz="1100" dirty="0"/>
-              <a:t> </a:t>
-            </a:r>
-            <a:r>
-              <a:rPr lang="de-DE" sz="1100" dirty="0" err="1"/>
-              <a:t>testing</a:t>
-            </a:r>
-            <a:r>
-              <a:rPr lang="de-DE" sz="1100" dirty="0"/>
-              <a:t> </a:t>
-            </a:r>
-            <a:r>
-              <a:rPr lang="de-DE" sz="1100" dirty="0" err="1"/>
-              <a:t>data</a:t>
-            </a:r>
-            <a:endParaRPr lang="de-DE" sz="1100" dirty="0"/>
+              <a:t>. 2003 – April 2008</a:t>
+            </a:r>
           </a:p>
         </p:txBody>
       </p:sp>
     </p:spTree>
     <p:extLst>
       <p:ext uri="{BB962C8B-B14F-4D97-AF65-F5344CB8AC3E}">
-        <p14:creationId xmlns:p14="http://schemas.microsoft.com/office/powerpoint/2010/main" val="1002334072"/>
+        <p14:creationId xmlns:p14="http://schemas.microsoft.com/office/powerpoint/2010/main" val="3508144933"/>
       </p:ext>
     </p:extLst>
   </p:cSld>
@@ -4423,6 +4319,278 @@
           <p:cNvPr id="2" name="Titel 1">
             <a:extLst>
               <a:ext uri="{FF2B5EF4-FFF2-40B4-BE49-F238E27FC236}">
+                <a16:creationId xmlns:a16="http://schemas.microsoft.com/office/drawing/2014/main" id="{719A53D5-8148-458F-8C5C-A238DD099299}"/>
+              </a:ext>
+            </a:extLst>
+          </p:cNvPr>
+          <p:cNvSpPr>
+            <a:spLocks noGrp="1"/>
+          </p:cNvSpPr>
+          <p:nvPr>
+            <p:ph type="title"/>
+          </p:nvPr>
+        </p:nvSpPr>
+        <p:spPr/>
+        <p:txBody>
+          <a:bodyPr/>
+          <a:lstStyle/>
+          <a:p>
+            <a:r>
+              <a:rPr lang="de-DE" dirty="0" err="1"/>
+              <a:t>Comparison</a:t>
+            </a:r>
+            <a:r>
+              <a:rPr lang="de-DE" dirty="0"/>
+              <a:t> </a:t>
+            </a:r>
+            <a:r>
+              <a:rPr lang="de-DE" dirty="0" err="1"/>
+              <a:t>to</a:t>
+            </a:r>
+            <a:r>
+              <a:rPr lang="de-DE" dirty="0"/>
+              <a:t> Real Data (San Juan) </a:t>
+            </a:r>
+          </a:p>
+        </p:txBody>
+      </p:sp>
+      <p:pic>
+        <p:nvPicPr>
+          <p:cNvPr id="4" name="Inhaltsplatzhalter 3">
+            <a:extLst>
+              <a:ext uri="{FF2B5EF4-FFF2-40B4-BE49-F238E27FC236}">
+                <a16:creationId xmlns:a16="http://schemas.microsoft.com/office/drawing/2014/main" id="{B2BB7A46-997F-434A-ADFD-677E9A03EDCF}"/>
+              </a:ext>
+            </a:extLst>
+          </p:cNvPr>
+          <p:cNvPicPr>
+            <a:picLocks noGrp="1" noChangeAspect="1"/>
+          </p:cNvPicPr>
+          <p:nvPr>
+            <p:ph idx="1"/>
+          </p:nvPr>
+        </p:nvPicPr>
+        <p:blipFill rotWithShape="1">
+          <a:blip r:embed="rId2"/>
+          <a:srcRect l="2359" b="6042"/>
+          <a:stretch/>
+        </p:blipFill>
+        <p:spPr>
+          <a:xfrm>
+            <a:off x="1529862" y="1966331"/>
+            <a:ext cx="9345155" cy="3555238"/>
+          </a:xfrm>
+          <a:prstGeom prst="rect">
+            <a:avLst/>
+          </a:prstGeom>
+        </p:spPr>
+      </p:pic>
+      <p:sp>
+        <p:nvSpPr>
+          <p:cNvPr id="5" name="Textfeld 4">
+            <a:extLst>
+              <a:ext uri="{FF2B5EF4-FFF2-40B4-BE49-F238E27FC236}">
+                <a16:creationId xmlns:a16="http://schemas.microsoft.com/office/drawing/2014/main" id="{22C7A37B-6A25-42AB-98ED-96B3E72F3CD4}"/>
+              </a:ext>
+            </a:extLst>
+          </p:cNvPr>
+          <p:cNvSpPr txBox="1"/>
+          <p:nvPr/>
+        </p:nvSpPr>
+        <p:spPr>
+          <a:xfrm>
+            <a:off x="1154723" y="5646848"/>
+            <a:ext cx="9882554" cy="369332"/>
+          </a:xfrm>
+          <a:prstGeom prst="rect">
+            <a:avLst/>
+          </a:prstGeom>
+          <a:noFill/>
+        </p:spPr>
+        <p:txBody>
+          <a:bodyPr wrap="square" rtlCol="0">
+            <a:spAutoFit/>
+          </a:bodyPr>
+          <a:lstStyle/>
+          <a:p>
+            <a:r>
+              <a:rPr lang="en-GB" dirty="0">
+                <a:solidFill>
+                  <a:srgbClr val="FF0000"/>
+                </a:solidFill>
+              </a:rPr>
+              <a:t>Red: Real cases</a:t>
+            </a:r>
+            <a:r>
+              <a:rPr lang="en-GB" dirty="0"/>
+              <a:t>, </a:t>
+            </a:r>
+            <a:r>
+              <a:rPr lang="en-GB" dirty="0">
+                <a:solidFill>
+                  <a:schemeClr val="accent1">
+                    <a:lumMod val="75000"/>
+                  </a:schemeClr>
+                </a:solidFill>
+              </a:rPr>
+              <a:t>Blue: Prediction, </a:t>
+            </a:r>
+            <a:r>
+              <a:rPr lang="en-GB" dirty="0"/>
+              <a:t>MAE=10.5</a:t>
+            </a:r>
+            <a:endParaRPr lang="en-GB" dirty="0">
+              <a:solidFill>
+                <a:schemeClr val="accent1">
+                  <a:lumMod val="75000"/>
+                </a:schemeClr>
+              </a:solidFill>
+            </a:endParaRPr>
+          </a:p>
+        </p:txBody>
+      </p:sp>
+      <p:sp>
+        <p:nvSpPr>
+          <p:cNvPr id="6" name="Textfeld 5">
+            <a:extLst>
+              <a:ext uri="{FF2B5EF4-FFF2-40B4-BE49-F238E27FC236}">
+                <a16:creationId xmlns:a16="http://schemas.microsoft.com/office/drawing/2014/main" id="{07390AA3-1C97-4810-8B1A-0870610EB5CE}"/>
+              </a:ext>
+            </a:extLst>
+          </p:cNvPr>
+          <p:cNvSpPr txBox="1"/>
+          <p:nvPr/>
+        </p:nvSpPr>
+        <p:spPr>
+          <a:xfrm>
+            <a:off x="1154723" y="6141459"/>
+            <a:ext cx="5431659" cy="261610"/>
+          </a:xfrm>
+          <a:prstGeom prst="rect">
+            <a:avLst/>
+          </a:prstGeom>
+          <a:noFill/>
+        </p:spPr>
+        <p:txBody>
+          <a:bodyPr wrap="square" rtlCol="0">
+            <a:spAutoFit/>
+          </a:bodyPr>
+          <a:lstStyle/>
+          <a:p>
+            <a:r>
+              <a:rPr lang="de-DE" sz="1100" dirty="0"/>
+              <a:t>Fig. 6: </a:t>
+            </a:r>
+            <a:r>
+              <a:rPr lang="de-DE" sz="1100" dirty="0" err="1"/>
+              <a:t>Comparison</a:t>
+            </a:r>
+            <a:r>
+              <a:rPr lang="de-DE" sz="1100" dirty="0"/>
+              <a:t> </a:t>
+            </a:r>
+            <a:r>
+              <a:rPr lang="de-DE" sz="1100" dirty="0" err="1"/>
+              <a:t>of</a:t>
+            </a:r>
+            <a:r>
+              <a:rPr lang="de-DE" sz="1100" dirty="0"/>
+              <a:t> </a:t>
+            </a:r>
+            <a:r>
+              <a:rPr lang="de-DE" sz="1100" dirty="0" err="1"/>
+              <a:t>estimated</a:t>
+            </a:r>
+            <a:r>
+              <a:rPr lang="de-DE" sz="1100" dirty="0"/>
+              <a:t> and </a:t>
+            </a:r>
+            <a:r>
+              <a:rPr lang="de-DE" sz="1100" dirty="0" err="1"/>
+              <a:t>true</a:t>
+            </a:r>
+            <a:r>
+              <a:rPr lang="de-DE" sz="1100" dirty="0"/>
+              <a:t> </a:t>
+            </a:r>
+            <a:r>
+              <a:rPr lang="de-DE" sz="1100" dirty="0" err="1"/>
+              <a:t>cases</a:t>
+            </a:r>
+            <a:r>
+              <a:rPr lang="de-DE" sz="1100" dirty="0"/>
+              <a:t> </a:t>
+            </a:r>
+            <a:r>
+              <a:rPr lang="de-DE" sz="1100" dirty="0" err="1"/>
+              <a:t>for</a:t>
+            </a:r>
+            <a:r>
+              <a:rPr lang="de-DE" sz="1100" dirty="0"/>
+              <a:t> San Juan in </a:t>
+            </a:r>
+            <a:r>
+              <a:rPr lang="de-DE" sz="1100" dirty="0" err="1"/>
+              <a:t>the</a:t>
+            </a:r>
+            <a:r>
+              <a:rPr lang="de-DE" sz="1100" dirty="0"/>
+              <a:t> </a:t>
+            </a:r>
+            <a:r>
+              <a:rPr lang="de-DE" sz="1100" dirty="0" err="1"/>
+              <a:t>testing</a:t>
+            </a:r>
+            <a:r>
+              <a:rPr lang="de-DE" sz="1100" dirty="0"/>
+              <a:t> </a:t>
+            </a:r>
+            <a:r>
+              <a:rPr lang="de-DE" sz="1100" dirty="0" err="1"/>
+              <a:t>data</a:t>
+            </a:r>
+            <a:r>
+              <a:rPr lang="de-DE" sz="1100" dirty="0"/>
+              <a:t> 2008-2013</a:t>
+            </a:r>
+          </a:p>
+        </p:txBody>
+      </p:sp>
+    </p:spTree>
+    <p:extLst>
+      <p:ext uri="{BB962C8B-B14F-4D97-AF65-F5344CB8AC3E}">
+        <p14:creationId xmlns:p14="http://schemas.microsoft.com/office/powerpoint/2010/main" val="1002334072"/>
+      </p:ext>
+    </p:extLst>
+  </p:cSld>
+  <p:clrMapOvr>
+    <a:masterClrMapping/>
+  </p:clrMapOvr>
+</p:sld>
+</file>
+
+<file path=ppt/slides/slide14.xml><?xml version="1.0" encoding="utf-8"?>
+<p:sld xmlns:a="http://schemas.openxmlformats.org/drawingml/2006/main" xmlns:r="http://schemas.openxmlformats.org/officeDocument/2006/relationships" xmlns:p="http://schemas.openxmlformats.org/presentationml/2006/main">
+  <p:cSld>
+    <p:spTree>
+      <p:nvGrpSpPr>
+        <p:cNvPr id="1" name=""/>
+        <p:cNvGrpSpPr/>
+        <p:nvPr/>
+      </p:nvGrpSpPr>
+      <p:grpSpPr>
+        <a:xfrm>
+          <a:off x="0" y="0"/>
+          <a:ext cx="0" cy="0"/>
+          <a:chOff x="0" y="0"/>
+          <a:chExt cx="0" cy="0"/>
+        </a:xfrm>
+      </p:grpSpPr>
+      <p:sp>
+        <p:nvSpPr>
+          <p:cNvPr id="2" name="Titel 1">
+            <a:extLst>
+              <a:ext uri="{FF2B5EF4-FFF2-40B4-BE49-F238E27FC236}">
                 <a16:creationId xmlns:a16="http://schemas.microsoft.com/office/drawing/2014/main" id="{1140DB77-4D6C-4151-AB2D-95070C5DBDEF}"/>
               </a:ext>
             </a:extLst>
@@ -4652,7 +4820,7 @@
 </p:sld>
 </file>
 
-<file path=ppt/slides/slide14.xml><?xml version="1.0" encoding="utf-8"?>
+<file path=ppt/slides/slide15.xml><?xml version="1.0" encoding="utf-8"?>
 <p:sld xmlns:a="http://schemas.openxmlformats.org/drawingml/2006/main" xmlns:r="http://schemas.openxmlformats.org/officeDocument/2006/relationships" xmlns:p="http://schemas.openxmlformats.org/presentationml/2006/main">
   <p:cSld>
     <p:spTree>
@@ -4917,8 +5085,8 @@
 </p:sld>
 </file>
 
-<file path=ppt/slides/slide15.xml><?xml version="1.0" encoding="utf-8"?>
-<p:sld xmlns:a="http://schemas.openxmlformats.org/drawingml/2006/main" xmlns:r="http://schemas.openxmlformats.org/officeDocument/2006/relationships" xmlns:p="http://schemas.openxmlformats.org/presentationml/2006/main" show="0">
+<file path=ppt/slides/slide16.xml><?xml version="1.0" encoding="utf-8"?>
+<p:sld xmlns:a="http://schemas.openxmlformats.org/drawingml/2006/main" xmlns:r="http://schemas.openxmlformats.org/officeDocument/2006/relationships" xmlns:p="http://schemas.openxmlformats.org/presentationml/2006/main">
   <p:cSld>
     <p:spTree>
       <p:nvGrpSpPr>
@@ -5140,203 +5308,6 @@
 </p:sld>
 </file>
 
-<file path=ppt/slides/slide16.xml><?xml version="1.0" encoding="utf-8"?>
-<p:sld xmlns:a="http://schemas.openxmlformats.org/drawingml/2006/main" xmlns:r="http://schemas.openxmlformats.org/officeDocument/2006/relationships" xmlns:p="http://schemas.openxmlformats.org/presentationml/2006/main">
-  <p:cSld>
-    <p:spTree>
-      <p:nvGrpSpPr>
-        <p:cNvPr id="1" name=""/>
-        <p:cNvGrpSpPr/>
-        <p:nvPr/>
-      </p:nvGrpSpPr>
-      <p:grpSpPr>
-        <a:xfrm>
-          <a:off x="0" y="0"/>
-          <a:ext cx="0" cy="0"/>
-          <a:chOff x="0" y="0"/>
-          <a:chExt cx="0" cy="0"/>
-        </a:xfrm>
-      </p:grpSpPr>
-      <p:sp>
-        <p:nvSpPr>
-          <p:cNvPr id="2" name="Titel 1">
-            <a:extLst>
-              <a:ext uri="{FF2B5EF4-FFF2-40B4-BE49-F238E27FC236}">
-                <a16:creationId xmlns:a16="http://schemas.microsoft.com/office/drawing/2014/main" id="{EBA97D32-CF44-4D0A-8DC9-6C63C47D4D47}"/>
-              </a:ext>
-            </a:extLst>
-          </p:cNvPr>
-          <p:cNvSpPr>
-            <a:spLocks noGrp="1"/>
-          </p:cNvSpPr>
-          <p:nvPr>
-            <p:ph type="title"/>
-          </p:nvPr>
-        </p:nvSpPr>
-        <p:spPr/>
-        <p:txBody>
-          <a:bodyPr/>
-          <a:lstStyle/>
-          <a:p>
-            <a:r>
-              <a:rPr lang="de-DE" dirty="0" err="1"/>
-              <a:t>Tree-based</a:t>
-            </a:r>
-            <a:r>
-              <a:rPr lang="de-DE" dirty="0"/>
-              <a:t> Models</a:t>
-            </a:r>
-          </a:p>
-        </p:txBody>
-      </p:sp>
-      <p:sp>
-        <p:nvSpPr>
-          <p:cNvPr id="3" name="Inhaltsplatzhalter 2">
-            <a:extLst>
-              <a:ext uri="{FF2B5EF4-FFF2-40B4-BE49-F238E27FC236}">
-                <a16:creationId xmlns:a16="http://schemas.microsoft.com/office/drawing/2014/main" id="{DFA79B91-F458-4782-8B92-DC252D0B4384}"/>
-              </a:ext>
-            </a:extLst>
-          </p:cNvPr>
-          <p:cNvSpPr>
-            <a:spLocks noGrp="1"/>
-          </p:cNvSpPr>
-          <p:nvPr>
-            <p:ph idx="1"/>
-          </p:nvPr>
-        </p:nvSpPr>
-        <p:spPr/>
-        <p:txBody>
-          <a:bodyPr>
-            <a:normAutofit/>
-          </a:bodyPr>
-          <a:lstStyle/>
-          <a:p>
-            <a:r>
-              <a:rPr lang="de-DE" dirty="0" err="1"/>
-              <a:t>Decision</a:t>
-            </a:r>
-            <a:r>
-              <a:rPr lang="de-DE" dirty="0"/>
-              <a:t> </a:t>
-            </a:r>
-            <a:r>
-              <a:rPr lang="de-DE" dirty="0" err="1"/>
-              <a:t>Tree</a:t>
-            </a:r>
-            <a:r>
-              <a:rPr lang="de-DE" dirty="0"/>
-              <a:t> </a:t>
-            </a:r>
-            <a:r>
-              <a:rPr lang="de-DE" dirty="0" err="1"/>
-              <a:t>for</a:t>
-            </a:r>
-            <a:r>
-              <a:rPr lang="de-DE" dirty="0"/>
-              <a:t> Poisson-Modelling</a:t>
-            </a:r>
-          </a:p>
-          <a:p>
-            <a:pPr lvl="1"/>
-            <a:r>
-              <a:rPr lang="de-DE" dirty="0" err="1"/>
-              <a:t>Lagged</a:t>
-            </a:r>
-            <a:r>
-              <a:rPr lang="de-DE" dirty="0"/>
-              <a:t> variables</a:t>
-            </a:r>
-          </a:p>
-          <a:p>
-            <a:pPr lvl="1"/>
-            <a:r>
-              <a:rPr lang="de-DE" dirty="0"/>
-              <a:t>Minimum </a:t>
-            </a:r>
-            <a:r>
-              <a:rPr lang="de-DE" dirty="0" err="1"/>
-              <a:t>split</a:t>
-            </a:r>
-            <a:r>
-              <a:rPr lang="de-DE" dirty="0"/>
-              <a:t> at 50 </a:t>
-            </a:r>
-          </a:p>
-          <a:p>
-            <a:pPr lvl="1"/>
-            <a:r>
-              <a:rPr lang="de-DE" dirty="0"/>
-              <a:t>Splits </a:t>
-            </a:r>
-            <a:r>
-              <a:rPr lang="de-DE" dirty="0" err="1"/>
-              <a:t>mostly</a:t>
-            </a:r>
-            <a:r>
-              <a:rPr lang="de-DE" dirty="0"/>
-              <a:t> at </a:t>
-            </a:r>
-            <a:r>
-              <a:rPr lang="de-DE" dirty="0" err="1"/>
-              <a:t>temperature</a:t>
-            </a:r>
-            <a:r>
-              <a:rPr lang="de-DE" dirty="0"/>
-              <a:t> variables</a:t>
-            </a:r>
-          </a:p>
-          <a:p>
-            <a:pPr lvl="1"/>
-            <a:r>
-              <a:rPr lang="de-DE" dirty="0"/>
-              <a:t>Maximum at high </a:t>
-            </a:r>
-            <a:r>
-              <a:rPr lang="de-DE" dirty="0" err="1"/>
-              <a:t>temperature</a:t>
-            </a:r>
-            <a:r>
-              <a:rPr lang="de-DE" dirty="0"/>
-              <a:t> and medium </a:t>
-            </a:r>
-            <a:r>
-              <a:rPr lang="de-DE" dirty="0" err="1"/>
-              <a:t>precipitation</a:t>
-            </a:r>
-            <a:endParaRPr lang="de-DE" dirty="0"/>
-          </a:p>
-          <a:p>
-            <a:endParaRPr lang="de-DE" dirty="0"/>
-          </a:p>
-          <a:p>
-            <a:r>
-              <a:rPr lang="de-DE" dirty="0" err="1"/>
-              <a:t>Result</a:t>
-            </a:r>
-            <a:r>
-              <a:rPr lang="de-DE" dirty="0"/>
-              <a:t>: 26.4327</a:t>
-            </a:r>
-          </a:p>
-          <a:p>
-            <a:endParaRPr lang="de-DE" dirty="0"/>
-          </a:p>
-        </p:txBody>
-      </p:sp>
-    </p:spTree>
-    <p:extLst>
-      <p:ext uri="{BB962C8B-B14F-4D97-AF65-F5344CB8AC3E}">
-        <p14:creationId xmlns:p14="http://schemas.microsoft.com/office/powerpoint/2010/main" val="853262095"/>
-      </p:ext>
-    </p:extLst>
-  </p:cSld>
-  <p:clrMapOvr>
-    <a:masterClrMapping/>
-  </p:clrMapOvr>
-</p:sld>
-</file>
-
 <file path=ppt/slides/slide17.xml><?xml version="1.0" encoding="utf-8"?>
 <p:sld xmlns:a="http://schemas.openxmlformats.org/drawingml/2006/main" xmlns:r="http://schemas.openxmlformats.org/officeDocument/2006/relationships" xmlns:p="http://schemas.openxmlformats.org/presentationml/2006/main">
   <p:cSld>
@@ -5359,6 +5330,203 @@
           <p:cNvPr id="2" name="Titel 1">
             <a:extLst>
               <a:ext uri="{FF2B5EF4-FFF2-40B4-BE49-F238E27FC236}">
+                <a16:creationId xmlns:a16="http://schemas.microsoft.com/office/drawing/2014/main" id="{EBA97D32-CF44-4D0A-8DC9-6C63C47D4D47}"/>
+              </a:ext>
+            </a:extLst>
+          </p:cNvPr>
+          <p:cNvSpPr>
+            <a:spLocks noGrp="1"/>
+          </p:cNvSpPr>
+          <p:nvPr>
+            <p:ph type="title"/>
+          </p:nvPr>
+        </p:nvSpPr>
+        <p:spPr/>
+        <p:txBody>
+          <a:bodyPr/>
+          <a:lstStyle/>
+          <a:p>
+            <a:r>
+              <a:rPr lang="de-DE" dirty="0" err="1"/>
+              <a:t>Tree-based</a:t>
+            </a:r>
+            <a:r>
+              <a:rPr lang="de-DE" dirty="0"/>
+              <a:t> Models</a:t>
+            </a:r>
+          </a:p>
+        </p:txBody>
+      </p:sp>
+      <p:sp>
+        <p:nvSpPr>
+          <p:cNvPr id="3" name="Inhaltsplatzhalter 2">
+            <a:extLst>
+              <a:ext uri="{FF2B5EF4-FFF2-40B4-BE49-F238E27FC236}">
+                <a16:creationId xmlns:a16="http://schemas.microsoft.com/office/drawing/2014/main" id="{DFA79B91-F458-4782-8B92-DC252D0B4384}"/>
+              </a:ext>
+            </a:extLst>
+          </p:cNvPr>
+          <p:cNvSpPr>
+            <a:spLocks noGrp="1"/>
+          </p:cNvSpPr>
+          <p:nvPr>
+            <p:ph idx="1"/>
+          </p:nvPr>
+        </p:nvSpPr>
+        <p:spPr/>
+        <p:txBody>
+          <a:bodyPr>
+            <a:normAutofit/>
+          </a:bodyPr>
+          <a:lstStyle/>
+          <a:p>
+            <a:r>
+              <a:rPr lang="de-DE" dirty="0" err="1"/>
+              <a:t>Decision</a:t>
+            </a:r>
+            <a:r>
+              <a:rPr lang="de-DE" dirty="0"/>
+              <a:t> </a:t>
+            </a:r>
+            <a:r>
+              <a:rPr lang="de-DE" dirty="0" err="1"/>
+              <a:t>Tree</a:t>
+            </a:r>
+            <a:r>
+              <a:rPr lang="de-DE" dirty="0"/>
+              <a:t> </a:t>
+            </a:r>
+            <a:r>
+              <a:rPr lang="de-DE" dirty="0" err="1"/>
+              <a:t>for</a:t>
+            </a:r>
+            <a:r>
+              <a:rPr lang="de-DE" dirty="0"/>
+              <a:t> Poisson-Modelling</a:t>
+            </a:r>
+          </a:p>
+          <a:p>
+            <a:pPr lvl="1"/>
+            <a:r>
+              <a:rPr lang="de-DE" dirty="0" err="1"/>
+              <a:t>Lagged</a:t>
+            </a:r>
+            <a:r>
+              <a:rPr lang="de-DE" dirty="0"/>
+              <a:t> variables</a:t>
+            </a:r>
+          </a:p>
+          <a:p>
+            <a:pPr lvl="1"/>
+            <a:r>
+              <a:rPr lang="de-DE" dirty="0"/>
+              <a:t>Minimum </a:t>
+            </a:r>
+            <a:r>
+              <a:rPr lang="de-DE" dirty="0" err="1"/>
+              <a:t>split</a:t>
+            </a:r>
+            <a:r>
+              <a:rPr lang="de-DE" dirty="0"/>
+              <a:t> at 50 </a:t>
+            </a:r>
+          </a:p>
+          <a:p>
+            <a:pPr lvl="1"/>
+            <a:r>
+              <a:rPr lang="de-DE" dirty="0"/>
+              <a:t>Splits </a:t>
+            </a:r>
+            <a:r>
+              <a:rPr lang="de-DE" dirty="0" err="1"/>
+              <a:t>mostly</a:t>
+            </a:r>
+            <a:r>
+              <a:rPr lang="de-DE" dirty="0"/>
+              <a:t> at </a:t>
+            </a:r>
+            <a:r>
+              <a:rPr lang="de-DE" dirty="0" err="1"/>
+              <a:t>temperature</a:t>
+            </a:r>
+            <a:r>
+              <a:rPr lang="de-DE" dirty="0"/>
+              <a:t> variables</a:t>
+            </a:r>
+          </a:p>
+          <a:p>
+            <a:pPr lvl="1"/>
+            <a:r>
+              <a:rPr lang="de-DE" dirty="0"/>
+              <a:t>Maximum at high </a:t>
+            </a:r>
+            <a:r>
+              <a:rPr lang="de-DE" dirty="0" err="1"/>
+              <a:t>temperature</a:t>
+            </a:r>
+            <a:r>
+              <a:rPr lang="de-DE" dirty="0"/>
+              <a:t> and medium </a:t>
+            </a:r>
+            <a:r>
+              <a:rPr lang="de-DE" dirty="0" err="1"/>
+              <a:t>precipitation</a:t>
+            </a:r>
+            <a:endParaRPr lang="de-DE" dirty="0"/>
+          </a:p>
+          <a:p>
+            <a:endParaRPr lang="de-DE" dirty="0"/>
+          </a:p>
+          <a:p>
+            <a:r>
+              <a:rPr lang="de-DE" dirty="0" err="1"/>
+              <a:t>Result</a:t>
+            </a:r>
+            <a:r>
+              <a:rPr lang="de-DE" dirty="0"/>
+              <a:t>: 26.4327</a:t>
+            </a:r>
+          </a:p>
+          <a:p>
+            <a:endParaRPr lang="de-DE" dirty="0"/>
+          </a:p>
+        </p:txBody>
+      </p:sp>
+    </p:spTree>
+    <p:extLst>
+      <p:ext uri="{BB962C8B-B14F-4D97-AF65-F5344CB8AC3E}">
+        <p14:creationId xmlns:p14="http://schemas.microsoft.com/office/powerpoint/2010/main" val="853262095"/>
+      </p:ext>
+    </p:extLst>
+  </p:cSld>
+  <p:clrMapOvr>
+    <a:masterClrMapping/>
+  </p:clrMapOvr>
+</p:sld>
+</file>
+
+<file path=ppt/slides/slide18.xml><?xml version="1.0" encoding="utf-8"?>
+<p:sld xmlns:a="http://schemas.openxmlformats.org/drawingml/2006/main" xmlns:r="http://schemas.openxmlformats.org/officeDocument/2006/relationships" xmlns:p="http://schemas.openxmlformats.org/presentationml/2006/main">
+  <p:cSld>
+    <p:spTree>
+      <p:nvGrpSpPr>
+        <p:cNvPr id="1" name=""/>
+        <p:cNvGrpSpPr/>
+        <p:nvPr/>
+      </p:nvGrpSpPr>
+      <p:grpSpPr>
+        <a:xfrm>
+          <a:off x="0" y="0"/>
+          <a:ext cx="0" cy="0"/>
+          <a:chOff x="0" y="0"/>
+          <a:chExt cx="0" cy="0"/>
+        </a:xfrm>
+      </p:grpSpPr>
+      <p:sp>
+        <p:nvSpPr>
+          <p:cNvPr id="2" name="Titel 1">
+            <a:extLst>
+              <a:ext uri="{FF2B5EF4-FFF2-40B4-BE49-F238E27FC236}">
                 <a16:creationId xmlns:a16="http://schemas.microsoft.com/office/drawing/2014/main" id="{32EC1851-A915-43A4-9D17-B9A1EAAFD7E9}"/>
               </a:ext>
             </a:extLst>
@@ -5420,7 +5588,7 @@
             </a:r>
             <a:r>
               <a:rPr lang="de-DE" dirty="0"/>
-              <a:t> 1001 / 4256</a:t>
+              <a:t> 1001 / 4260</a:t>
             </a:r>
           </a:p>
           <a:p>
@@ -5479,6 +5647,58 @@
             <a:endParaRPr lang="de-DE" dirty="0"/>
           </a:p>
           <a:p>
+            <a:pPr lvl="1"/>
+            <a:r>
+              <a:rPr lang="de-DE" dirty="0" err="1"/>
+              <a:t>Probably</a:t>
+            </a:r>
+            <a:r>
+              <a:rPr lang="de-DE" dirty="0"/>
+              <a:t> </a:t>
+            </a:r>
+            <a:r>
+              <a:rPr lang="de-DE" dirty="0" err="1"/>
+              <a:t>overfitting</a:t>
+            </a:r>
+            <a:endParaRPr lang="de-DE" dirty="0"/>
+          </a:p>
+          <a:p>
+            <a:pPr lvl="1"/>
+            <a:r>
+              <a:rPr lang="de-DE" dirty="0"/>
+              <a:t>Mean </a:t>
+            </a:r>
+            <a:r>
+              <a:rPr lang="de-DE" dirty="0" err="1"/>
+              <a:t>of</a:t>
+            </a:r>
+            <a:r>
+              <a:rPr lang="de-DE" dirty="0"/>
+              <a:t> </a:t>
+            </a:r>
+            <a:r>
+              <a:rPr lang="de-DE" dirty="0" err="1"/>
+              <a:t>the</a:t>
+            </a:r>
+            <a:r>
+              <a:rPr lang="de-DE" dirty="0"/>
+              <a:t> </a:t>
+            </a:r>
+            <a:r>
+              <a:rPr lang="de-DE" dirty="0" err="1"/>
+              <a:t>testing</a:t>
+            </a:r>
+            <a:r>
+              <a:rPr lang="de-DE" dirty="0"/>
+              <a:t> </a:t>
+            </a:r>
+            <a:r>
+              <a:rPr lang="de-DE" dirty="0" err="1"/>
+              <a:t>data</a:t>
+            </a:r>
+            <a:endParaRPr lang="de-DE" dirty="0"/>
+          </a:p>
+          <a:p>
             <a:r>
               <a:rPr lang="de-DE" dirty="0" err="1"/>
               <a:t>Combining</a:t>
@@ -5512,7 +5732,7 @@
               <a:t> </a:t>
             </a:r>
             <a:r>
-              <a:rPr lang="de-DE"/>
+              <a:rPr lang="de-DE" dirty="0" err="1"/>
               <a:t>interesting</a:t>
             </a:r>
             <a:endParaRPr lang="de-DE" dirty="0"/>
@@ -5526,6 +5746,83 @@
     <p:extLst>
       <p:ext uri="{BB962C8B-B14F-4D97-AF65-F5344CB8AC3E}">
         <p14:creationId xmlns:p14="http://schemas.microsoft.com/office/powerpoint/2010/main" val="2068361291"/>
+      </p:ext>
+    </p:extLst>
+  </p:cSld>
+  <p:clrMapOvr>
+    <a:masterClrMapping/>
+  </p:clrMapOvr>
+</p:sld>
+</file>
+
+<file path=ppt/slides/slide19.xml><?xml version="1.0" encoding="utf-8"?>
+<p:sld xmlns:a="http://schemas.openxmlformats.org/drawingml/2006/main" xmlns:r="http://schemas.openxmlformats.org/officeDocument/2006/relationships" xmlns:p="http://schemas.openxmlformats.org/presentationml/2006/main">
+  <p:cSld>
+    <p:spTree>
+      <p:nvGrpSpPr>
+        <p:cNvPr id="1" name=""/>
+        <p:cNvGrpSpPr/>
+        <p:nvPr/>
+      </p:nvGrpSpPr>
+      <p:grpSpPr>
+        <a:xfrm>
+          <a:off x="0" y="0"/>
+          <a:ext cx="0" cy="0"/>
+          <a:chOff x="0" y="0"/>
+          <a:chExt cx="0" cy="0"/>
+        </a:xfrm>
+      </p:grpSpPr>
+      <p:sp>
+        <p:nvSpPr>
+          <p:cNvPr id="3" name="Inhaltsplatzhalter 2">
+            <a:extLst>
+              <a:ext uri="{FF2B5EF4-FFF2-40B4-BE49-F238E27FC236}">
+                <a16:creationId xmlns:a16="http://schemas.microsoft.com/office/drawing/2014/main" id="{422487CA-0892-45B4-921E-B47B2D54AAD6}"/>
+              </a:ext>
+            </a:extLst>
+          </p:cNvPr>
+          <p:cNvSpPr>
+            <a:spLocks noGrp="1"/>
+          </p:cNvSpPr>
+          <p:nvPr>
+            <p:ph idx="1"/>
+          </p:nvPr>
+        </p:nvSpPr>
+        <p:spPr/>
+        <p:txBody>
+          <a:bodyPr>
+            <a:normAutofit/>
+          </a:bodyPr>
+          <a:lstStyle/>
+          <a:p>
+            <a:pPr marL="0" indent="0" algn="ctr">
+              <a:buNone/>
+            </a:pPr>
+            <a:endParaRPr lang="en-GB" sz="6600" dirty="0">
+              <a:solidFill>
+                <a:srgbClr val="0070C0"/>
+              </a:solidFill>
+            </a:endParaRPr>
+          </a:p>
+          <a:p>
+            <a:pPr marL="0" indent="0" algn="ctr">
+              <a:buNone/>
+            </a:pPr>
+            <a:r>
+              <a:rPr lang="en-GB" sz="6600" dirty="0">
+                <a:solidFill>
+                  <a:srgbClr val="0070C0"/>
+                </a:solidFill>
+              </a:rPr>
+              <a:t>QUESTIONS</a:t>
+            </a:r>
+          </a:p>
+        </p:txBody>
+      </p:sp>
+    </p:spTree>
+    <p:extLst>
+      <p:ext uri="{BB962C8B-B14F-4D97-AF65-F5344CB8AC3E}">
+        <p14:creationId xmlns:p14="http://schemas.microsoft.com/office/powerpoint/2010/main" val="1080464648"/>
       </p:ext>
     </p:extLst>
   </p:cSld>
@@ -5557,7 +5854,7 @@
           <p:cNvPr id="2" name="Titel 1">
             <a:extLst>
               <a:ext uri="{FF2B5EF4-FFF2-40B4-BE49-F238E27FC236}">
-                <a16:creationId xmlns:a16="http://schemas.microsoft.com/office/drawing/2014/main" id="{402FBF90-1C0F-4DEA-A1A6-05D7A4434C98}"/>
+                <a16:creationId xmlns:a16="http://schemas.microsoft.com/office/drawing/2014/main" id="{1046F42F-E1A7-4D54-8469-6DE884CED073}"/>
               </a:ext>
             </a:extLst>
           </p:cNvPr>
@@ -5574,8 +5871,8 @@
           <a:lstStyle/>
           <a:p>
             <a:r>
-              <a:rPr lang="de-DE" dirty="0"/>
-              <a:t>Dengue Fever</a:t>
+              <a:rPr lang="en-GB" dirty="0"/>
+              <a:t>Contents</a:t>
             </a:r>
           </a:p>
         </p:txBody>
@@ -5585,7 +5882,7 @@
           <p:cNvPr id="3" name="Inhaltsplatzhalter 2">
             <a:extLst>
               <a:ext uri="{FF2B5EF4-FFF2-40B4-BE49-F238E27FC236}">
-                <a16:creationId xmlns:a16="http://schemas.microsoft.com/office/drawing/2014/main" id="{726573DF-07D2-4B66-AB60-ECC3EB72DAAD}"/>
+                <a16:creationId xmlns:a16="http://schemas.microsoft.com/office/drawing/2014/main" id="{D08833E7-150D-4FBA-BEFD-79E555893B47}"/>
               </a:ext>
             </a:extLst>
           </p:cNvPr>
@@ -5596,197 +5893,48 @@
             <p:ph idx="1"/>
           </p:nvPr>
         </p:nvSpPr>
-        <p:spPr>
-          <a:xfrm>
-            <a:off x="838200" y="1825624"/>
-            <a:ext cx="10515600" cy="4803775"/>
-          </a:xfrm>
-        </p:spPr>
-        <p:txBody>
-          <a:bodyPr vert="horz" lIns="91440" tIns="45720" rIns="91440" bIns="45720" rtlCol="0" anchor="t">
-            <a:normAutofit/>
-          </a:bodyPr>
+        <p:spPr/>
+        <p:txBody>
+          <a:bodyPr/>
           <a:lstStyle/>
           <a:p>
             <a:r>
               <a:rPr lang="en-GB" dirty="0"/>
-              <a:t>Disease</a:t>
+              <a:t>General Information</a:t>
+            </a:r>
+          </a:p>
+          <a:p>
+            <a:r>
+              <a:rPr lang="en-GB" dirty="0"/>
+              <a:t>Data</a:t>
             </a:r>
           </a:p>
           <a:p>
             <a:pPr lvl="1"/>
             <a:r>
+              <a:rPr lang="en-GB" dirty="0" err="1"/>
+              <a:t>Preprocessing</a:t>
+            </a:r>
+            <a:endParaRPr lang="en-GB" dirty="0"/>
+          </a:p>
+          <a:p>
+            <a:pPr lvl="1"/>
+            <a:r>
+              <a:rPr lang="en-GB" dirty="0" err="1"/>
+              <a:t>Descriptives</a:t>
+            </a:r>
+            <a:endParaRPr lang="en-GB" dirty="0"/>
+          </a:p>
+          <a:p>
+            <a:r>
               <a:rPr lang="en-GB" dirty="0"/>
-              <a:t>Fever, headache, pain, rashes, sometimes life-threatening bleeding</a:t>
-            </a:r>
-          </a:p>
-          <a:p>
-            <a:pPr lvl="1"/>
+              <a:t>Models</a:t>
+            </a:r>
+          </a:p>
+          <a:p>
             <a:r>
               <a:rPr lang="en-GB" dirty="0"/>
-              <a:t>Incubation time of ca. 14 days</a:t>
-            </a:r>
-          </a:p>
-          <a:p>
-            <a:pPr lvl="1"/>
-            <a:r>
-              <a:rPr lang="en-GB" dirty="0"/>
-              <a:t>Length of 3-7 days</a:t>
-            </a:r>
-          </a:p>
-          <a:p>
-            <a:pPr lvl="1"/>
-            <a:r>
-              <a:rPr lang="en-GB" dirty="0"/>
-              <a:t>Not contagious between humans</a:t>
-            </a:r>
-          </a:p>
-          <a:p>
-            <a:r>
-              <a:rPr lang="en-GB" dirty="0"/>
-              <a:t>Transmitted by Aedes Aegypti</a:t>
-            </a:r>
-          </a:p>
-          <a:p>
-            <a:pPr lvl="1"/>
-            <a:r>
-              <a:rPr lang="en-GB" dirty="0"/>
-              <a:t>Egg: 2-6 days</a:t>
-            </a:r>
-          </a:p>
-          <a:p>
-            <a:pPr lvl="1"/>
-            <a:r>
-              <a:rPr lang="en-GB" dirty="0"/>
-              <a:t>Larva: &gt;4 days</a:t>
-            </a:r>
-          </a:p>
-          <a:p>
-            <a:pPr lvl="1"/>
-            <a:r>
-              <a:rPr lang="en-GB" dirty="0"/>
-              <a:t>Pupae: 2 days</a:t>
-            </a:r>
-          </a:p>
-          <a:p>
-            <a:pPr lvl="1"/>
-            <a:r>
-              <a:rPr lang="en-GB" dirty="0"/>
-              <a:t>Adult: 14-28 days</a:t>
-            </a:r>
-          </a:p>
-          <a:p>
-            <a:r>
-              <a:rPr lang="en-GB" dirty="0"/>
-              <a:t>Total time between </a:t>
-            </a:r>
-            <a:r>
-              <a:rPr lang="en-GB" dirty="0" err="1"/>
-              <a:t>egglaying</a:t>
-            </a:r>
-            <a:r>
-              <a:rPr lang="en-GB" dirty="0"/>
-              <a:t> and fever outbreak: </a:t>
-            </a:r>
-            <a:r>
-              <a:rPr lang="en-GB" dirty="0">
-                <a:cs typeface="Calibri"/>
-              </a:rPr>
-              <a:t>3-4 weeks</a:t>
-            </a:r>
-          </a:p>
-          <a:p>
-            <a:pPr lvl="1"/>
-            <a:endParaRPr lang="en-GB" dirty="0"/>
-          </a:p>
-        </p:txBody>
-      </p:sp>
-      <p:pic>
-        <p:nvPicPr>
-          <p:cNvPr id="5" name="Grafik 4">
-            <a:extLst>
-              <a:ext uri="{FF2B5EF4-FFF2-40B4-BE49-F238E27FC236}">
-                <a16:creationId xmlns:a16="http://schemas.microsoft.com/office/drawing/2014/main" id="{A7B671A6-63A1-4F14-BBC3-87A2ECBC8B5A}"/>
-              </a:ext>
-            </a:extLst>
-          </p:cNvPr>
-          <p:cNvPicPr>
-            <a:picLocks noChangeAspect="1"/>
-          </p:cNvPicPr>
-          <p:nvPr/>
-        </p:nvPicPr>
-        <p:blipFill>
-          <a:blip r:embed="rId2">
-            <a:extLst>
-              <a:ext uri="{28A0092B-C50C-407E-A947-70E740481C1C}">
-                <a14:useLocalDpi xmlns:a14="http://schemas.microsoft.com/office/drawing/2010/main" val="0"/>
-              </a:ext>
-            </a:extLst>
-          </a:blip>
-          <a:stretch>
-            <a:fillRect/>
-          </a:stretch>
-        </p:blipFill>
-        <p:spPr>
-          <a:xfrm>
-            <a:off x="7550417" y="3215430"/>
-            <a:ext cx="2358513" cy="1571728"/>
-          </a:xfrm>
-          <a:prstGeom prst="rect">
-            <a:avLst/>
-          </a:prstGeom>
-        </p:spPr>
-      </p:pic>
-      <p:sp>
-        <p:nvSpPr>
-          <p:cNvPr id="6" name="Textfeld 5">
-            <a:extLst>
-              <a:ext uri="{FF2B5EF4-FFF2-40B4-BE49-F238E27FC236}">
-                <a16:creationId xmlns:a16="http://schemas.microsoft.com/office/drawing/2014/main" id="{8DB262E2-4351-4FAE-9E4A-D947E1B45227}"/>
-              </a:ext>
-            </a:extLst>
-          </p:cNvPr>
-          <p:cNvSpPr txBox="1"/>
-          <p:nvPr/>
-        </p:nvSpPr>
-        <p:spPr>
-          <a:xfrm>
-            <a:off x="7550416" y="4791290"/>
-            <a:ext cx="2358513" cy="600164"/>
-          </a:xfrm>
-          <a:prstGeom prst="rect">
-            <a:avLst/>
-          </a:prstGeom>
-          <a:noFill/>
-        </p:spPr>
-        <p:txBody>
-          <a:bodyPr wrap="square" rtlCol="0">
-            <a:spAutoFit/>
-          </a:bodyPr>
-          <a:lstStyle/>
-          <a:p>
-            <a:r>
-              <a:rPr lang="de-DE" sz="1100" dirty="0"/>
-              <a:t>Fig. 1: </a:t>
-            </a:r>
-            <a:r>
-              <a:rPr lang="de-DE" sz="1100" i="1" dirty="0" err="1"/>
-              <a:t>Aedes</a:t>
-            </a:r>
-            <a:r>
-              <a:rPr lang="de-DE" sz="1100" i="1" dirty="0"/>
-              <a:t> </a:t>
-            </a:r>
-            <a:r>
-              <a:rPr lang="de-DE" sz="1100" i="1" dirty="0" err="1"/>
-              <a:t>aegypti</a:t>
-            </a:r>
-            <a:endParaRPr lang="de-DE" sz="1100" i="1" dirty="0"/>
-          </a:p>
-          <a:p>
-            <a:r>
-              <a:rPr lang="de-DE" sz="1100" i="1" dirty="0"/>
-              <a:t>https://commons.wikimedia.org/wiki/File:Aedes_aegypti.jpg</a:t>
+              <a:t>Conclusion</a:t>
             </a:r>
           </a:p>
         </p:txBody>
@@ -5794,7 +5942,7 @@
     </p:spTree>
     <p:extLst>
       <p:ext uri="{BB962C8B-B14F-4D97-AF65-F5344CB8AC3E}">
-        <p14:creationId xmlns:p14="http://schemas.microsoft.com/office/powerpoint/2010/main" val="66881871"/>
+        <p14:creationId xmlns:p14="http://schemas.microsoft.com/office/powerpoint/2010/main" val="3623143643"/>
       </p:ext>
     </p:extLst>
   </p:cSld>
@@ -5826,7 +5974,7 @@
           <p:cNvPr id="2" name="Titel 1">
             <a:extLst>
               <a:ext uri="{FF2B5EF4-FFF2-40B4-BE49-F238E27FC236}">
-                <a16:creationId xmlns:a16="http://schemas.microsoft.com/office/drawing/2014/main" id="{642EDE3B-6D85-4977-BB46-E3DE04910165}"/>
+                <a16:creationId xmlns:a16="http://schemas.microsoft.com/office/drawing/2014/main" id="{402FBF90-1C0F-4DEA-A1A6-05D7A4434C98}"/>
               </a:ext>
             </a:extLst>
           </p:cNvPr>
@@ -5844,7 +5992,7 @@
           <a:p>
             <a:r>
               <a:rPr lang="de-DE" dirty="0"/>
-              <a:t>Data</a:t>
+              <a:t>Dengue Fever</a:t>
             </a:r>
           </a:p>
         </p:txBody>
@@ -5854,7 +6002,7 @@
           <p:cNvPr id="3" name="Inhaltsplatzhalter 2">
             <a:extLst>
               <a:ext uri="{FF2B5EF4-FFF2-40B4-BE49-F238E27FC236}">
-                <a16:creationId xmlns:a16="http://schemas.microsoft.com/office/drawing/2014/main" id="{EB34AE73-563C-4164-B03F-C741A0127527}"/>
+                <a16:creationId xmlns:a16="http://schemas.microsoft.com/office/drawing/2014/main" id="{726573DF-07D2-4B66-AB60-ECC3EB72DAAD}"/>
               </a:ext>
             </a:extLst>
           </p:cNvPr>
@@ -5868,104 +6016,194 @@
         <p:spPr>
           <a:xfrm>
             <a:off x="838200" y="1825624"/>
-            <a:ext cx="10515600" cy="4962037"/>
+            <a:ext cx="10515600" cy="4803775"/>
           </a:xfrm>
         </p:spPr>
         <p:txBody>
           <a:bodyPr vert="horz" lIns="91440" tIns="45720" rIns="91440" bIns="45720" rtlCol="0" anchor="t">
-            <a:normAutofit lnSpcReduction="10000"/>
+            <a:normAutofit/>
           </a:bodyPr>
           <a:lstStyle/>
           <a:p>
             <a:r>
               <a:rPr lang="en-GB" dirty="0"/>
-              <a:t>Weekly Data</a:t>
+              <a:t>Disease</a:t>
             </a:r>
           </a:p>
           <a:p>
             <a:pPr lvl="1"/>
             <a:r>
               <a:rPr lang="en-GB" dirty="0"/>
-              <a:t>1455 usable observations</a:t>
+              <a:t>Fever, headache, pain, rashes, sometimes life-threatening bleeding</a:t>
             </a:r>
           </a:p>
           <a:p>
             <a:pPr lvl="1"/>
             <a:r>
               <a:rPr lang="en-GB" dirty="0"/>
-              <a:t>Weather Data (Temperature, Humidity, Rainfall)</a:t>
+              <a:t>Incubation time of ca. 14 days</a:t>
             </a:r>
           </a:p>
           <a:p>
             <a:pPr lvl="1"/>
             <a:r>
               <a:rPr lang="en-GB" dirty="0"/>
-              <a:t>Vegetation Data (NDVI)</a:t>
+              <a:t>Length of 3-7 days</a:t>
             </a:r>
           </a:p>
           <a:p>
             <a:pPr lvl="1"/>
             <a:r>
               <a:rPr lang="en-GB" dirty="0"/>
-              <a:t>Total Cases of Fever</a:t>
+              <a:t>Not contagious between humans</a:t>
             </a:r>
           </a:p>
           <a:p>
             <a:r>
               <a:rPr lang="en-GB" dirty="0"/>
-              <a:t>Two Cities:</a:t>
+              <a:t>Transmitted by Aedes Aegypti</a:t>
             </a:r>
           </a:p>
           <a:p>
             <a:pPr lvl="1"/>
             <a:r>
               <a:rPr lang="en-GB" dirty="0"/>
-              <a:t>San Juan, Puerto Rico, April 1990 – April 2008 (936 observations)</a:t>
-            </a:r>
-          </a:p>
-          <a:p>
-            <a:pPr marL="914400" lvl="2" indent="0">
-              <a:buNone/>
-            </a:pPr>
+              <a:t>Egg: 2-6 days</a:t>
+            </a:r>
+          </a:p>
+          <a:p>
+            <a:pPr lvl="1"/>
             <a:r>
               <a:rPr lang="en-GB" dirty="0"/>
-              <a:t>-&gt; Monsoon Climate, Northern Hemisphere</a:t>
+              <a:t>Larva: &gt;4 days</a:t>
             </a:r>
           </a:p>
           <a:p>
             <a:pPr lvl="1"/>
             <a:r>
               <a:rPr lang="en-GB" dirty="0"/>
-              <a:t>Iquitos, Peru, July 2000 – June 2010 (519 observations)</a:t>
-            </a:r>
-          </a:p>
-          <a:p>
-            <a:pPr marL="914400" lvl="2" indent="0">
-              <a:buNone/>
-            </a:pPr>
+              <a:t>Pupae: 2 days</a:t>
+            </a:r>
+          </a:p>
+          <a:p>
+            <a:pPr lvl="1"/>
             <a:r>
               <a:rPr lang="en-GB" dirty="0"/>
-              <a:t>-&gt; Tropical Rainforest, Southern Hemisphere</a:t>
+              <a:t>Adult: 14-28 days</a:t>
             </a:r>
           </a:p>
           <a:p>
             <a:r>
               <a:rPr lang="en-GB" dirty="0"/>
-              <a:t>Goal: Predict number of cases for the following years</a:t>
+              <a:t>Total time between </a:t>
+            </a:r>
+            <a:r>
+              <a:rPr lang="en-GB" dirty="0" err="1"/>
+              <a:t>egglaying</a:t>
+            </a:r>
+            <a:r>
+              <a:rPr lang="en-GB" dirty="0"/>
+              <a:t> and fever outbreak: </a:t>
             </a:r>
             <a:r>
               <a:rPr lang="en-GB" dirty="0">
                 <a:cs typeface="Calibri"/>
               </a:rPr>
-              <a:t> (until 2013)</a:t>
-            </a:r>
-          </a:p>
-          <a:p>
-            <a:r>
-              <a:rPr lang="en-GB" dirty="0">
-                <a:cs typeface="Calibri"/>
-              </a:rPr>
-              <a:t>Evaluation: Mean Absolute Error (MAE) </a:t>
+              <a:t>3-4 weeks</a:t>
+            </a:r>
+          </a:p>
+          <a:p>
+            <a:pPr lvl="1"/>
+            <a:endParaRPr lang="en-GB" dirty="0"/>
+          </a:p>
+        </p:txBody>
+      </p:sp>
+      <p:pic>
+        <p:nvPicPr>
+          <p:cNvPr id="5" name="Grafik 4">
+            <a:extLst>
+              <a:ext uri="{FF2B5EF4-FFF2-40B4-BE49-F238E27FC236}">
+                <a16:creationId xmlns:a16="http://schemas.microsoft.com/office/drawing/2014/main" id="{A7B671A6-63A1-4F14-BBC3-87A2ECBC8B5A}"/>
+              </a:ext>
+            </a:extLst>
+          </p:cNvPr>
+          <p:cNvPicPr>
+            <a:picLocks noChangeAspect="1"/>
+          </p:cNvPicPr>
+          <p:nvPr/>
+        </p:nvPicPr>
+        <p:blipFill>
+          <a:blip r:embed="rId2">
+            <a:extLst>
+              <a:ext uri="{28A0092B-C50C-407E-A947-70E740481C1C}">
+                <a14:useLocalDpi xmlns:a14="http://schemas.microsoft.com/office/drawing/2010/main" val="0"/>
+              </a:ext>
+            </a:extLst>
+          </a:blip>
+          <a:stretch>
+            <a:fillRect/>
+          </a:stretch>
+        </p:blipFill>
+        <p:spPr>
+          <a:xfrm>
+            <a:off x="7550417" y="3215430"/>
+            <a:ext cx="2358513" cy="1571728"/>
+          </a:xfrm>
+          <a:prstGeom prst="rect">
+            <a:avLst/>
+          </a:prstGeom>
+        </p:spPr>
+      </p:pic>
+      <p:sp>
+        <p:nvSpPr>
+          <p:cNvPr id="6" name="Textfeld 5">
+            <a:extLst>
+              <a:ext uri="{FF2B5EF4-FFF2-40B4-BE49-F238E27FC236}">
+                <a16:creationId xmlns:a16="http://schemas.microsoft.com/office/drawing/2014/main" id="{8DB262E2-4351-4FAE-9E4A-D947E1B45227}"/>
+              </a:ext>
+            </a:extLst>
+          </p:cNvPr>
+          <p:cNvSpPr txBox="1"/>
+          <p:nvPr/>
+        </p:nvSpPr>
+        <p:spPr>
+          <a:xfrm>
+            <a:off x="7550416" y="4791290"/>
+            <a:ext cx="2358513" cy="600164"/>
+          </a:xfrm>
+          <a:prstGeom prst="rect">
+            <a:avLst/>
+          </a:prstGeom>
+          <a:noFill/>
+        </p:spPr>
+        <p:txBody>
+          <a:bodyPr wrap="square" rtlCol="0">
+            <a:spAutoFit/>
+          </a:bodyPr>
+          <a:lstStyle/>
+          <a:p>
+            <a:r>
+              <a:rPr lang="de-DE" sz="1100" dirty="0"/>
+              <a:t>Fig. 1: </a:t>
+            </a:r>
+            <a:r>
+              <a:rPr lang="de-DE" sz="1100" i="1" dirty="0" err="1"/>
+              <a:t>Aedes</a:t>
+            </a:r>
+            <a:r>
+              <a:rPr lang="de-DE" sz="1100" i="1" dirty="0"/>
+              <a:t> </a:t>
+            </a:r>
+            <a:r>
+              <a:rPr lang="de-DE" sz="1100" i="1" dirty="0" err="1"/>
+              <a:t>aegypti</a:t>
+            </a:r>
+            <a:endParaRPr lang="de-DE" sz="1100" i="1" dirty="0"/>
+          </a:p>
+          <a:p>
+            <a:r>
+              <a:rPr lang="de-DE" sz="1100" i="1" dirty="0"/>
+              <a:t>https://commons.wikimedia.org/wiki/File:Aedes_aegypti.jpg</a:t>
             </a:r>
           </a:p>
         </p:txBody>
@@ -5973,7 +6211,7 @@
     </p:spTree>
     <p:extLst>
       <p:ext uri="{BB962C8B-B14F-4D97-AF65-F5344CB8AC3E}">
-        <p14:creationId xmlns:p14="http://schemas.microsoft.com/office/powerpoint/2010/main" val="4195500146"/>
+        <p14:creationId xmlns:p14="http://schemas.microsoft.com/office/powerpoint/2010/main" val="66881871"/>
       </p:ext>
     </p:extLst>
   </p:cSld>
@@ -6005,7 +6243,7 @@
           <p:cNvPr id="2" name="Titel 1">
             <a:extLst>
               <a:ext uri="{FF2B5EF4-FFF2-40B4-BE49-F238E27FC236}">
-                <a16:creationId xmlns:a16="http://schemas.microsoft.com/office/drawing/2014/main" id="{0B11C639-47C0-4DF9-A52F-83B43259CBD6}"/>
+                <a16:creationId xmlns:a16="http://schemas.microsoft.com/office/drawing/2014/main" id="{642EDE3B-6D85-4977-BB46-E3DE04910165}"/>
               </a:ext>
             </a:extLst>
           </p:cNvPr>
@@ -6033,7 +6271,7 @@
           <p:cNvPr id="3" name="Inhaltsplatzhalter 2">
             <a:extLst>
               <a:ext uri="{FF2B5EF4-FFF2-40B4-BE49-F238E27FC236}">
-                <a16:creationId xmlns:a16="http://schemas.microsoft.com/office/drawing/2014/main" id="{759B339E-5BF8-4AA4-9583-BD9CFE2F23B3}"/>
+                <a16:creationId xmlns:a16="http://schemas.microsoft.com/office/drawing/2014/main" id="{EB34AE73-563C-4164-B03F-C741A0127527}"/>
               </a:ext>
             </a:extLst>
           </p:cNvPr>
@@ -6044,61 +6282,115 @@
             <p:ph idx="1"/>
           </p:nvPr>
         </p:nvSpPr>
-        <p:spPr/>
-        <p:txBody>
-          <a:bodyPr/>
+        <p:spPr>
+          <a:xfrm>
+            <a:off x="838200" y="1825624"/>
+            <a:ext cx="10515600" cy="4962037"/>
+          </a:xfrm>
+        </p:spPr>
+        <p:txBody>
+          <a:bodyPr vert="horz" lIns="91440" tIns="45720" rIns="91440" bIns="45720" rtlCol="0" anchor="t">
+            <a:normAutofit lnSpcReduction="10000"/>
+          </a:bodyPr>
           <a:lstStyle/>
           <a:p>
             <a:r>
               <a:rPr lang="en-GB" dirty="0"/>
-              <a:t>Strong yearly seasonality</a:t>
-            </a:r>
-          </a:p>
-          <a:p>
+              <a:t>Weekly Data</a:t>
+            </a:r>
+          </a:p>
+          <a:p>
+            <a:pPr lvl="1"/>
             <a:r>
               <a:rPr lang="en-GB" dirty="0"/>
-              <a:t>Some years with epidemics</a:t>
-            </a:r>
-          </a:p>
-          <a:p>
+              <a:t>1455 usable observations</a:t>
+            </a:r>
+          </a:p>
+          <a:p>
+            <a:pPr lvl="1"/>
             <a:r>
               <a:rPr lang="en-GB" dirty="0"/>
-              <a:t>Strong difference between the two cities</a:t>
+              <a:t>Weather Data (Temperature, Humidity, Rainfall)</a:t>
             </a:r>
           </a:p>
           <a:p>
             <a:pPr lvl="1"/>
             <a:r>
               <a:rPr lang="en-GB" dirty="0"/>
-              <a:t>Hemisphere</a:t>
+              <a:t>Vegetation Data (NDVI)</a:t>
             </a:r>
           </a:p>
           <a:p>
             <a:pPr lvl="1"/>
             <a:r>
               <a:rPr lang="en-GB" dirty="0"/>
-              <a:t>Climate</a:t>
+              <a:t>Total Cases of Fever</a:t>
+            </a:r>
+          </a:p>
+          <a:p>
+            <a:r>
+              <a:rPr lang="en-GB" dirty="0"/>
+              <a:t>Two Cities:</a:t>
             </a:r>
           </a:p>
           <a:p>
             <a:pPr lvl="1"/>
             <a:r>
               <a:rPr lang="en-GB" dirty="0"/>
-              <a:t>Total cases</a:t>
-            </a:r>
-          </a:p>
-          <a:p>
-            <a:endParaRPr lang="en-GB" dirty="0"/>
-          </a:p>
-          <a:p>
-            <a:endParaRPr lang="en-GB" dirty="0"/>
+              <a:t>San Juan, Puerto Rico, April 1990 – April 2008 (936 observations)</a:t>
+            </a:r>
+          </a:p>
+          <a:p>
+            <a:pPr marL="914400" lvl="2" indent="0">
+              <a:buNone/>
+            </a:pPr>
+            <a:r>
+              <a:rPr lang="en-GB" dirty="0"/>
+              <a:t>-&gt; Monsoon Climate, Northern Hemisphere</a:t>
+            </a:r>
+          </a:p>
+          <a:p>
+            <a:pPr lvl="1"/>
+            <a:r>
+              <a:rPr lang="en-GB" dirty="0"/>
+              <a:t>Iquitos, Peru, July 2000 – June 2010 (519 observations)</a:t>
+            </a:r>
+          </a:p>
+          <a:p>
+            <a:pPr marL="914400" lvl="2" indent="0">
+              <a:buNone/>
+            </a:pPr>
+            <a:r>
+              <a:rPr lang="en-GB" dirty="0"/>
+              <a:t>-&gt; Tropical Rainforest, Southern Hemisphere</a:t>
+            </a:r>
+          </a:p>
+          <a:p>
+            <a:r>
+              <a:rPr lang="en-GB" dirty="0"/>
+              <a:t>Goal: Predict number of cases for the following years</a:t>
+            </a:r>
+            <a:r>
+              <a:rPr lang="en-GB" dirty="0">
+                <a:cs typeface="Calibri"/>
+              </a:rPr>
+              <a:t> (until 2013)</a:t>
+            </a:r>
+          </a:p>
+          <a:p>
+            <a:r>
+              <a:rPr lang="en-GB" dirty="0">
+                <a:cs typeface="Calibri"/>
+              </a:rPr>
+              <a:t>Evaluation: Mean Absolute Error (MAE) </a:t>
+            </a:r>
           </a:p>
         </p:txBody>
       </p:sp>
     </p:spTree>
     <p:extLst>
       <p:ext uri="{BB962C8B-B14F-4D97-AF65-F5344CB8AC3E}">
-        <p14:creationId xmlns:p14="http://schemas.microsoft.com/office/powerpoint/2010/main" val="2108750796"/>
+        <p14:creationId xmlns:p14="http://schemas.microsoft.com/office/powerpoint/2010/main" val="4195500146"/>
       </p:ext>
     </p:extLst>
   </p:cSld>
@@ -6130,7 +6422,7 @@
           <p:cNvPr id="2" name="Titel 1">
             <a:extLst>
               <a:ext uri="{FF2B5EF4-FFF2-40B4-BE49-F238E27FC236}">
-                <a16:creationId xmlns:a16="http://schemas.microsoft.com/office/drawing/2014/main" id="{31B41458-F15B-4BE6-B3DF-E68BB05CA0A8}"/>
+                <a16:creationId xmlns:a16="http://schemas.microsoft.com/office/drawing/2014/main" id="{0B11C639-47C0-4DF9-A52F-83B43259CBD6}"/>
               </a:ext>
             </a:extLst>
           </p:cNvPr>
@@ -6147,77 +6439,83 @@
           <a:lstStyle/>
           <a:p>
             <a:r>
-              <a:rPr lang="en-GB" dirty="0" err="1"/>
-              <a:t>Preprocessing</a:t>
-            </a:r>
+              <a:rPr lang="de-DE" dirty="0"/>
+              <a:t>Data</a:t>
+            </a:r>
+          </a:p>
+        </p:txBody>
+      </p:sp>
+      <p:sp>
+        <p:nvSpPr>
+          <p:cNvPr id="3" name="Inhaltsplatzhalter 2">
+            <a:extLst>
+              <a:ext uri="{FF2B5EF4-FFF2-40B4-BE49-F238E27FC236}">
+                <a16:creationId xmlns:a16="http://schemas.microsoft.com/office/drawing/2014/main" id="{759B339E-5BF8-4AA4-9583-BD9CFE2F23B3}"/>
+              </a:ext>
+            </a:extLst>
+          </p:cNvPr>
+          <p:cNvSpPr>
+            <a:spLocks noGrp="1"/>
+          </p:cNvSpPr>
+          <p:nvPr>
+            <p:ph idx="1"/>
+          </p:nvPr>
+        </p:nvSpPr>
+        <p:spPr/>
+        <p:txBody>
+          <a:bodyPr/>
+          <a:lstStyle/>
+          <a:p>
+            <a:r>
+              <a:rPr lang="en-GB" dirty="0"/>
+              <a:t>Strong yearly seasonality</a:t>
+            </a:r>
+          </a:p>
+          <a:p>
+            <a:r>
+              <a:rPr lang="en-GB" dirty="0"/>
+              <a:t>Some years with epidemics</a:t>
+            </a:r>
+          </a:p>
+          <a:p>
+            <a:r>
+              <a:rPr lang="en-GB" dirty="0"/>
+              <a:t>Strong difference between the two cities</a:t>
+            </a:r>
+          </a:p>
+          <a:p>
+            <a:pPr lvl="1"/>
+            <a:r>
+              <a:rPr lang="en-GB" dirty="0"/>
+              <a:t>Hemisphere</a:t>
+            </a:r>
+          </a:p>
+          <a:p>
+            <a:pPr lvl="1"/>
+            <a:r>
+              <a:rPr lang="en-GB" dirty="0"/>
+              <a:t>Climate</a:t>
+            </a:r>
+          </a:p>
+          <a:p>
+            <a:pPr lvl="1"/>
+            <a:r>
+              <a:rPr lang="en-GB" dirty="0"/>
+              <a:t>Total cases</a:t>
+            </a:r>
+          </a:p>
+          <a:p>
             <a:endParaRPr lang="en-GB" dirty="0"/>
           </a:p>
-        </p:txBody>
-      </p:sp>
-      <p:sp>
-        <p:nvSpPr>
-          <p:cNvPr id="3" name="Inhaltsplatzhalter 2">
-            <a:extLst>
-              <a:ext uri="{FF2B5EF4-FFF2-40B4-BE49-F238E27FC236}">
-                <a16:creationId xmlns:a16="http://schemas.microsoft.com/office/drawing/2014/main" id="{08C0D8D2-F76E-4097-86D5-9E147CDCBF10}"/>
-              </a:ext>
-            </a:extLst>
-          </p:cNvPr>
-          <p:cNvSpPr>
-            <a:spLocks noGrp="1"/>
-          </p:cNvSpPr>
-          <p:nvPr>
-            <p:ph idx="1"/>
-          </p:nvPr>
-        </p:nvSpPr>
-        <p:spPr/>
-        <p:txBody>
-          <a:bodyPr/>
-          <a:lstStyle/>
-          <a:p>
-            <a:r>
-              <a:rPr lang="en-GB" dirty="0"/>
-              <a:t>Small and relatively clean Data Set</a:t>
-            </a:r>
-          </a:p>
-          <a:p>
-            <a:r>
-              <a:rPr lang="en-GB" dirty="0"/>
-              <a:t>Occasional NA-values</a:t>
-            </a:r>
-          </a:p>
-          <a:p>
-            <a:pPr lvl="1"/>
-            <a:r>
-              <a:rPr lang="en-GB" dirty="0"/>
-              <a:t>Likely are similar to the surrounding values</a:t>
-            </a:r>
-          </a:p>
-          <a:p>
-            <a:pPr lvl="1"/>
-            <a:r>
-              <a:rPr lang="en-GB" dirty="0"/>
-              <a:t>Imputed linearly from the surrounding cases</a:t>
-            </a:r>
-          </a:p>
-          <a:p>
-            <a:r>
-              <a:rPr lang="en-GB" dirty="0"/>
-              <a:t>Lagging of some variables where fit (see below)</a:t>
-            </a:r>
-          </a:p>
-          <a:p>
-            <a:r>
-              <a:rPr lang="en-GB" dirty="0"/>
-              <a:t>Same in the testing data</a:t>
-            </a:r>
+          <a:p>
+            <a:endParaRPr lang="en-GB" dirty="0"/>
           </a:p>
         </p:txBody>
       </p:sp>
     </p:spTree>
     <p:extLst>
       <p:ext uri="{BB962C8B-B14F-4D97-AF65-F5344CB8AC3E}">
-        <p14:creationId xmlns:p14="http://schemas.microsoft.com/office/powerpoint/2010/main" val="2352193751"/>
+        <p14:creationId xmlns:p14="http://schemas.microsoft.com/office/powerpoint/2010/main" val="2108750796"/>
       </p:ext>
     </p:extLst>
   </p:cSld>
@@ -6529,7 +6827,7 @@
           <p:cNvPr id="2" name="Titel 1">
             <a:extLst>
               <a:ext uri="{FF2B5EF4-FFF2-40B4-BE49-F238E27FC236}">
-                <a16:creationId xmlns:a16="http://schemas.microsoft.com/office/drawing/2014/main" id="{209225D5-AF90-4F49-A477-81AF130313E0}"/>
+                <a16:creationId xmlns:a16="http://schemas.microsoft.com/office/drawing/2014/main" id="{31B41458-F15B-4BE6-B3DF-E68BB05CA0A8}"/>
               </a:ext>
             </a:extLst>
           </p:cNvPr>
@@ -6546,113 +6844,69 @@
           <a:lstStyle/>
           <a:p>
             <a:r>
-              <a:rPr lang="de-DE" dirty="0"/>
-              <a:t>Real Life Cases San Juan</a:t>
-            </a:r>
-            <a:br>
-              <a:rPr lang="de-DE" dirty="0"/>
-            </a:br>
-            <a:r>
-              <a:rPr lang="de-DE" sz="1200" dirty="0"/>
-              <a:t>(</a:t>
-            </a:r>
-            <a:r>
-              <a:rPr lang="de-DE" sz="1200" dirty="0" err="1"/>
-              <a:t>Monaghan</a:t>
-            </a:r>
-            <a:r>
-              <a:rPr lang="de-DE" sz="1200" dirty="0"/>
-              <a:t> et al. 2015, https://doi.org/10.1371/journal.pntd.0004002.g002) </a:t>
-            </a:r>
-          </a:p>
-        </p:txBody>
-      </p:sp>
-      <p:pic>
-        <p:nvPicPr>
-          <p:cNvPr id="5" name="Inhaltsplatzhalter 4">
-            <a:extLst>
-              <a:ext uri="{FF2B5EF4-FFF2-40B4-BE49-F238E27FC236}">
-                <a16:creationId xmlns:a16="http://schemas.microsoft.com/office/drawing/2014/main" id="{9A272D85-0775-4597-88E5-F656B3E2C349}"/>
-              </a:ext>
-            </a:extLst>
-          </p:cNvPr>
-          <p:cNvPicPr>
-            <a:picLocks noGrp="1" noChangeAspect="1"/>
-          </p:cNvPicPr>
+              <a:rPr lang="en-GB" dirty="0" err="1"/>
+              <a:t>Preprocessing</a:t>
+            </a:r>
+            <a:endParaRPr lang="en-GB" dirty="0"/>
+          </a:p>
+        </p:txBody>
+      </p:sp>
+      <p:sp>
+        <p:nvSpPr>
+          <p:cNvPr id="3" name="Inhaltsplatzhalter 2">
+            <a:extLst>
+              <a:ext uri="{FF2B5EF4-FFF2-40B4-BE49-F238E27FC236}">
+                <a16:creationId xmlns:a16="http://schemas.microsoft.com/office/drawing/2014/main" id="{08C0D8D2-F76E-4097-86D5-9E147CDCBF10}"/>
+              </a:ext>
+            </a:extLst>
+          </p:cNvPr>
+          <p:cNvSpPr>
+            <a:spLocks noGrp="1"/>
+          </p:cNvSpPr>
           <p:nvPr>
             <p:ph idx="1"/>
           </p:nvPr>
-        </p:nvPicPr>
-        <p:blipFill>
-          <a:blip r:embed="rId2">
-            <a:extLst>
-              <a:ext uri="{28A0092B-C50C-407E-A947-70E740481C1C}">
-                <a14:useLocalDpi xmlns:a14="http://schemas.microsoft.com/office/drawing/2010/main" val="0"/>
-              </a:ext>
-            </a:extLst>
-          </a:blip>
-          <a:stretch>
-            <a:fillRect/>
-          </a:stretch>
-        </p:blipFill>
-        <p:spPr>
-          <a:xfrm>
-            <a:off x="3176010" y="1919506"/>
-            <a:ext cx="5839980" cy="4163576"/>
-          </a:xfrm>
-        </p:spPr>
-      </p:pic>
-      <p:sp>
-        <p:nvSpPr>
-          <p:cNvPr id="4" name="Textfeld 3">
-            <a:extLst>
-              <a:ext uri="{FF2B5EF4-FFF2-40B4-BE49-F238E27FC236}">
-                <a16:creationId xmlns:a16="http://schemas.microsoft.com/office/drawing/2014/main" id="{D1E9EC05-D6ED-4BEB-B8B4-E9B214C0D5B1}"/>
-              </a:ext>
-            </a:extLst>
-          </p:cNvPr>
-          <p:cNvSpPr txBox="1"/>
-          <p:nvPr/>
-        </p:nvSpPr>
-        <p:spPr>
-          <a:xfrm>
-            <a:off x="3176010" y="6083082"/>
-            <a:ext cx="4835769" cy="261610"/>
-          </a:xfrm>
-          <a:prstGeom prst="rect">
-            <a:avLst/>
-          </a:prstGeom>
-          <a:noFill/>
-        </p:spPr>
-        <p:txBody>
-          <a:bodyPr wrap="square" rtlCol="0">
-            <a:spAutoFit/>
-          </a:bodyPr>
-          <a:lstStyle/>
-          <a:p>
-            <a:r>
-              <a:rPr lang="de-DE" sz="1100" dirty="0"/>
-              <a:t>Fig. 4: True Cases (</a:t>
-            </a:r>
-            <a:r>
-              <a:rPr lang="de-DE" sz="1100" dirty="0" err="1">
-                <a:solidFill>
-                  <a:srgbClr val="FF0000"/>
-                </a:solidFill>
-              </a:rPr>
-              <a:t>red</a:t>
-            </a:r>
-            <a:r>
-              <a:rPr lang="de-DE" sz="1100" dirty="0"/>
-              <a:t>) in San Juan per Week, 2010-2013, </a:t>
-            </a:r>
-            <a:r>
-              <a:rPr lang="de-DE" sz="1100" dirty="0" err="1"/>
-              <a:t>Monaghan</a:t>
-            </a:r>
-            <a:r>
-              <a:rPr lang="de-DE" sz="1100" dirty="0"/>
-              <a:t> et al (2015)</a:t>
+        </p:nvSpPr>
+        <p:spPr/>
+        <p:txBody>
+          <a:bodyPr/>
+          <a:lstStyle/>
+          <a:p>
+            <a:r>
+              <a:rPr lang="en-GB" dirty="0"/>
+              <a:t>Small and relatively clean Data Set</a:t>
+            </a:r>
+          </a:p>
+          <a:p>
+            <a:r>
+              <a:rPr lang="en-GB" dirty="0"/>
+              <a:t>Occasional NAs (1.5% of values)</a:t>
+            </a:r>
+          </a:p>
+          <a:p>
+            <a:pPr lvl="1"/>
+            <a:r>
+              <a:rPr lang="en-GB" dirty="0"/>
+              <a:t>Likely are similar to the surrounding values</a:t>
+            </a:r>
+          </a:p>
+          <a:p>
+            <a:pPr lvl="1"/>
+            <a:r>
+              <a:rPr lang="en-GB" dirty="0"/>
+              <a:t>Imputed linearly from the surrounding cases</a:t>
+            </a:r>
+          </a:p>
+          <a:p>
+            <a:r>
+              <a:rPr lang="en-GB" dirty="0"/>
+              <a:t>Lagging of some variables where fit (see below)</a:t>
+            </a:r>
+          </a:p>
+          <a:p>
+            <a:r>
+              <a:rPr lang="en-GB" dirty="0"/>
+              <a:t>Same in the testing data</a:t>
             </a:r>
           </a:p>
         </p:txBody>
@@ -6660,7 +6914,7 @@
     </p:spTree>
     <p:extLst>
       <p:ext uri="{BB962C8B-B14F-4D97-AF65-F5344CB8AC3E}">
-        <p14:creationId xmlns:p14="http://schemas.microsoft.com/office/powerpoint/2010/main" val="1672061114"/>
+        <p14:creationId xmlns:p14="http://schemas.microsoft.com/office/powerpoint/2010/main" val="2352193751"/>
       </p:ext>
     </p:extLst>
   </p:cSld>
@@ -6692,7 +6946,7 @@
           <p:cNvPr id="2" name="Titel 1">
             <a:extLst>
               <a:ext uri="{FF2B5EF4-FFF2-40B4-BE49-F238E27FC236}">
-                <a16:creationId xmlns:a16="http://schemas.microsoft.com/office/drawing/2014/main" id="{0D2B1652-9F49-472F-9BE5-9144CFF457A3}"/>
+                <a16:creationId xmlns:a16="http://schemas.microsoft.com/office/drawing/2014/main" id="{209225D5-AF90-4F49-A477-81AF130313E0}"/>
               </a:ext>
             </a:extLst>
           </p:cNvPr>
@@ -6709,95 +6963,121 @@
           <a:lstStyle/>
           <a:p>
             <a:r>
-              <a:rPr lang="en-GB" dirty="0"/>
-              <a:t>Variable selection and lagging</a:t>
-            </a:r>
-          </a:p>
-        </p:txBody>
-      </p:sp>
-      <p:sp>
-        <p:nvSpPr>
-          <p:cNvPr id="3" name="Inhaltsplatzhalter 2">
-            <a:extLst>
-              <a:ext uri="{FF2B5EF4-FFF2-40B4-BE49-F238E27FC236}">
-                <a16:creationId xmlns:a16="http://schemas.microsoft.com/office/drawing/2014/main" id="{DDA12508-678C-4A17-A5F5-0DE0D9345813}"/>
-              </a:ext>
-            </a:extLst>
-          </p:cNvPr>
-          <p:cNvSpPr>
-            <a:spLocks noGrp="1"/>
-          </p:cNvSpPr>
+              <a:rPr lang="de-DE" dirty="0"/>
+              <a:t>Real Life Cases San Juan</a:t>
+            </a:r>
+            <a:br>
+              <a:rPr lang="de-DE" dirty="0"/>
+            </a:br>
+            <a:r>
+              <a:rPr lang="de-DE" sz="1200" dirty="0"/>
+              <a:t>(</a:t>
+            </a:r>
+            <a:r>
+              <a:rPr lang="de-DE" sz="1200" dirty="0" err="1"/>
+              <a:t>Monaghan</a:t>
+            </a:r>
+            <a:r>
+              <a:rPr lang="de-DE" sz="1200" dirty="0"/>
+              <a:t> et al. 2015, https://doi.org/10.1371/journal.pntd.0004002.g002) </a:t>
+            </a:r>
+          </a:p>
+        </p:txBody>
+      </p:sp>
+      <p:pic>
+        <p:nvPicPr>
+          <p:cNvPr id="5" name="Inhaltsplatzhalter 4">
+            <a:extLst>
+              <a:ext uri="{FF2B5EF4-FFF2-40B4-BE49-F238E27FC236}">
+                <a16:creationId xmlns:a16="http://schemas.microsoft.com/office/drawing/2014/main" id="{9A272D85-0775-4597-88E5-F656B3E2C349}"/>
+              </a:ext>
+            </a:extLst>
+          </p:cNvPr>
+          <p:cNvPicPr>
+            <a:picLocks noGrp="1" noChangeAspect="1"/>
+          </p:cNvPicPr>
           <p:nvPr>
             <p:ph idx="1"/>
           </p:nvPr>
-        </p:nvSpPr>
-        <p:spPr/>
-        <p:txBody>
-          <a:bodyPr/>
-          <a:lstStyle/>
-          <a:p>
-            <a:r>
-              <a:rPr lang="en-GB" dirty="0"/>
-              <a:t>Correlograms for all variables against the number of total cases, for all weeks in the previous year respectively</a:t>
-            </a:r>
-          </a:p>
-          <a:p>
-            <a:r>
-              <a:rPr lang="en-GB" dirty="0"/>
-              <a:t>Winners: </a:t>
-            </a:r>
-          </a:p>
-          <a:p>
-            <a:pPr lvl="1"/>
-            <a:r>
-              <a:rPr lang="en-GB" dirty="0"/>
-              <a:t>Temperature at dew point: 	9 Weeks (SJ), 		11 Weeks (IQ)</a:t>
-            </a:r>
-          </a:p>
-          <a:p>
-            <a:pPr lvl="1"/>
-            <a:r>
-              <a:rPr lang="en-GB" dirty="0"/>
-              <a:t>Air humidity: 			9 Weeks (SJ), 		11 Weeks (IQ) </a:t>
-            </a:r>
-          </a:p>
-          <a:p>
-            <a:pPr lvl="1"/>
-            <a:r>
-              <a:rPr lang="en-GB" dirty="0"/>
-              <a:t>Avg. Temperature: 		11 Weeks (SJ), 		14 Weeks (IQ) (***)</a:t>
-            </a:r>
-          </a:p>
-          <a:p>
-            <a:pPr lvl="1"/>
-            <a:r>
-              <a:rPr lang="en-GB" dirty="0"/>
-              <a:t>Minimum Temperature: 	11 Weeks (SJ), 		10 Weeks (IQ)</a:t>
-            </a:r>
-          </a:p>
-          <a:p>
-            <a:pPr lvl="1"/>
-            <a:r>
-              <a:rPr lang="en-GB" dirty="0"/>
-              <a:t>Absolute Precipitation: 		2 Weeks (SJ), 		4 Weeks (IQ) </a:t>
-            </a:r>
-          </a:p>
-          <a:p>
-            <a:r>
-              <a:rPr lang="en-GB" dirty="0"/>
-              <a:t>Also included lagged cases in some runs</a:t>
-            </a:r>
-          </a:p>
-          <a:p>
-            <a:pPr lvl="1"/>
-            <a:endParaRPr lang="en-GB" dirty="0"/>
+        </p:nvPicPr>
+        <p:blipFill>
+          <a:blip r:embed="rId2">
+            <a:extLst>
+              <a:ext uri="{28A0092B-C50C-407E-A947-70E740481C1C}">
+                <a14:useLocalDpi xmlns:a14="http://schemas.microsoft.com/office/drawing/2010/main" val="0"/>
+              </a:ext>
+            </a:extLst>
+          </a:blip>
+          <a:stretch>
+            <a:fillRect/>
+          </a:stretch>
+        </p:blipFill>
+        <p:spPr>
+          <a:xfrm>
+            <a:off x="3176010" y="1919506"/>
+            <a:ext cx="5839980" cy="4163576"/>
+          </a:xfrm>
+        </p:spPr>
+      </p:pic>
+      <p:sp>
+        <p:nvSpPr>
+          <p:cNvPr id="4" name="Textfeld 3">
+            <a:extLst>
+              <a:ext uri="{FF2B5EF4-FFF2-40B4-BE49-F238E27FC236}">
+                <a16:creationId xmlns:a16="http://schemas.microsoft.com/office/drawing/2014/main" id="{D1E9EC05-D6ED-4BEB-B8B4-E9B214C0D5B1}"/>
+              </a:ext>
+            </a:extLst>
+          </p:cNvPr>
+          <p:cNvSpPr txBox="1"/>
+          <p:nvPr/>
+        </p:nvSpPr>
+        <p:spPr>
+          <a:xfrm>
+            <a:off x="3176010" y="6083082"/>
+            <a:ext cx="4835769" cy="261610"/>
+          </a:xfrm>
+          <a:prstGeom prst="rect">
+            <a:avLst/>
+          </a:prstGeom>
+          <a:noFill/>
+        </p:spPr>
+        <p:txBody>
+          <a:bodyPr wrap="square" rtlCol="0">
+            <a:spAutoFit/>
+          </a:bodyPr>
+          <a:lstStyle/>
+          <a:p>
+            <a:r>
+              <a:rPr lang="de-DE" sz="1100" dirty="0"/>
+              <a:t>Fig. 4: True Cases (</a:t>
+            </a:r>
+            <a:r>
+              <a:rPr lang="de-DE" sz="1100" dirty="0" err="1">
+                <a:solidFill>
+                  <a:srgbClr val="FF0000"/>
+                </a:solidFill>
+              </a:rPr>
+              <a:t>red</a:t>
+            </a:r>
+            <a:r>
+              <a:rPr lang="de-DE" sz="1100" dirty="0"/>
+              <a:t>) in San Juan per Week, 2010-2013, </a:t>
+            </a:r>
+            <a:r>
+              <a:rPr lang="de-DE" sz="1100" dirty="0" err="1"/>
+              <a:t>Monaghan</a:t>
+            </a:r>
+            <a:r>
+              <a:rPr lang="de-DE" sz="1100" dirty="0"/>
+              <a:t> et al (2015)</a:t>
+            </a:r>
           </a:p>
         </p:txBody>
       </p:sp>
     </p:spTree>
     <p:extLst>
       <p:ext uri="{BB962C8B-B14F-4D97-AF65-F5344CB8AC3E}">
-        <p14:creationId xmlns:p14="http://schemas.microsoft.com/office/powerpoint/2010/main" val="2167379491"/>
+        <p14:creationId xmlns:p14="http://schemas.microsoft.com/office/powerpoint/2010/main" val="1672061114"/>
       </p:ext>
     </p:extLst>
   </p:cSld>
